--- a/AWS/01.AWS EC2.pptx
+++ b/AWS/01.AWS EC2.pptx
@@ -4,9 +4,30 @@
   <p:sldMasterIdLst>
     <p:sldMasterId id="2147483648" r:id="rId1"/>
   </p:sldMasterIdLst>
+  <p:notesMasterIdLst>
+    <p:notesMasterId r:id="rId22"/>
+  </p:notesMasterIdLst>
   <p:sldIdLst>
     <p:sldId id="256" r:id="rId2"/>
-    <p:sldId id="257" r:id="rId3"/>
+    <p:sldId id="259" r:id="rId3"/>
+    <p:sldId id="257" r:id="rId4"/>
+    <p:sldId id="260" r:id="rId5"/>
+    <p:sldId id="262" r:id="rId6"/>
+    <p:sldId id="264" r:id="rId7"/>
+    <p:sldId id="263" r:id="rId8"/>
+    <p:sldId id="261" r:id="rId9"/>
+    <p:sldId id="265" r:id="rId10"/>
+    <p:sldId id="266" r:id="rId11"/>
+    <p:sldId id="267" r:id="rId12"/>
+    <p:sldId id="268" r:id="rId13"/>
+    <p:sldId id="269" r:id="rId14"/>
+    <p:sldId id="270" r:id="rId15"/>
+    <p:sldId id="272" r:id="rId16"/>
+    <p:sldId id="273" r:id="rId17"/>
+    <p:sldId id="274" r:id="rId18"/>
+    <p:sldId id="275" r:id="rId19"/>
+    <p:sldId id="276" r:id="rId20"/>
+    <p:sldId id="277" r:id="rId21"/>
   </p:sldIdLst>
   <p:sldSz cx="12192000" cy="6858000"/>
   <p:notesSz cx="6858000" cy="9144000"/>
@@ -113,6 +134,913 @@
 </p:presentation>
 </file>
 
+<file path=ppt/authors.xml><?xml version="1.0" encoding="utf-8"?>
+<p188:authorLst xmlns:a="http://schemas.openxmlformats.org/drawingml/2006/main" xmlns:r="http://schemas.openxmlformats.org/officeDocument/2006/relationships" xmlns:p188="http://schemas.microsoft.com/office/powerpoint/2018/8/main">
+  <p188:author id="{7BA8D1D2-79EF-2FB1-8202-F68930FCCC96}" name="김재현" initials="김" userId="S::elsd0326@student.jbnu.ac.kr::d748fa45-46e2-41f6-b076-e8ffb829c4ff" providerId="AD"/>
+</p188:authorLst>
+</file>
+
+<file path=ppt/notesMasters/notesMaster1.xml><?xml version="1.0" encoding="utf-8"?>
+<p:notesMaster xmlns:a="http://schemas.openxmlformats.org/drawingml/2006/main" xmlns:r="http://schemas.openxmlformats.org/officeDocument/2006/relationships" xmlns:p="http://schemas.openxmlformats.org/presentationml/2006/main">
+  <p:cSld>
+    <p:bg>
+      <p:bgRef idx="1001">
+        <a:schemeClr val="bg1"/>
+      </p:bgRef>
+    </p:bg>
+    <p:spTree>
+      <p:nvGrpSpPr>
+        <p:cNvPr id="1" name=""/>
+        <p:cNvGrpSpPr/>
+        <p:nvPr/>
+      </p:nvGrpSpPr>
+      <p:grpSpPr>
+        <a:xfrm>
+          <a:off x="0" y="0"/>
+          <a:ext cx="0" cy="0"/>
+          <a:chOff x="0" y="0"/>
+          <a:chExt cx="0" cy="0"/>
+        </a:xfrm>
+      </p:grpSpPr>
+      <p:sp>
+        <p:nvSpPr>
+          <p:cNvPr id="2" name="머리글 개체 틀 1"/>
+          <p:cNvSpPr>
+            <a:spLocks noGrp="1"/>
+          </p:cNvSpPr>
+          <p:nvPr>
+            <p:ph type="hdr" sz="quarter"/>
+          </p:nvPr>
+        </p:nvSpPr>
+        <p:spPr>
+          <a:xfrm>
+            <a:off x="0" y="0"/>
+            <a:ext cx="2971800" cy="458788"/>
+          </a:xfrm>
+          <a:prstGeom prst="rect">
+            <a:avLst/>
+          </a:prstGeom>
+        </p:spPr>
+        <p:txBody>
+          <a:bodyPr vert="horz" lIns="91440" tIns="45720" rIns="91440" bIns="45720" rtlCol="0"/>
+          <a:lstStyle>
+            <a:lvl1pPr algn="l">
+              <a:defRPr sz="1200"/>
+            </a:lvl1pPr>
+          </a:lstStyle>
+          <a:p>
+            <a:endParaRPr lang="ko-KR" altLang="en-US"/>
+          </a:p>
+        </p:txBody>
+      </p:sp>
+      <p:sp>
+        <p:nvSpPr>
+          <p:cNvPr id="3" name="날짜 개체 틀 2"/>
+          <p:cNvSpPr>
+            <a:spLocks noGrp="1"/>
+          </p:cNvSpPr>
+          <p:nvPr>
+            <p:ph type="dt" idx="1"/>
+          </p:nvPr>
+        </p:nvSpPr>
+        <p:spPr>
+          <a:xfrm>
+            <a:off x="3884613" y="0"/>
+            <a:ext cx="2971800" cy="458788"/>
+          </a:xfrm>
+          <a:prstGeom prst="rect">
+            <a:avLst/>
+          </a:prstGeom>
+        </p:spPr>
+        <p:txBody>
+          <a:bodyPr vert="horz" lIns="91440" tIns="45720" rIns="91440" bIns="45720" rtlCol="0"/>
+          <a:lstStyle>
+            <a:lvl1pPr algn="r">
+              <a:defRPr sz="1200"/>
+            </a:lvl1pPr>
+          </a:lstStyle>
+          <a:p>
+            <a:fld id="{1BA909BF-503D-46EF-A7F0-824009663C50}" type="datetimeFigureOut">
+              <a:rPr lang="ko-KR" altLang="en-US" smtClean="0"/>
+              <a:t>2022-07-08</a:t>
+            </a:fld>
+            <a:endParaRPr lang="ko-KR" altLang="en-US"/>
+          </a:p>
+        </p:txBody>
+      </p:sp>
+      <p:sp>
+        <p:nvSpPr>
+          <p:cNvPr id="4" name="슬라이드 이미지 개체 틀 3"/>
+          <p:cNvSpPr>
+            <a:spLocks noGrp="1" noRot="1" noChangeAspect="1"/>
+          </p:cNvSpPr>
+          <p:nvPr>
+            <p:ph type="sldImg" idx="2"/>
+          </p:nvPr>
+        </p:nvSpPr>
+        <p:spPr>
+          <a:xfrm>
+            <a:off x="685800" y="1143000"/>
+            <a:ext cx="5486400" cy="3086100"/>
+          </a:xfrm>
+          <a:prstGeom prst="rect">
+            <a:avLst/>
+          </a:prstGeom>
+          <a:noFill/>
+          <a:ln w="12700">
+            <a:solidFill>
+              <a:prstClr val="black"/>
+            </a:solidFill>
+          </a:ln>
+        </p:spPr>
+        <p:txBody>
+          <a:bodyPr vert="horz" lIns="91440" tIns="45720" rIns="91440" bIns="45720" rtlCol="0" anchor="ctr"/>
+          <a:lstStyle/>
+          <a:p>
+            <a:endParaRPr lang="ko-KR" altLang="en-US"/>
+          </a:p>
+        </p:txBody>
+      </p:sp>
+      <p:sp>
+        <p:nvSpPr>
+          <p:cNvPr id="5" name="슬라이드 노트 개체 틀 4"/>
+          <p:cNvSpPr>
+            <a:spLocks noGrp="1"/>
+          </p:cNvSpPr>
+          <p:nvPr>
+            <p:ph type="body" sz="quarter" idx="3"/>
+          </p:nvPr>
+        </p:nvSpPr>
+        <p:spPr>
+          <a:xfrm>
+            <a:off x="685800" y="4400550"/>
+            <a:ext cx="5486400" cy="3600450"/>
+          </a:xfrm>
+          <a:prstGeom prst="rect">
+            <a:avLst/>
+          </a:prstGeom>
+        </p:spPr>
+        <p:txBody>
+          <a:bodyPr vert="horz" lIns="91440" tIns="45720" rIns="91440" bIns="45720" rtlCol="0"/>
+          <a:lstStyle/>
+          <a:p>
+            <a:pPr lvl="0"/>
+            <a:r>
+              <a:rPr lang="ko-KR" altLang="en-US"/>
+              <a:t>마스터 텍스트 스타일을 편집하려면 클릭</a:t>
+            </a:r>
+          </a:p>
+          <a:p>
+            <a:pPr lvl="1"/>
+            <a:r>
+              <a:rPr lang="ko-KR" altLang="en-US"/>
+              <a:t>두 번째 수준</a:t>
+            </a:r>
+          </a:p>
+          <a:p>
+            <a:pPr lvl="2"/>
+            <a:r>
+              <a:rPr lang="ko-KR" altLang="en-US"/>
+              <a:t>세 번째 수준</a:t>
+            </a:r>
+          </a:p>
+          <a:p>
+            <a:pPr lvl="3"/>
+            <a:r>
+              <a:rPr lang="ko-KR" altLang="en-US"/>
+              <a:t>네 번째 수준</a:t>
+            </a:r>
+          </a:p>
+          <a:p>
+            <a:pPr lvl="4"/>
+            <a:r>
+              <a:rPr lang="ko-KR" altLang="en-US"/>
+              <a:t>다섯 번째 수준</a:t>
+            </a:r>
+          </a:p>
+        </p:txBody>
+      </p:sp>
+      <p:sp>
+        <p:nvSpPr>
+          <p:cNvPr id="6" name="바닥글 개체 틀 5"/>
+          <p:cNvSpPr>
+            <a:spLocks noGrp="1"/>
+          </p:cNvSpPr>
+          <p:nvPr>
+            <p:ph type="ftr" sz="quarter" idx="4"/>
+          </p:nvPr>
+        </p:nvSpPr>
+        <p:spPr>
+          <a:xfrm>
+            <a:off x="0" y="8685213"/>
+            <a:ext cx="2971800" cy="458787"/>
+          </a:xfrm>
+          <a:prstGeom prst="rect">
+            <a:avLst/>
+          </a:prstGeom>
+        </p:spPr>
+        <p:txBody>
+          <a:bodyPr vert="horz" lIns="91440" tIns="45720" rIns="91440" bIns="45720" rtlCol="0" anchor="b"/>
+          <a:lstStyle>
+            <a:lvl1pPr algn="l">
+              <a:defRPr sz="1200"/>
+            </a:lvl1pPr>
+          </a:lstStyle>
+          <a:p>
+            <a:endParaRPr lang="ko-KR" altLang="en-US"/>
+          </a:p>
+        </p:txBody>
+      </p:sp>
+      <p:sp>
+        <p:nvSpPr>
+          <p:cNvPr id="7" name="슬라이드 번호 개체 틀 6"/>
+          <p:cNvSpPr>
+            <a:spLocks noGrp="1"/>
+          </p:cNvSpPr>
+          <p:nvPr>
+            <p:ph type="sldNum" sz="quarter" idx="5"/>
+          </p:nvPr>
+        </p:nvSpPr>
+        <p:spPr>
+          <a:xfrm>
+            <a:off x="3884613" y="8685213"/>
+            <a:ext cx="2971800" cy="458787"/>
+          </a:xfrm>
+          <a:prstGeom prst="rect">
+            <a:avLst/>
+          </a:prstGeom>
+        </p:spPr>
+        <p:txBody>
+          <a:bodyPr vert="horz" lIns="91440" tIns="45720" rIns="91440" bIns="45720" rtlCol="0" anchor="b"/>
+          <a:lstStyle>
+            <a:lvl1pPr algn="r">
+              <a:defRPr sz="1200"/>
+            </a:lvl1pPr>
+          </a:lstStyle>
+          <a:p>
+            <a:fld id="{19F5C388-934A-4DC6-9185-7480E02DF183}" type="slidenum">
+              <a:rPr lang="ko-KR" altLang="en-US" smtClean="0"/>
+              <a:t>‹#›</a:t>
+            </a:fld>
+            <a:endParaRPr lang="ko-KR" altLang="en-US"/>
+          </a:p>
+        </p:txBody>
+      </p:sp>
+    </p:spTree>
+    <p:extLst>
+      <p:ext uri="{BB962C8B-B14F-4D97-AF65-F5344CB8AC3E}">
+        <p14:creationId xmlns:p14="http://schemas.microsoft.com/office/powerpoint/2010/main" val="763765741"/>
+      </p:ext>
+    </p:extLst>
+  </p:cSld>
+  <p:clrMap bg1="lt1" tx1="dk1" bg2="lt2" tx2="dk2" accent1="accent1" accent2="accent2" accent3="accent3" accent4="accent4" accent5="accent5" accent6="accent6" hlink="hlink" folHlink="folHlink"/>
+  <p:notesStyle>
+    <a:lvl1pPr marL="0" algn="l" defTabSz="914400" rtl="0" eaLnBrk="1" latinLnBrk="1" hangingPunct="1">
+      <a:defRPr sz="1200" kern="1200">
+        <a:solidFill>
+          <a:schemeClr val="tx1"/>
+        </a:solidFill>
+        <a:latin typeface="+mn-lt"/>
+        <a:ea typeface="+mn-ea"/>
+        <a:cs typeface="+mn-cs"/>
+      </a:defRPr>
+    </a:lvl1pPr>
+    <a:lvl2pPr marL="457200" algn="l" defTabSz="914400" rtl="0" eaLnBrk="1" latinLnBrk="1" hangingPunct="1">
+      <a:defRPr sz="1200" kern="1200">
+        <a:solidFill>
+          <a:schemeClr val="tx1"/>
+        </a:solidFill>
+        <a:latin typeface="+mn-lt"/>
+        <a:ea typeface="+mn-ea"/>
+        <a:cs typeface="+mn-cs"/>
+      </a:defRPr>
+    </a:lvl2pPr>
+    <a:lvl3pPr marL="914400" algn="l" defTabSz="914400" rtl="0" eaLnBrk="1" latinLnBrk="1" hangingPunct="1">
+      <a:defRPr sz="1200" kern="1200">
+        <a:solidFill>
+          <a:schemeClr val="tx1"/>
+        </a:solidFill>
+        <a:latin typeface="+mn-lt"/>
+        <a:ea typeface="+mn-ea"/>
+        <a:cs typeface="+mn-cs"/>
+      </a:defRPr>
+    </a:lvl3pPr>
+    <a:lvl4pPr marL="1371600" algn="l" defTabSz="914400" rtl="0" eaLnBrk="1" latinLnBrk="1" hangingPunct="1">
+      <a:defRPr sz="1200" kern="1200">
+        <a:solidFill>
+          <a:schemeClr val="tx1"/>
+        </a:solidFill>
+        <a:latin typeface="+mn-lt"/>
+        <a:ea typeface="+mn-ea"/>
+        <a:cs typeface="+mn-cs"/>
+      </a:defRPr>
+    </a:lvl4pPr>
+    <a:lvl5pPr marL="1828800" algn="l" defTabSz="914400" rtl="0" eaLnBrk="1" latinLnBrk="1" hangingPunct="1">
+      <a:defRPr sz="1200" kern="1200">
+        <a:solidFill>
+          <a:schemeClr val="tx1"/>
+        </a:solidFill>
+        <a:latin typeface="+mn-lt"/>
+        <a:ea typeface="+mn-ea"/>
+        <a:cs typeface="+mn-cs"/>
+      </a:defRPr>
+    </a:lvl5pPr>
+    <a:lvl6pPr marL="2286000" algn="l" defTabSz="914400" rtl="0" eaLnBrk="1" latinLnBrk="1" hangingPunct="1">
+      <a:defRPr sz="1200" kern="1200">
+        <a:solidFill>
+          <a:schemeClr val="tx1"/>
+        </a:solidFill>
+        <a:latin typeface="+mn-lt"/>
+        <a:ea typeface="+mn-ea"/>
+        <a:cs typeface="+mn-cs"/>
+      </a:defRPr>
+    </a:lvl6pPr>
+    <a:lvl7pPr marL="2743200" algn="l" defTabSz="914400" rtl="0" eaLnBrk="1" latinLnBrk="1" hangingPunct="1">
+      <a:defRPr sz="1200" kern="1200">
+        <a:solidFill>
+          <a:schemeClr val="tx1"/>
+        </a:solidFill>
+        <a:latin typeface="+mn-lt"/>
+        <a:ea typeface="+mn-ea"/>
+        <a:cs typeface="+mn-cs"/>
+      </a:defRPr>
+    </a:lvl7pPr>
+    <a:lvl8pPr marL="3200400" algn="l" defTabSz="914400" rtl="0" eaLnBrk="1" latinLnBrk="1" hangingPunct="1">
+      <a:defRPr sz="1200" kern="1200">
+        <a:solidFill>
+          <a:schemeClr val="tx1"/>
+        </a:solidFill>
+        <a:latin typeface="+mn-lt"/>
+        <a:ea typeface="+mn-ea"/>
+        <a:cs typeface="+mn-cs"/>
+      </a:defRPr>
+    </a:lvl8pPr>
+    <a:lvl9pPr marL="3657600" algn="l" defTabSz="914400" rtl="0" eaLnBrk="1" latinLnBrk="1" hangingPunct="1">
+      <a:defRPr sz="1200" kern="1200">
+        <a:solidFill>
+          <a:schemeClr val="tx1"/>
+        </a:solidFill>
+        <a:latin typeface="+mn-lt"/>
+        <a:ea typeface="+mn-ea"/>
+        <a:cs typeface="+mn-cs"/>
+      </a:defRPr>
+    </a:lvl9pPr>
+  </p:notesStyle>
+</p:notesMaster>
+</file>
+
+<file path=ppt/notesSlides/notesSlide1.xml><?xml version="1.0" encoding="utf-8"?>
+<p:notes xmlns:a="http://schemas.openxmlformats.org/drawingml/2006/main" xmlns:r="http://schemas.openxmlformats.org/officeDocument/2006/relationships" xmlns:p="http://schemas.openxmlformats.org/presentationml/2006/main">
+  <p:cSld>
+    <p:spTree>
+      <p:nvGrpSpPr>
+        <p:cNvPr id="1" name=""/>
+        <p:cNvGrpSpPr/>
+        <p:nvPr/>
+      </p:nvGrpSpPr>
+      <p:grpSpPr>
+        <a:xfrm>
+          <a:off x="0" y="0"/>
+          <a:ext cx="0" cy="0"/>
+          <a:chOff x="0" y="0"/>
+          <a:chExt cx="0" cy="0"/>
+        </a:xfrm>
+      </p:grpSpPr>
+      <p:sp>
+        <p:nvSpPr>
+          <p:cNvPr id="2" name="슬라이드 이미지 개체 틀 1"/>
+          <p:cNvSpPr>
+            <a:spLocks noGrp="1" noRot="1" noChangeAspect="1"/>
+          </p:cNvSpPr>
+          <p:nvPr>
+            <p:ph type="sldImg"/>
+          </p:nvPr>
+        </p:nvSpPr>
+        <p:spPr/>
+      </p:sp>
+      <p:sp>
+        <p:nvSpPr>
+          <p:cNvPr id="3" name="슬라이드 노트 개체 틀 2"/>
+          <p:cNvSpPr>
+            <a:spLocks noGrp="1"/>
+          </p:cNvSpPr>
+          <p:nvPr>
+            <p:ph type="body" idx="1"/>
+          </p:nvPr>
+        </p:nvSpPr>
+        <p:spPr/>
+        <p:txBody>
+          <a:bodyPr/>
+          <a:lstStyle/>
+          <a:p>
+            <a:r>
+              <a:rPr lang="ko-KR" altLang="en-US" dirty="0"/>
+              <a:t>워크로드 크기에 최적화된 인스턴스를 사용해야 한다</a:t>
+            </a:r>
+            <a:r>
+              <a:rPr lang="en-US" altLang="ko-KR" dirty="0"/>
+              <a:t>.</a:t>
+            </a:r>
+            <a:endParaRPr lang="ko-KR" altLang="en-US" dirty="0"/>
+          </a:p>
+        </p:txBody>
+      </p:sp>
+      <p:sp>
+        <p:nvSpPr>
+          <p:cNvPr id="4" name="슬라이드 번호 개체 틀 3"/>
+          <p:cNvSpPr>
+            <a:spLocks noGrp="1"/>
+          </p:cNvSpPr>
+          <p:nvPr>
+            <p:ph type="sldNum" sz="quarter" idx="5"/>
+          </p:nvPr>
+        </p:nvSpPr>
+        <p:spPr/>
+        <p:txBody>
+          <a:bodyPr/>
+          <a:lstStyle/>
+          <a:p>
+            <a:fld id="{19F5C388-934A-4DC6-9185-7480E02DF183}" type="slidenum">
+              <a:rPr lang="ko-KR" altLang="en-US" smtClean="0"/>
+              <a:t>15</a:t>
+            </a:fld>
+            <a:endParaRPr lang="ko-KR" altLang="en-US"/>
+          </a:p>
+        </p:txBody>
+      </p:sp>
+    </p:spTree>
+    <p:extLst>
+      <p:ext uri="{BB962C8B-B14F-4D97-AF65-F5344CB8AC3E}">
+        <p14:creationId xmlns:p14="http://schemas.microsoft.com/office/powerpoint/2010/main" val="2065614756"/>
+      </p:ext>
+    </p:extLst>
+  </p:cSld>
+  <p:clrMapOvr>
+    <a:masterClrMapping/>
+  </p:clrMapOvr>
+</p:notes>
+</file>
+
+<file path=ppt/notesSlides/notesSlide2.xml><?xml version="1.0" encoding="utf-8"?>
+<p:notes xmlns:a="http://schemas.openxmlformats.org/drawingml/2006/main" xmlns:r="http://schemas.openxmlformats.org/officeDocument/2006/relationships" xmlns:p="http://schemas.openxmlformats.org/presentationml/2006/main">
+  <p:cSld>
+    <p:spTree>
+      <p:nvGrpSpPr>
+        <p:cNvPr id="1" name=""/>
+        <p:cNvGrpSpPr/>
+        <p:nvPr/>
+      </p:nvGrpSpPr>
+      <p:grpSpPr>
+        <a:xfrm>
+          <a:off x="0" y="0"/>
+          <a:ext cx="0" cy="0"/>
+          <a:chOff x="0" y="0"/>
+          <a:chExt cx="0" cy="0"/>
+        </a:xfrm>
+      </p:grpSpPr>
+      <p:sp>
+        <p:nvSpPr>
+          <p:cNvPr id="2" name="슬라이드 이미지 개체 틀 1"/>
+          <p:cNvSpPr>
+            <a:spLocks noGrp="1" noRot="1" noChangeAspect="1"/>
+          </p:cNvSpPr>
+          <p:nvPr>
+            <p:ph type="sldImg"/>
+          </p:nvPr>
+        </p:nvSpPr>
+        <p:spPr/>
+      </p:sp>
+      <p:sp>
+        <p:nvSpPr>
+          <p:cNvPr id="3" name="슬라이드 노트 개체 틀 2"/>
+          <p:cNvSpPr>
+            <a:spLocks noGrp="1"/>
+          </p:cNvSpPr>
+          <p:nvPr>
+            <p:ph type="body" idx="1"/>
+          </p:nvPr>
+        </p:nvSpPr>
+        <p:spPr/>
+        <p:txBody>
+          <a:bodyPr/>
+          <a:lstStyle/>
+          <a:p>
+            <a:r>
+              <a:rPr lang="ko-KR" altLang="en-US" dirty="0"/>
+              <a:t>워크로드 크기에 최적화된 인스턴스를 사용해야 한다</a:t>
+            </a:r>
+            <a:r>
+              <a:rPr lang="en-US" altLang="ko-KR" dirty="0"/>
+              <a:t>.</a:t>
+            </a:r>
+            <a:endParaRPr lang="ko-KR" altLang="en-US" dirty="0"/>
+          </a:p>
+        </p:txBody>
+      </p:sp>
+      <p:sp>
+        <p:nvSpPr>
+          <p:cNvPr id="4" name="슬라이드 번호 개체 틀 3"/>
+          <p:cNvSpPr>
+            <a:spLocks noGrp="1"/>
+          </p:cNvSpPr>
+          <p:nvPr>
+            <p:ph type="sldNum" sz="quarter" idx="5"/>
+          </p:nvPr>
+        </p:nvSpPr>
+        <p:spPr/>
+        <p:txBody>
+          <a:bodyPr/>
+          <a:lstStyle/>
+          <a:p>
+            <a:fld id="{19F5C388-934A-4DC6-9185-7480E02DF183}" type="slidenum">
+              <a:rPr lang="ko-KR" altLang="en-US" smtClean="0"/>
+              <a:t>16</a:t>
+            </a:fld>
+            <a:endParaRPr lang="ko-KR" altLang="en-US"/>
+          </a:p>
+        </p:txBody>
+      </p:sp>
+    </p:spTree>
+    <p:extLst>
+      <p:ext uri="{BB962C8B-B14F-4D97-AF65-F5344CB8AC3E}">
+        <p14:creationId xmlns:p14="http://schemas.microsoft.com/office/powerpoint/2010/main" val="2330113826"/>
+      </p:ext>
+    </p:extLst>
+  </p:cSld>
+  <p:clrMapOvr>
+    <a:masterClrMapping/>
+  </p:clrMapOvr>
+</p:notes>
+</file>
+
+<file path=ppt/notesSlides/notesSlide3.xml><?xml version="1.0" encoding="utf-8"?>
+<p:notes xmlns:a="http://schemas.openxmlformats.org/drawingml/2006/main" xmlns:r="http://schemas.openxmlformats.org/officeDocument/2006/relationships" xmlns:p="http://schemas.openxmlformats.org/presentationml/2006/main">
+  <p:cSld>
+    <p:spTree>
+      <p:nvGrpSpPr>
+        <p:cNvPr id="1" name=""/>
+        <p:cNvGrpSpPr/>
+        <p:nvPr/>
+      </p:nvGrpSpPr>
+      <p:grpSpPr>
+        <a:xfrm>
+          <a:off x="0" y="0"/>
+          <a:ext cx="0" cy="0"/>
+          <a:chOff x="0" y="0"/>
+          <a:chExt cx="0" cy="0"/>
+        </a:xfrm>
+      </p:grpSpPr>
+      <p:sp>
+        <p:nvSpPr>
+          <p:cNvPr id="2" name="슬라이드 이미지 개체 틀 1"/>
+          <p:cNvSpPr>
+            <a:spLocks noGrp="1" noRot="1" noChangeAspect="1"/>
+          </p:cNvSpPr>
+          <p:nvPr>
+            <p:ph type="sldImg"/>
+          </p:nvPr>
+        </p:nvSpPr>
+        <p:spPr/>
+      </p:sp>
+      <p:sp>
+        <p:nvSpPr>
+          <p:cNvPr id="3" name="슬라이드 노트 개체 틀 2"/>
+          <p:cNvSpPr>
+            <a:spLocks noGrp="1"/>
+          </p:cNvSpPr>
+          <p:nvPr>
+            <p:ph type="body" idx="1"/>
+          </p:nvPr>
+        </p:nvSpPr>
+        <p:spPr/>
+        <p:txBody>
+          <a:bodyPr/>
+          <a:lstStyle/>
+          <a:p>
+            <a:r>
+              <a:rPr lang="ko-KR" altLang="en-US" dirty="0"/>
+              <a:t>워크로드 크기에 최적화된 인스턴스를 사용해야 한다</a:t>
+            </a:r>
+            <a:r>
+              <a:rPr lang="en-US" altLang="ko-KR" dirty="0"/>
+              <a:t>.</a:t>
+            </a:r>
+            <a:endParaRPr lang="ko-KR" altLang="en-US" dirty="0"/>
+          </a:p>
+        </p:txBody>
+      </p:sp>
+      <p:sp>
+        <p:nvSpPr>
+          <p:cNvPr id="4" name="슬라이드 번호 개체 틀 3"/>
+          <p:cNvSpPr>
+            <a:spLocks noGrp="1"/>
+          </p:cNvSpPr>
+          <p:nvPr>
+            <p:ph type="sldNum" sz="quarter" idx="5"/>
+          </p:nvPr>
+        </p:nvSpPr>
+        <p:spPr/>
+        <p:txBody>
+          <a:bodyPr/>
+          <a:lstStyle/>
+          <a:p>
+            <a:fld id="{19F5C388-934A-4DC6-9185-7480E02DF183}" type="slidenum">
+              <a:rPr lang="ko-KR" altLang="en-US" smtClean="0"/>
+              <a:t>17</a:t>
+            </a:fld>
+            <a:endParaRPr lang="ko-KR" altLang="en-US"/>
+          </a:p>
+        </p:txBody>
+      </p:sp>
+    </p:spTree>
+    <p:extLst>
+      <p:ext uri="{BB962C8B-B14F-4D97-AF65-F5344CB8AC3E}">
+        <p14:creationId xmlns:p14="http://schemas.microsoft.com/office/powerpoint/2010/main" val="1370298352"/>
+      </p:ext>
+    </p:extLst>
+  </p:cSld>
+  <p:clrMapOvr>
+    <a:masterClrMapping/>
+  </p:clrMapOvr>
+</p:notes>
+</file>
+
+<file path=ppt/notesSlides/notesSlide4.xml><?xml version="1.0" encoding="utf-8"?>
+<p:notes xmlns:a="http://schemas.openxmlformats.org/drawingml/2006/main" xmlns:r="http://schemas.openxmlformats.org/officeDocument/2006/relationships" xmlns:p="http://schemas.openxmlformats.org/presentationml/2006/main">
+  <p:cSld>
+    <p:spTree>
+      <p:nvGrpSpPr>
+        <p:cNvPr id="1" name=""/>
+        <p:cNvGrpSpPr/>
+        <p:nvPr/>
+      </p:nvGrpSpPr>
+      <p:grpSpPr>
+        <a:xfrm>
+          <a:off x="0" y="0"/>
+          <a:ext cx="0" cy="0"/>
+          <a:chOff x="0" y="0"/>
+          <a:chExt cx="0" cy="0"/>
+        </a:xfrm>
+      </p:grpSpPr>
+      <p:sp>
+        <p:nvSpPr>
+          <p:cNvPr id="2" name="슬라이드 이미지 개체 틀 1"/>
+          <p:cNvSpPr>
+            <a:spLocks noGrp="1" noRot="1" noChangeAspect="1"/>
+          </p:cNvSpPr>
+          <p:nvPr>
+            <p:ph type="sldImg"/>
+          </p:nvPr>
+        </p:nvSpPr>
+        <p:spPr/>
+      </p:sp>
+      <p:sp>
+        <p:nvSpPr>
+          <p:cNvPr id="3" name="슬라이드 노트 개체 틀 2"/>
+          <p:cNvSpPr>
+            <a:spLocks noGrp="1"/>
+          </p:cNvSpPr>
+          <p:nvPr>
+            <p:ph type="body" idx="1"/>
+          </p:nvPr>
+        </p:nvSpPr>
+        <p:spPr/>
+        <p:txBody>
+          <a:bodyPr/>
+          <a:lstStyle/>
+          <a:p>
+            <a:r>
+              <a:rPr lang="ko-KR" altLang="en-US" dirty="0"/>
+              <a:t>워크로드 크기에 최적화된 인스턴스를 사용해야 한다</a:t>
+            </a:r>
+            <a:r>
+              <a:rPr lang="en-US" altLang="ko-KR" dirty="0"/>
+              <a:t>.</a:t>
+            </a:r>
+            <a:endParaRPr lang="ko-KR" altLang="en-US" dirty="0"/>
+          </a:p>
+        </p:txBody>
+      </p:sp>
+      <p:sp>
+        <p:nvSpPr>
+          <p:cNvPr id="4" name="슬라이드 번호 개체 틀 3"/>
+          <p:cNvSpPr>
+            <a:spLocks noGrp="1"/>
+          </p:cNvSpPr>
+          <p:nvPr>
+            <p:ph type="sldNum" sz="quarter" idx="5"/>
+          </p:nvPr>
+        </p:nvSpPr>
+        <p:spPr/>
+        <p:txBody>
+          <a:bodyPr/>
+          <a:lstStyle/>
+          <a:p>
+            <a:fld id="{19F5C388-934A-4DC6-9185-7480E02DF183}" type="slidenum">
+              <a:rPr lang="ko-KR" altLang="en-US" smtClean="0"/>
+              <a:t>18</a:t>
+            </a:fld>
+            <a:endParaRPr lang="ko-KR" altLang="en-US"/>
+          </a:p>
+        </p:txBody>
+      </p:sp>
+    </p:spTree>
+    <p:extLst>
+      <p:ext uri="{BB962C8B-B14F-4D97-AF65-F5344CB8AC3E}">
+        <p14:creationId xmlns:p14="http://schemas.microsoft.com/office/powerpoint/2010/main" val="4131389940"/>
+      </p:ext>
+    </p:extLst>
+  </p:cSld>
+  <p:clrMapOvr>
+    <a:masterClrMapping/>
+  </p:clrMapOvr>
+</p:notes>
+</file>
+
+<file path=ppt/notesSlides/notesSlide5.xml><?xml version="1.0" encoding="utf-8"?>
+<p:notes xmlns:a="http://schemas.openxmlformats.org/drawingml/2006/main" xmlns:r="http://schemas.openxmlformats.org/officeDocument/2006/relationships" xmlns:p="http://schemas.openxmlformats.org/presentationml/2006/main">
+  <p:cSld>
+    <p:spTree>
+      <p:nvGrpSpPr>
+        <p:cNvPr id="1" name=""/>
+        <p:cNvGrpSpPr/>
+        <p:nvPr/>
+      </p:nvGrpSpPr>
+      <p:grpSpPr>
+        <a:xfrm>
+          <a:off x="0" y="0"/>
+          <a:ext cx="0" cy="0"/>
+          <a:chOff x="0" y="0"/>
+          <a:chExt cx="0" cy="0"/>
+        </a:xfrm>
+      </p:grpSpPr>
+      <p:sp>
+        <p:nvSpPr>
+          <p:cNvPr id="2" name="슬라이드 이미지 개체 틀 1"/>
+          <p:cNvSpPr>
+            <a:spLocks noGrp="1" noRot="1" noChangeAspect="1"/>
+          </p:cNvSpPr>
+          <p:nvPr>
+            <p:ph type="sldImg"/>
+          </p:nvPr>
+        </p:nvSpPr>
+        <p:spPr/>
+      </p:sp>
+      <p:sp>
+        <p:nvSpPr>
+          <p:cNvPr id="3" name="슬라이드 노트 개체 틀 2"/>
+          <p:cNvSpPr>
+            <a:spLocks noGrp="1"/>
+          </p:cNvSpPr>
+          <p:nvPr>
+            <p:ph type="body" idx="1"/>
+          </p:nvPr>
+        </p:nvSpPr>
+        <p:spPr/>
+        <p:txBody>
+          <a:bodyPr/>
+          <a:lstStyle/>
+          <a:p>
+            <a:r>
+              <a:rPr lang="ko-KR" altLang="en-US" dirty="0"/>
+              <a:t>워크로드 크기에 최적화된 인스턴스를 사용해야 한다</a:t>
+            </a:r>
+            <a:r>
+              <a:rPr lang="en-US" altLang="ko-KR" dirty="0"/>
+              <a:t>.</a:t>
+            </a:r>
+            <a:endParaRPr lang="ko-KR" altLang="en-US" dirty="0"/>
+          </a:p>
+        </p:txBody>
+      </p:sp>
+      <p:sp>
+        <p:nvSpPr>
+          <p:cNvPr id="4" name="슬라이드 번호 개체 틀 3"/>
+          <p:cNvSpPr>
+            <a:spLocks noGrp="1"/>
+          </p:cNvSpPr>
+          <p:nvPr>
+            <p:ph type="sldNum" sz="quarter" idx="5"/>
+          </p:nvPr>
+        </p:nvSpPr>
+        <p:spPr/>
+        <p:txBody>
+          <a:bodyPr/>
+          <a:lstStyle/>
+          <a:p>
+            <a:fld id="{19F5C388-934A-4DC6-9185-7480E02DF183}" type="slidenum">
+              <a:rPr lang="ko-KR" altLang="en-US" smtClean="0"/>
+              <a:t>19</a:t>
+            </a:fld>
+            <a:endParaRPr lang="ko-KR" altLang="en-US"/>
+          </a:p>
+        </p:txBody>
+      </p:sp>
+    </p:spTree>
+    <p:extLst>
+      <p:ext uri="{BB962C8B-B14F-4D97-AF65-F5344CB8AC3E}">
+        <p14:creationId xmlns:p14="http://schemas.microsoft.com/office/powerpoint/2010/main" val="3811593490"/>
+      </p:ext>
+    </p:extLst>
+  </p:cSld>
+  <p:clrMapOvr>
+    <a:masterClrMapping/>
+  </p:clrMapOvr>
+</p:notes>
+</file>
+
+<file path=ppt/notesSlides/notesSlide6.xml><?xml version="1.0" encoding="utf-8"?>
+<p:notes xmlns:a="http://schemas.openxmlformats.org/drawingml/2006/main" xmlns:r="http://schemas.openxmlformats.org/officeDocument/2006/relationships" xmlns:p="http://schemas.openxmlformats.org/presentationml/2006/main">
+  <p:cSld>
+    <p:spTree>
+      <p:nvGrpSpPr>
+        <p:cNvPr id="1" name=""/>
+        <p:cNvGrpSpPr/>
+        <p:nvPr/>
+      </p:nvGrpSpPr>
+      <p:grpSpPr>
+        <a:xfrm>
+          <a:off x="0" y="0"/>
+          <a:ext cx="0" cy="0"/>
+          <a:chOff x="0" y="0"/>
+          <a:chExt cx="0" cy="0"/>
+        </a:xfrm>
+      </p:grpSpPr>
+      <p:sp>
+        <p:nvSpPr>
+          <p:cNvPr id="2" name="슬라이드 이미지 개체 틀 1"/>
+          <p:cNvSpPr>
+            <a:spLocks noGrp="1" noRot="1" noChangeAspect="1"/>
+          </p:cNvSpPr>
+          <p:nvPr>
+            <p:ph type="sldImg"/>
+          </p:nvPr>
+        </p:nvSpPr>
+        <p:spPr/>
+      </p:sp>
+      <p:sp>
+        <p:nvSpPr>
+          <p:cNvPr id="3" name="슬라이드 노트 개체 틀 2"/>
+          <p:cNvSpPr>
+            <a:spLocks noGrp="1"/>
+          </p:cNvSpPr>
+          <p:nvPr>
+            <p:ph type="body" idx="1"/>
+          </p:nvPr>
+        </p:nvSpPr>
+        <p:spPr/>
+        <p:txBody>
+          <a:bodyPr/>
+          <a:lstStyle/>
+          <a:p>
+            <a:r>
+              <a:rPr lang="ko-KR" altLang="en-US" dirty="0"/>
+              <a:t>워크로드 크기에 최적화된 인스턴스를 사용해야 한다</a:t>
+            </a:r>
+            <a:r>
+              <a:rPr lang="en-US" altLang="ko-KR" dirty="0"/>
+              <a:t>.</a:t>
+            </a:r>
+            <a:endParaRPr lang="ko-KR" altLang="en-US" dirty="0"/>
+          </a:p>
+        </p:txBody>
+      </p:sp>
+      <p:sp>
+        <p:nvSpPr>
+          <p:cNvPr id="4" name="슬라이드 번호 개체 틀 3"/>
+          <p:cNvSpPr>
+            <a:spLocks noGrp="1"/>
+          </p:cNvSpPr>
+          <p:nvPr>
+            <p:ph type="sldNum" sz="quarter" idx="5"/>
+          </p:nvPr>
+        </p:nvSpPr>
+        <p:spPr/>
+        <p:txBody>
+          <a:bodyPr/>
+          <a:lstStyle/>
+          <a:p>
+            <a:fld id="{19F5C388-934A-4DC6-9185-7480E02DF183}" type="slidenum">
+              <a:rPr lang="ko-KR" altLang="en-US" smtClean="0"/>
+              <a:t>20</a:t>
+            </a:fld>
+            <a:endParaRPr lang="ko-KR" altLang="en-US"/>
+          </a:p>
+        </p:txBody>
+      </p:sp>
+    </p:spTree>
+    <p:extLst>
+      <p:ext uri="{BB962C8B-B14F-4D97-AF65-F5344CB8AC3E}">
+        <p14:creationId xmlns:p14="http://schemas.microsoft.com/office/powerpoint/2010/main" val="1710518581"/>
+      </p:ext>
+    </p:extLst>
+  </p:cSld>
+  <p:clrMapOvr>
+    <a:masterClrMapping/>
+  </p:clrMapOvr>
+</p:notes>
+</file>
+
 <file path=ppt/slideLayouts/slideLayout1.xml><?xml version="1.0" encoding="utf-8"?>
 <p:sldLayout xmlns:a="http://schemas.openxmlformats.org/drawingml/2006/main" xmlns:r="http://schemas.openxmlformats.org/officeDocument/2006/relationships" xmlns:p="http://schemas.openxmlformats.org/presentationml/2006/main" type="title" preserve="1">
   <p:cSld name="제목 슬라이드">
@@ -260,7 +1188,7 @@
           <a:p>
             <a:fld id="{89B3C2D2-5A1C-4C7F-8B84-C4DC8EB1FF56}" type="datetimeFigureOut">
               <a:rPr lang="ko-KR" altLang="en-US" smtClean="0"/>
-              <a:t>2022-06-28</a:t>
+              <a:t>2022-07-08</a:t>
             </a:fld>
             <a:endParaRPr lang="ko-KR" altLang="en-US"/>
           </a:p>
@@ -458,7 +1386,7 @@
           <a:p>
             <a:fld id="{89B3C2D2-5A1C-4C7F-8B84-C4DC8EB1FF56}" type="datetimeFigureOut">
               <a:rPr lang="ko-KR" altLang="en-US" smtClean="0"/>
-              <a:t>2022-06-28</a:t>
+              <a:t>2022-07-08</a:t>
             </a:fld>
             <a:endParaRPr lang="ko-KR" altLang="en-US"/>
           </a:p>
@@ -666,7 +1594,7 @@
           <a:p>
             <a:fld id="{89B3C2D2-5A1C-4C7F-8B84-C4DC8EB1FF56}" type="datetimeFigureOut">
               <a:rPr lang="ko-KR" altLang="en-US" smtClean="0"/>
-              <a:t>2022-06-28</a:t>
+              <a:t>2022-07-08</a:t>
             </a:fld>
             <a:endParaRPr lang="ko-KR" altLang="en-US"/>
           </a:p>
@@ -864,7 +1792,7 @@
           <a:p>
             <a:fld id="{89B3C2D2-5A1C-4C7F-8B84-C4DC8EB1FF56}" type="datetimeFigureOut">
               <a:rPr lang="ko-KR" altLang="en-US" smtClean="0"/>
-              <a:t>2022-06-28</a:t>
+              <a:t>2022-07-08</a:t>
             </a:fld>
             <a:endParaRPr lang="ko-KR" altLang="en-US"/>
           </a:p>
@@ -1139,7 +2067,7 @@
           <a:p>
             <a:fld id="{89B3C2D2-5A1C-4C7F-8B84-C4DC8EB1FF56}" type="datetimeFigureOut">
               <a:rPr lang="ko-KR" altLang="en-US" smtClean="0"/>
-              <a:t>2022-06-28</a:t>
+              <a:t>2022-07-08</a:t>
             </a:fld>
             <a:endParaRPr lang="ko-KR" altLang="en-US"/>
           </a:p>
@@ -1404,7 +2332,7 @@
           <a:p>
             <a:fld id="{89B3C2D2-5A1C-4C7F-8B84-C4DC8EB1FF56}" type="datetimeFigureOut">
               <a:rPr lang="ko-KR" altLang="en-US" smtClean="0"/>
-              <a:t>2022-06-28</a:t>
+              <a:t>2022-07-08</a:t>
             </a:fld>
             <a:endParaRPr lang="ko-KR" altLang="en-US"/>
           </a:p>
@@ -1816,7 +2744,7 @@
           <a:p>
             <a:fld id="{89B3C2D2-5A1C-4C7F-8B84-C4DC8EB1FF56}" type="datetimeFigureOut">
               <a:rPr lang="ko-KR" altLang="en-US" smtClean="0"/>
-              <a:t>2022-06-28</a:t>
+              <a:t>2022-07-08</a:t>
             </a:fld>
             <a:endParaRPr lang="ko-KR" altLang="en-US"/>
           </a:p>
@@ -1957,7 +2885,7 @@
           <a:p>
             <a:fld id="{89B3C2D2-5A1C-4C7F-8B84-C4DC8EB1FF56}" type="datetimeFigureOut">
               <a:rPr lang="ko-KR" altLang="en-US" smtClean="0"/>
-              <a:t>2022-06-28</a:t>
+              <a:t>2022-07-08</a:t>
             </a:fld>
             <a:endParaRPr lang="ko-KR" altLang="en-US"/>
           </a:p>
@@ -2070,7 +2998,7 @@
           <a:p>
             <a:fld id="{89B3C2D2-5A1C-4C7F-8B84-C4DC8EB1FF56}" type="datetimeFigureOut">
               <a:rPr lang="ko-KR" altLang="en-US" smtClean="0"/>
-              <a:t>2022-06-28</a:t>
+              <a:t>2022-07-08</a:t>
             </a:fld>
             <a:endParaRPr lang="ko-KR" altLang="en-US"/>
           </a:p>
@@ -2381,7 +3309,7 @@
           <a:p>
             <a:fld id="{89B3C2D2-5A1C-4C7F-8B84-C4DC8EB1FF56}" type="datetimeFigureOut">
               <a:rPr lang="ko-KR" altLang="en-US" smtClean="0"/>
-              <a:t>2022-06-28</a:t>
+              <a:t>2022-07-08</a:t>
             </a:fld>
             <a:endParaRPr lang="ko-KR" altLang="en-US"/>
           </a:p>
@@ -2669,7 +3597,7 @@
           <a:p>
             <a:fld id="{89B3C2D2-5A1C-4C7F-8B84-C4DC8EB1FF56}" type="datetimeFigureOut">
               <a:rPr lang="ko-KR" altLang="en-US" smtClean="0"/>
-              <a:t>2022-06-28</a:t>
+              <a:t>2022-07-08</a:t>
             </a:fld>
             <a:endParaRPr lang="ko-KR" altLang="en-US"/>
           </a:p>
@@ -2910,7 +3838,7 @@
           <a:p>
             <a:fld id="{89B3C2D2-5A1C-4C7F-8B84-C4DC8EB1FF56}" type="datetimeFigureOut">
               <a:rPr lang="ko-KR" altLang="en-US" smtClean="0"/>
-              <a:t>2022-06-28</a:t>
+              <a:t>2022-07-08</a:t>
             </a:fld>
             <a:endParaRPr lang="ko-KR" altLang="en-US"/>
           </a:p>
@@ -3388,9 +4316,10 @@
           <a:lstStyle/>
           <a:p>
             <a:r>
-              <a:rPr lang="ko-KR" altLang="en-US" sz="2000" dirty="0"/>
-              <a:t>김재현</a:t>
-            </a:r>
+              <a:rPr lang="en-US" altLang="ko-KR" sz="1600" dirty="0"/>
+              <a:t>Jae Hyeon Kim</a:t>
+            </a:r>
+            <a:endParaRPr lang="ko-KR" altLang="en-US" sz="1600" dirty="0"/>
           </a:p>
         </p:txBody>
       </p:sp>
@@ -3398,6 +4327,1738 @@
     <p:extLst>
       <p:ext uri="{BB962C8B-B14F-4D97-AF65-F5344CB8AC3E}">
         <p14:creationId xmlns:p14="http://schemas.microsoft.com/office/powerpoint/2010/main" val="1162377056"/>
+      </p:ext>
+    </p:extLst>
+  </p:cSld>
+  <p:clrMapOvr>
+    <a:masterClrMapping/>
+  </p:clrMapOvr>
+</p:sld>
+</file>
+
+<file path=ppt/slides/slide10.xml><?xml version="1.0" encoding="utf-8"?>
+<p:sld xmlns:a="http://schemas.openxmlformats.org/drawingml/2006/main" xmlns:r="http://schemas.openxmlformats.org/officeDocument/2006/relationships" xmlns:p="http://schemas.openxmlformats.org/presentationml/2006/main">
+  <p:cSld>
+    <p:spTree>
+      <p:nvGrpSpPr>
+        <p:cNvPr id="1" name=""/>
+        <p:cNvGrpSpPr/>
+        <p:nvPr/>
+      </p:nvGrpSpPr>
+      <p:grpSpPr>
+        <a:xfrm>
+          <a:off x="0" y="0"/>
+          <a:ext cx="0" cy="0"/>
+          <a:chOff x="0" y="0"/>
+          <a:chExt cx="0" cy="0"/>
+        </a:xfrm>
+      </p:grpSpPr>
+      <p:sp>
+        <p:nvSpPr>
+          <p:cNvPr id="2" name="제목 1">
+            <a:extLst>
+              <a:ext uri="{FF2B5EF4-FFF2-40B4-BE49-F238E27FC236}">
+                <a16:creationId xmlns:a16="http://schemas.microsoft.com/office/drawing/2014/main" id="{97E51B44-8461-7B96-2388-D852A6FF27A0}"/>
+              </a:ext>
+            </a:extLst>
+          </p:cNvPr>
+          <p:cNvSpPr>
+            <a:spLocks noGrp="1"/>
+          </p:cNvSpPr>
+          <p:nvPr>
+            <p:ph type="title"/>
+          </p:nvPr>
+        </p:nvSpPr>
+        <p:spPr>
+          <a:xfrm>
+            <a:off x="511030" y="124444"/>
+            <a:ext cx="10515600" cy="1325563"/>
+          </a:xfrm>
+        </p:spPr>
+        <p:txBody>
+          <a:bodyPr/>
+          <a:lstStyle/>
+          <a:p>
+            <a:r>
+              <a:rPr lang="en-US" altLang="ko-KR" b="1" dirty="0"/>
+              <a:t>Elastic Compute Cloud(EC2)</a:t>
+            </a:r>
+            <a:endParaRPr lang="ko-KR" altLang="en-US" b="1" dirty="0"/>
+          </a:p>
+        </p:txBody>
+      </p:sp>
+      <p:sp>
+        <p:nvSpPr>
+          <p:cNvPr id="3" name="내용 개체 틀 2">
+            <a:extLst>
+              <a:ext uri="{FF2B5EF4-FFF2-40B4-BE49-F238E27FC236}">
+                <a16:creationId xmlns:a16="http://schemas.microsoft.com/office/drawing/2014/main" id="{7A4B3583-626A-8EF0-F5B5-ABF9C4B6DF8E}"/>
+              </a:ext>
+            </a:extLst>
+          </p:cNvPr>
+          <p:cNvSpPr>
+            <a:spLocks noGrp="1"/>
+          </p:cNvSpPr>
+          <p:nvPr>
+            <p:ph idx="1"/>
+          </p:nvPr>
+        </p:nvSpPr>
+        <p:spPr>
+          <a:xfrm>
+            <a:off x="511030" y="1416451"/>
+            <a:ext cx="10515600" cy="2012549"/>
+          </a:xfrm>
+        </p:spPr>
+        <p:txBody>
+          <a:bodyPr>
+            <a:normAutofit/>
+          </a:bodyPr>
+          <a:lstStyle/>
+          <a:p>
+            <a:pPr marL="0" indent="0">
+              <a:lnSpc>
+                <a:spcPct val="150000"/>
+              </a:lnSpc>
+              <a:buNone/>
+            </a:pPr>
+            <a:r>
+              <a:rPr lang="en-US" altLang="ko-KR" sz="2000" dirty="0"/>
+              <a:t>EC2 </a:t>
+            </a:r>
+            <a:r>
+              <a:rPr lang="ko-KR" altLang="en-US" sz="2000" dirty="0"/>
+              <a:t>인스턴스 분류</a:t>
+            </a:r>
+            <a:endParaRPr lang="en-US" altLang="ko-KR" sz="2000" dirty="0"/>
+          </a:p>
+        </p:txBody>
+      </p:sp>
+      <p:pic>
+        <p:nvPicPr>
+          <p:cNvPr id="8" name="그림 7">
+            <a:extLst>
+              <a:ext uri="{FF2B5EF4-FFF2-40B4-BE49-F238E27FC236}">
+                <a16:creationId xmlns:a16="http://schemas.microsoft.com/office/drawing/2014/main" id="{D6C1F786-A49C-BE96-D388-88C9116EC73E}"/>
+              </a:ext>
+            </a:extLst>
+          </p:cNvPr>
+          <p:cNvPicPr>
+            <a:picLocks noChangeAspect="1"/>
+          </p:cNvPicPr>
+          <p:nvPr/>
+        </p:nvPicPr>
+        <p:blipFill>
+          <a:blip r:embed="rId2"/>
+          <a:stretch>
+            <a:fillRect/>
+          </a:stretch>
+        </p:blipFill>
+        <p:spPr>
+          <a:xfrm>
+            <a:off x="1106647" y="2121788"/>
+            <a:ext cx="9782263" cy="4419318"/>
+          </a:xfrm>
+          <a:prstGeom prst="rect">
+            <a:avLst/>
+          </a:prstGeom>
+        </p:spPr>
+      </p:pic>
+    </p:spTree>
+    <p:extLst>
+      <p:ext uri="{BB962C8B-B14F-4D97-AF65-F5344CB8AC3E}">
+        <p14:creationId xmlns:p14="http://schemas.microsoft.com/office/powerpoint/2010/main" val="2839072558"/>
+      </p:ext>
+    </p:extLst>
+  </p:cSld>
+  <p:clrMapOvr>
+    <a:masterClrMapping/>
+  </p:clrMapOvr>
+</p:sld>
+</file>
+
+<file path=ppt/slides/slide11.xml><?xml version="1.0" encoding="utf-8"?>
+<p:sld xmlns:a="http://schemas.openxmlformats.org/drawingml/2006/main" xmlns:r="http://schemas.openxmlformats.org/officeDocument/2006/relationships" xmlns:p="http://schemas.openxmlformats.org/presentationml/2006/main">
+  <p:cSld>
+    <p:spTree>
+      <p:nvGrpSpPr>
+        <p:cNvPr id="1" name=""/>
+        <p:cNvGrpSpPr/>
+        <p:nvPr/>
+      </p:nvGrpSpPr>
+      <p:grpSpPr>
+        <a:xfrm>
+          <a:off x="0" y="0"/>
+          <a:ext cx="0" cy="0"/>
+          <a:chOff x="0" y="0"/>
+          <a:chExt cx="0" cy="0"/>
+        </a:xfrm>
+      </p:grpSpPr>
+      <p:sp>
+        <p:nvSpPr>
+          <p:cNvPr id="2" name="제목 1">
+            <a:extLst>
+              <a:ext uri="{FF2B5EF4-FFF2-40B4-BE49-F238E27FC236}">
+                <a16:creationId xmlns:a16="http://schemas.microsoft.com/office/drawing/2014/main" id="{97E51B44-8461-7B96-2388-D852A6FF27A0}"/>
+              </a:ext>
+            </a:extLst>
+          </p:cNvPr>
+          <p:cNvSpPr>
+            <a:spLocks noGrp="1"/>
+          </p:cNvSpPr>
+          <p:nvPr>
+            <p:ph type="title"/>
+          </p:nvPr>
+        </p:nvSpPr>
+        <p:spPr>
+          <a:xfrm>
+            <a:off x="511030" y="124444"/>
+            <a:ext cx="10515600" cy="1325563"/>
+          </a:xfrm>
+        </p:spPr>
+        <p:txBody>
+          <a:bodyPr/>
+          <a:lstStyle/>
+          <a:p>
+            <a:r>
+              <a:rPr lang="en-US" altLang="ko-KR" b="1" dirty="0"/>
+              <a:t>Elastic Compute Cloud(EC2)</a:t>
+            </a:r>
+            <a:endParaRPr lang="ko-KR" altLang="en-US" b="1" dirty="0"/>
+          </a:p>
+        </p:txBody>
+      </p:sp>
+      <p:sp>
+        <p:nvSpPr>
+          <p:cNvPr id="6" name="내용 개체 틀 2">
+            <a:extLst>
+              <a:ext uri="{FF2B5EF4-FFF2-40B4-BE49-F238E27FC236}">
+                <a16:creationId xmlns:a16="http://schemas.microsoft.com/office/drawing/2014/main" id="{CE609ECA-1F91-A653-31D4-3533724EE880}"/>
+              </a:ext>
+            </a:extLst>
+          </p:cNvPr>
+          <p:cNvSpPr txBox="1">
+            <a:spLocks/>
+          </p:cNvSpPr>
+          <p:nvPr/>
+        </p:nvSpPr>
+        <p:spPr>
+          <a:xfrm>
+            <a:off x="663430" y="1568851"/>
+            <a:ext cx="10515600" cy="4244720"/>
+          </a:xfrm>
+          <a:prstGeom prst="rect">
+            <a:avLst/>
+          </a:prstGeom>
+        </p:spPr>
+        <p:txBody>
+          <a:bodyPr vert="horz" lIns="91440" tIns="45720" rIns="91440" bIns="45720" rtlCol="0">
+            <a:normAutofit/>
+          </a:bodyPr>
+          <a:lstStyle>
+            <a:lvl1pPr marL="228600" indent="-228600" algn="l" defTabSz="914400" rtl="0" eaLnBrk="1" latinLnBrk="1" hangingPunct="1">
+              <a:lnSpc>
+                <a:spcPct val="90000"/>
+              </a:lnSpc>
+              <a:spcBef>
+                <a:spcPts val="1000"/>
+              </a:spcBef>
+              <a:buFont typeface="Arial" panose="020B0604020202020204" pitchFamily="34" charset="0"/>
+              <a:buChar char="•"/>
+              <a:defRPr sz="2800" kern="1200">
+                <a:solidFill>
+                  <a:schemeClr val="tx1"/>
+                </a:solidFill>
+                <a:latin typeface="+mn-lt"/>
+                <a:ea typeface="+mn-ea"/>
+                <a:cs typeface="+mn-cs"/>
+              </a:defRPr>
+            </a:lvl1pPr>
+            <a:lvl2pPr marL="685800" indent="-228600" algn="l" defTabSz="914400" rtl="0" eaLnBrk="1" latinLnBrk="1" hangingPunct="1">
+              <a:lnSpc>
+                <a:spcPct val="90000"/>
+              </a:lnSpc>
+              <a:spcBef>
+                <a:spcPts val="500"/>
+              </a:spcBef>
+              <a:buFont typeface="Arial" panose="020B0604020202020204" pitchFamily="34" charset="0"/>
+              <a:buChar char="•"/>
+              <a:defRPr sz="2400" kern="1200">
+                <a:solidFill>
+                  <a:schemeClr val="tx1"/>
+                </a:solidFill>
+                <a:latin typeface="+mn-lt"/>
+                <a:ea typeface="+mn-ea"/>
+                <a:cs typeface="+mn-cs"/>
+              </a:defRPr>
+            </a:lvl2pPr>
+            <a:lvl3pPr marL="1143000" indent="-228600" algn="l" defTabSz="914400" rtl="0" eaLnBrk="1" latinLnBrk="1" hangingPunct="1">
+              <a:lnSpc>
+                <a:spcPct val="90000"/>
+              </a:lnSpc>
+              <a:spcBef>
+                <a:spcPts val="500"/>
+              </a:spcBef>
+              <a:buFont typeface="Arial" panose="020B0604020202020204" pitchFamily="34" charset="0"/>
+              <a:buChar char="•"/>
+              <a:defRPr sz="2000" kern="1200">
+                <a:solidFill>
+                  <a:schemeClr val="tx1"/>
+                </a:solidFill>
+                <a:latin typeface="+mn-lt"/>
+                <a:ea typeface="+mn-ea"/>
+                <a:cs typeface="+mn-cs"/>
+              </a:defRPr>
+            </a:lvl3pPr>
+            <a:lvl4pPr marL="1600200" indent="-228600" algn="l" defTabSz="914400" rtl="0" eaLnBrk="1" latinLnBrk="1" hangingPunct="1">
+              <a:lnSpc>
+                <a:spcPct val="90000"/>
+              </a:lnSpc>
+              <a:spcBef>
+                <a:spcPts val="500"/>
+              </a:spcBef>
+              <a:buFont typeface="Arial" panose="020B0604020202020204" pitchFamily="34" charset="0"/>
+              <a:buChar char="•"/>
+              <a:defRPr sz="1800" kern="1200">
+                <a:solidFill>
+                  <a:schemeClr val="tx1"/>
+                </a:solidFill>
+                <a:latin typeface="+mn-lt"/>
+                <a:ea typeface="+mn-ea"/>
+                <a:cs typeface="+mn-cs"/>
+              </a:defRPr>
+            </a:lvl4pPr>
+            <a:lvl5pPr marL="2057400" indent="-228600" algn="l" defTabSz="914400" rtl="0" eaLnBrk="1" latinLnBrk="1" hangingPunct="1">
+              <a:lnSpc>
+                <a:spcPct val="90000"/>
+              </a:lnSpc>
+              <a:spcBef>
+                <a:spcPts val="500"/>
+              </a:spcBef>
+              <a:buFont typeface="Arial" panose="020B0604020202020204" pitchFamily="34" charset="0"/>
+              <a:buChar char="•"/>
+              <a:defRPr sz="1800" kern="1200">
+                <a:solidFill>
+                  <a:schemeClr val="tx1"/>
+                </a:solidFill>
+                <a:latin typeface="+mn-lt"/>
+                <a:ea typeface="+mn-ea"/>
+                <a:cs typeface="+mn-cs"/>
+              </a:defRPr>
+            </a:lvl5pPr>
+            <a:lvl6pPr marL="2514600" indent="-228600" algn="l" defTabSz="914400" rtl="0" eaLnBrk="1" latinLnBrk="1" hangingPunct="1">
+              <a:lnSpc>
+                <a:spcPct val="90000"/>
+              </a:lnSpc>
+              <a:spcBef>
+                <a:spcPts val="500"/>
+              </a:spcBef>
+              <a:buFont typeface="Arial" panose="020B0604020202020204" pitchFamily="34" charset="0"/>
+              <a:buChar char="•"/>
+              <a:defRPr sz="1800" kern="1200">
+                <a:solidFill>
+                  <a:schemeClr val="tx1"/>
+                </a:solidFill>
+                <a:latin typeface="+mn-lt"/>
+                <a:ea typeface="+mn-ea"/>
+                <a:cs typeface="+mn-cs"/>
+              </a:defRPr>
+            </a:lvl6pPr>
+            <a:lvl7pPr marL="2971800" indent="-228600" algn="l" defTabSz="914400" rtl="0" eaLnBrk="1" latinLnBrk="1" hangingPunct="1">
+              <a:lnSpc>
+                <a:spcPct val="90000"/>
+              </a:lnSpc>
+              <a:spcBef>
+                <a:spcPts val="500"/>
+              </a:spcBef>
+              <a:buFont typeface="Arial" panose="020B0604020202020204" pitchFamily="34" charset="0"/>
+              <a:buChar char="•"/>
+              <a:defRPr sz="1800" kern="1200">
+                <a:solidFill>
+                  <a:schemeClr val="tx1"/>
+                </a:solidFill>
+                <a:latin typeface="+mn-lt"/>
+                <a:ea typeface="+mn-ea"/>
+                <a:cs typeface="+mn-cs"/>
+              </a:defRPr>
+            </a:lvl7pPr>
+            <a:lvl8pPr marL="3429000" indent="-228600" algn="l" defTabSz="914400" rtl="0" eaLnBrk="1" latinLnBrk="1" hangingPunct="1">
+              <a:lnSpc>
+                <a:spcPct val="90000"/>
+              </a:lnSpc>
+              <a:spcBef>
+                <a:spcPts val="500"/>
+              </a:spcBef>
+              <a:buFont typeface="Arial" panose="020B0604020202020204" pitchFamily="34" charset="0"/>
+              <a:buChar char="•"/>
+              <a:defRPr sz="1800" kern="1200">
+                <a:solidFill>
+                  <a:schemeClr val="tx1"/>
+                </a:solidFill>
+                <a:latin typeface="+mn-lt"/>
+                <a:ea typeface="+mn-ea"/>
+                <a:cs typeface="+mn-cs"/>
+              </a:defRPr>
+            </a:lvl8pPr>
+            <a:lvl9pPr marL="3886200" indent="-228600" algn="l" defTabSz="914400" rtl="0" eaLnBrk="1" latinLnBrk="1" hangingPunct="1">
+              <a:lnSpc>
+                <a:spcPct val="90000"/>
+              </a:lnSpc>
+              <a:spcBef>
+                <a:spcPts val="500"/>
+              </a:spcBef>
+              <a:buFont typeface="Arial" panose="020B0604020202020204" pitchFamily="34" charset="0"/>
+              <a:buChar char="•"/>
+              <a:defRPr sz="1800" kern="1200">
+                <a:solidFill>
+                  <a:schemeClr val="tx1"/>
+                </a:solidFill>
+                <a:latin typeface="+mn-lt"/>
+                <a:ea typeface="+mn-ea"/>
+                <a:cs typeface="+mn-cs"/>
+              </a:defRPr>
+            </a:lvl9pPr>
+          </a:lstStyle>
+          <a:p>
+            <a:pPr marL="0" indent="0">
+              <a:lnSpc>
+                <a:spcPct val="150000"/>
+              </a:lnSpc>
+              <a:buFont typeface="Arial" panose="020B0604020202020204" pitchFamily="34" charset="0"/>
+              <a:buNone/>
+            </a:pPr>
+            <a:r>
+              <a:rPr lang="en-US" altLang="ko-KR" sz="2000" dirty="0"/>
+              <a:t>Q. </a:t>
+            </a:r>
+            <a:r>
+              <a:rPr lang="ko-KR" altLang="en-US" sz="2000" dirty="0"/>
+              <a:t>어떤 인스턴스 타입을 선택해야 하는가</a:t>
+            </a:r>
+            <a:r>
+              <a:rPr lang="en-US" altLang="ko-KR" sz="2000" dirty="0"/>
+              <a:t>? </a:t>
+            </a:r>
+          </a:p>
+          <a:p>
+            <a:pPr marL="457200" indent="-457200">
+              <a:lnSpc>
+                <a:spcPct val="150000"/>
+              </a:lnSpc>
+              <a:buFont typeface="Arial" panose="020B0604020202020204" pitchFamily="34" charset="0"/>
+              <a:buAutoNum type="arabicPeriod"/>
+            </a:pPr>
+            <a:r>
+              <a:rPr lang="ko-KR" altLang="en-US" sz="2000" dirty="0"/>
+              <a:t>범용 웹 어플리케이션 서버</a:t>
+            </a:r>
+            <a:r>
+              <a:rPr lang="en-US" altLang="ko-KR" sz="2000" dirty="0"/>
+              <a:t>: </a:t>
+            </a:r>
+            <a:r>
+              <a:rPr lang="en-US" altLang="ko-KR" sz="2000" dirty="0">
+                <a:solidFill>
+                  <a:srgbClr val="FF0000"/>
+                </a:solidFill>
+              </a:rPr>
+              <a:t>M</a:t>
+            </a:r>
+          </a:p>
+          <a:p>
+            <a:pPr marL="457200" indent="-457200">
+              <a:lnSpc>
+                <a:spcPct val="150000"/>
+              </a:lnSpc>
+              <a:buFont typeface="Arial" panose="020B0604020202020204" pitchFamily="34" charset="0"/>
+              <a:buAutoNum type="arabicPeriod"/>
+            </a:pPr>
+            <a:r>
+              <a:rPr lang="en-US" altLang="ko-KR" sz="2000" dirty="0"/>
+              <a:t>REST API </a:t>
+            </a:r>
+            <a:r>
+              <a:rPr lang="ko-KR" altLang="en-US" sz="2000" dirty="0"/>
+              <a:t>서비스인데 많은</a:t>
+            </a:r>
+            <a:r>
+              <a:rPr lang="en-US" altLang="ko-KR" sz="2000" dirty="0"/>
+              <a:t> </a:t>
+            </a:r>
+            <a:r>
+              <a:rPr lang="ko-KR" altLang="en-US" sz="2000" dirty="0"/>
+              <a:t>트래픽에 메시지 사이즈도 큰 경우</a:t>
+            </a:r>
+            <a:r>
+              <a:rPr lang="en-US" altLang="ko-KR" sz="2000" dirty="0"/>
+              <a:t>: </a:t>
+            </a:r>
+            <a:r>
+              <a:rPr lang="en-US" altLang="ko-KR" sz="2000" dirty="0">
+                <a:solidFill>
+                  <a:srgbClr val="FF0000"/>
+                </a:solidFill>
+              </a:rPr>
+              <a:t>M, C</a:t>
+            </a:r>
+          </a:p>
+          <a:p>
+            <a:pPr marL="457200" indent="-457200">
+              <a:lnSpc>
+                <a:spcPct val="150000"/>
+              </a:lnSpc>
+              <a:buFont typeface="Arial" panose="020B0604020202020204" pitchFamily="34" charset="0"/>
+              <a:buAutoNum type="arabicPeriod"/>
+            </a:pPr>
+            <a:r>
+              <a:rPr lang="en-US" altLang="ko-KR" sz="2000" dirty="0"/>
+              <a:t>Aurora (MySQL) DB</a:t>
+            </a:r>
+            <a:r>
+              <a:rPr lang="ko-KR" altLang="en-US" sz="2000" dirty="0"/>
+              <a:t>에 적용할 인스턴스</a:t>
+            </a:r>
+            <a:r>
+              <a:rPr lang="en-US" altLang="ko-KR" sz="2000" dirty="0"/>
+              <a:t>: </a:t>
+            </a:r>
+            <a:r>
+              <a:rPr lang="en-US" altLang="ko-KR" sz="2000" dirty="0">
+                <a:solidFill>
+                  <a:srgbClr val="FF0000"/>
+                </a:solidFill>
+              </a:rPr>
+              <a:t>M, I</a:t>
+            </a:r>
+          </a:p>
+          <a:p>
+            <a:pPr marL="457200" indent="-457200">
+              <a:lnSpc>
+                <a:spcPct val="150000"/>
+              </a:lnSpc>
+              <a:buFont typeface="Arial" panose="020B0604020202020204" pitchFamily="34" charset="0"/>
+              <a:buAutoNum type="arabicPeriod"/>
+            </a:pPr>
+            <a:r>
+              <a:rPr lang="en-US" altLang="ko-KR" sz="2000" dirty="0"/>
+              <a:t>Storage IO </a:t>
+            </a:r>
+            <a:r>
+              <a:rPr lang="ko-KR" altLang="en-US" sz="2000" dirty="0"/>
+              <a:t>의존이 큰 어플리케이션</a:t>
+            </a:r>
+            <a:r>
+              <a:rPr lang="en-US" altLang="ko-KR" sz="2000" dirty="0"/>
+              <a:t>: </a:t>
+            </a:r>
+            <a:r>
+              <a:rPr lang="en-US" altLang="ko-KR" sz="2000" dirty="0">
+                <a:solidFill>
+                  <a:srgbClr val="FF0000"/>
+                </a:solidFill>
+              </a:rPr>
+              <a:t>I</a:t>
+            </a:r>
+          </a:p>
+          <a:p>
+            <a:pPr marL="457200" indent="-457200">
+              <a:lnSpc>
+                <a:spcPct val="150000"/>
+              </a:lnSpc>
+              <a:buFont typeface="Arial" panose="020B0604020202020204" pitchFamily="34" charset="0"/>
+              <a:buAutoNum type="arabicPeriod"/>
+            </a:pPr>
+            <a:r>
+              <a:rPr lang="ko-KR" altLang="en-US" sz="2000" dirty="0"/>
+              <a:t>새벽에 컴퓨팅 연산이 큰 </a:t>
+            </a:r>
+            <a:r>
+              <a:rPr lang="en-US" altLang="ko-KR" sz="2000" dirty="0"/>
+              <a:t>Batch </a:t>
+            </a:r>
+            <a:r>
+              <a:rPr lang="ko-KR" altLang="en-US" sz="2000" dirty="0"/>
+              <a:t>작업 수행</a:t>
+            </a:r>
+            <a:r>
+              <a:rPr lang="en-US" altLang="ko-KR" sz="2000" dirty="0"/>
+              <a:t>: </a:t>
+            </a:r>
+            <a:r>
+              <a:rPr lang="en-US" altLang="ko-KR" sz="2000" dirty="0">
+                <a:solidFill>
+                  <a:srgbClr val="FF0000"/>
+                </a:solidFill>
+              </a:rPr>
+              <a:t>C, Spot Instance</a:t>
+            </a:r>
+          </a:p>
+        </p:txBody>
+      </p:sp>
+    </p:spTree>
+    <p:extLst>
+      <p:ext uri="{BB962C8B-B14F-4D97-AF65-F5344CB8AC3E}">
+        <p14:creationId xmlns:p14="http://schemas.microsoft.com/office/powerpoint/2010/main" val="1494897211"/>
+      </p:ext>
+    </p:extLst>
+  </p:cSld>
+  <p:clrMapOvr>
+    <a:masterClrMapping/>
+  </p:clrMapOvr>
+</p:sld>
+</file>
+
+<file path=ppt/slides/slide12.xml><?xml version="1.0" encoding="utf-8"?>
+<p:sld xmlns:a="http://schemas.openxmlformats.org/drawingml/2006/main" xmlns:r="http://schemas.openxmlformats.org/officeDocument/2006/relationships" xmlns:p="http://schemas.openxmlformats.org/presentationml/2006/main">
+  <p:cSld>
+    <p:spTree>
+      <p:nvGrpSpPr>
+        <p:cNvPr id="1" name=""/>
+        <p:cNvGrpSpPr/>
+        <p:nvPr/>
+      </p:nvGrpSpPr>
+      <p:grpSpPr>
+        <a:xfrm>
+          <a:off x="0" y="0"/>
+          <a:ext cx="0" cy="0"/>
+          <a:chOff x="0" y="0"/>
+          <a:chExt cx="0" cy="0"/>
+        </a:xfrm>
+      </p:grpSpPr>
+      <p:sp>
+        <p:nvSpPr>
+          <p:cNvPr id="2" name="제목 1">
+            <a:extLst>
+              <a:ext uri="{FF2B5EF4-FFF2-40B4-BE49-F238E27FC236}">
+                <a16:creationId xmlns:a16="http://schemas.microsoft.com/office/drawing/2014/main" id="{97E51B44-8461-7B96-2388-D852A6FF27A0}"/>
+              </a:ext>
+            </a:extLst>
+          </p:cNvPr>
+          <p:cNvSpPr>
+            <a:spLocks noGrp="1"/>
+          </p:cNvSpPr>
+          <p:nvPr>
+            <p:ph type="title"/>
+          </p:nvPr>
+        </p:nvSpPr>
+        <p:spPr>
+          <a:xfrm>
+            <a:off x="511030" y="124444"/>
+            <a:ext cx="10515600" cy="1325563"/>
+          </a:xfrm>
+        </p:spPr>
+        <p:txBody>
+          <a:bodyPr/>
+          <a:lstStyle/>
+          <a:p>
+            <a:r>
+              <a:rPr lang="en-US" altLang="ko-KR" b="1" dirty="0"/>
+              <a:t>Elastic Compute Cloud(EC2)</a:t>
+            </a:r>
+            <a:endParaRPr lang="ko-KR" altLang="en-US" b="1" dirty="0"/>
+          </a:p>
+        </p:txBody>
+      </p:sp>
+      <p:sp>
+        <p:nvSpPr>
+          <p:cNvPr id="3" name="내용 개체 틀 2">
+            <a:extLst>
+              <a:ext uri="{FF2B5EF4-FFF2-40B4-BE49-F238E27FC236}">
+                <a16:creationId xmlns:a16="http://schemas.microsoft.com/office/drawing/2014/main" id="{7A4B3583-626A-8EF0-F5B5-ABF9C4B6DF8E}"/>
+              </a:ext>
+            </a:extLst>
+          </p:cNvPr>
+          <p:cNvSpPr>
+            <a:spLocks noGrp="1"/>
+          </p:cNvSpPr>
+          <p:nvPr>
+            <p:ph idx="1"/>
+          </p:nvPr>
+        </p:nvSpPr>
+        <p:spPr>
+          <a:xfrm>
+            <a:off x="511030" y="1416451"/>
+            <a:ext cx="10515600" cy="2012549"/>
+          </a:xfrm>
+        </p:spPr>
+        <p:txBody>
+          <a:bodyPr>
+            <a:normAutofit/>
+          </a:bodyPr>
+          <a:lstStyle/>
+          <a:p>
+            <a:pPr marL="0" indent="0">
+              <a:lnSpc>
+                <a:spcPct val="150000"/>
+              </a:lnSpc>
+              <a:buNone/>
+            </a:pPr>
+            <a:r>
+              <a:rPr lang="en-US" altLang="ko-KR" sz="2000" dirty="0"/>
+              <a:t>EC2 </a:t>
+            </a:r>
+            <a:r>
+              <a:rPr lang="ko-KR" altLang="en-US" sz="2000" dirty="0"/>
+              <a:t>인스턴스 크기</a:t>
+            </a:r>
+            <a:endParaRPr lang="en-US" altLang="ko-KR" sz="2000" dirty="0"/>
+          </a:p>
+        </p:txBody>
+      </p:sp>
+      <p:pic>
+        <p:nvPicPr>
+          <p:cNvPr id="5" name="그림 4">
+            <a:extLst>
+              <a:ext uri="{FF2B5EF4-FFF2-40B4-BE49-F238E27FC236}">
+                <a16:creationId xmlns:a16="http://schemas.microsoft.com/office/drawing/2014/main" id="{D9ED0870-4AF7-7B60-BEDE-11C1171E95DD}"/>
+              </a:ext>
+            </a:extLst>
+          </p:cNvPr>
+          <p:cNvPicPr>
+            <a:picLocks noChangeAspect="1"/>
+          </p:cNvPicPr>
+          <p:nvPr/>
+        </p:nvPicPr>
+        <p:blipFill>
+          <a:blip r:embed="rId2"/>
+          <a:stretch>
+            <a:fillRect/>
+          </a:stretch>
+        </p:blipFill>
+        <p:spPr>
+          <a:xfrm>
+            <a:off x="1165370" y="2197916"/>
+            <a:ext cx="9262960" cy="4367900"/>
+          </a:xfrm>
+          <a:prstGeom prst="rect">
+            <a:avLst/>
+          </a:prstGeom>
+        </p:spPr>
+      </p:pic>
+    </p:spTree>
+    <p:extLst>
+      <p:ext uri="{BB962C8B-B14F-4D97-AF65-F5344CB8AC3E}">
+        <p14:creationId xmlns:p14="http://schemas.microsoft.com/office/powerpoint/2010/main" val="1849031069"/>
+      </p:ext>
+    </p:extLst>
+  </p:cSld>
+  <p:clrMapOvr>
+    <a:masterClrMapping/>
+  </p:clrMapOvr>
+</p:sld>
+</file>
+
+<file path=ppt/slides/slide13.xml><?xml version="1.0" encoding="utf-8"?>
+<p:sld xmlns:a="http://schemas.openxmlformats.org/drawingml/2006/main" xmlns:r="http://schemas.openxmlformats.org/officeDocument/2006/relationships" xmlns:p="http://schemas.openxmlformats.org/presentationml/2006/main">
+  <p:cSld>
+    <p:spTree>
+      <p:nvGrpSpPr>
+        <p:cNvPr id="1" name=""/>
+        <p:cNvGrpSpPr/>
+        <p:nvPr/>
+      </p:nvGrpSpPr>
+      <p:grpSpPr>
+        <a:xfrm>
+          <a:off x="0" y="0"/>
+          <a:ext cx="0" cy="0"/>
+          <a:chOff x="0" y="0"/>
+          <a:chExt cx="0" cy="0"/>
+        </a:xfrm>
+      </p:grpSpPr>
+      <p:sp>
+        <p:nvSpPr>
+          <p:cNvPr id="2" name="제목 1">
+            <a:extLst>
+              <a:ext uri="{FF2B5EF4-FFF2-40B4-BE49-F238E27FC236}">
+                <a16:creationId xmlns:a16="http://schemas.microsoft.com/office/drawing/2014/main" id="{97E51B44-8461-7B96-2388-D852A6FF27A0}"/>
+              </a:ext>
+            </a:extLst>
+          </p:cNvPr>
+          <p:cNvSpPr>
+            <a:spLocks noGrp="1"/>
+          </p:cNvSpPr>
+          <p:nvPr>
+            <p:ph type="title"/>
+          </p:nvPr>
+        </p:nvSpPr>
+        <p:spPr>
+          <a:xfrm>
+            <a:off x="511030" y="124444"/>
+            <a:ext cx="10515600" cy="1325563"/>
+          </a:xfrm>
+        </p:spPr>
+        <p:txBody>
+          <a:bodyPr/>
+          <a:lstStyle/>
+          <a:p>
+            <a:r>
+              <a:rPr lang="en-US" altLang="ko-KR" b="1" dirty="0"/>
+              <a:t>Elastic Compute Cloud(EC2)</a:t>
+            </a:r>
+            <a:endParaRPr lang="ko-KR" altLang="en-US" b="1" dirty="0"/>
+          </a:p>
+        </p:txBody>
+      </p:sp>
+      <p:sp>
+        <p:nvSpPr>
+          <p:cNvPr id="3" name="내용 개체 틀 2">
+            <a:extLst>
+              <a:ext uri="{FF2B5EF4-FFF2-40B4-BE49-F238E27FC236}">
+                <a16:creationId xmlns:a16="http://schemas.microsoft.com/office/drawing/2014/main" id="{7A4B3583-626A-8EF0-F5B5-ABF9C4B6DF8E}"/>
+              </a:ext>
+            </a:extLst>
+          </p:cNvPr>
+          <p:cNvSpPr>
+            <a:spLocks noGrp="1"/>
+          </p:cNvSpPr>
+          <p:nvPr>
+            <p:ph idx="1"/>
+          </p:nvPr>
+        </p:nvSpPr>
+        <p:spPr>
+          <a:xfrm>
+            <a:off x="511030" y="1416451"/>
+            <a:ext cx="10515600" cy="2012549"/>
+          </a:xfrm>
+        </p:spPr>
+        <p:txBody>
+          <a:bodyPr>
+            <a:normAutofit/>
+          </a:bodyPr>
+          <a:lstStyle/>
+          <a:p>
+            <a:pPr marL="0" indent="0">
+              <a:lnSpc>
+                <a:spcPct val="150000"/>
+              </a:lnSpc>
+              <a:buNone/>
+            </a:pPr>
+            <a:r>
+              <a:rPr lang="ko-KR" altLang="en-US" sz="2000" dirty="0"/>
+              <a:t>작은 인스턴스 </a:t>
+            </a:r>
+            <a:r>
+              <a:rPr lang="en-US" altLang="ko-KR" sz="2000" dirty="0"/>
+              <a:t>vs </a:t>
+            </a:r>
+            <a:r>
+              <a:rPr lang="ko-KR" altLang="en-US" sz="2000" dirty="0"/>
+              <a:t>큰 인스턴스</a:t>
+            </a:r>
+            <a:endParaRPr lang="en-US" altLang="ko-KR" sz="2000" dirty="0"/>
+          </a:p>
+        </p:txBody>
+      </p:sp>
+      <p:pic>
+        <p:nvPicPr>
+          <p:cNvPr id="6" name="그림 5">
+            <a:extLst>
+              <a:ext uri="{FF2B5EF4-FFF2-40B4-BE49-F238E27FC236}">
+                <a16:creationId xmlns:a16="http://schemas.microsoft.com/office/drawing/2014/main" id="{67901F69-FA80-D866-EFC3-7373FBD00301}"/>
+              </a:ext>
+            </a:extLst>
+          </p:cNvPr>
+          <p:cNvPicPr>
+            <a:picLocks noChangeAspect="1"/>
+          </p:cNvPicPr>
+          <p:nvPr/>
+        </p:nvPicPr>
+        <p:blipFill>
+          <a:blip r:embed="rId2"/>
+          <a:stretch>
+            <a:fillRect/>
+          </a:stretch>
+        </p:blipFill>
+        <p:spPr>
+          <a:xfrm>
+            <a:off x="838199" y="2299090"/>
+            <a:ext cx="10515601" cy="3957391"/>
+          </a:xfrm>
+          <a:prstGeom prst="rect">
+            <a:avLst/>
+          </a:prstGeom>
+        </p:spPr>
+      </p:pic>
+    </p:spTree>
+    <p:extLst>
+      <p:ext uri="{BB962C8B-B14F-4D97-AF65-F5344CB8AC3E}">
+        <p14:creationId xmlns:p14="http://schemas.microsoft.com/office/powerpoint/2010/main" val="3883117456"/>
+      </p:ext>
+    </p:extLst>
+  </p:cSld>
+  <p:clrMapOvr>
+    <a:masterClrMapping/>
+  </p:clrMapOvr>
+</p:sld>
+</file>
+
+<file path=ppt/slides/slide14.xml><?xml version="1.0" encoding="utf-8"?>
+<p:sld xmlns:a="http://schemas.openxmlformats.org/drawingml/2006/main" xmlns:r="http://schemas.openxmlformats.org/officeDocument/2006/relationships" xmlns:p="http://schemas.openxmlformats.org/presentationml/2006/main">
+  <p:cSld>
+    <p:spTree>
+      <p:nvGrpSpPr>
+        <p:cNvPr id="1" name=""/>
+        <p:cNvGrpSpPr/>
+        <p:nvPr/>
+      </p:nvGrpSpPr>
+      <p:grpSpPr>
+        <a:xfrm>
+          <a:off x="0" y="0"/>
+          <a:ext cx="0" cy="0"/>
+          <a:chOff x="0" y="0"/>
+          <a:chExt cx="0" cy="0"/>
+        </a:xfrm>
+      </p:grpSpPr>
+      <p:sp>
+        <p:nvSpPr>
+          <p:cNvPr id="2" name="제목 1">
+            <a:extLst>
+              <a:ext uri="{FF2B5EF4-FFF2-40B4-BE49-F238E27FC236}">
+                <a16:creationId xmlns:a16="http://schemas.microsoft.com/office/drawing/2014/main" id="{97E51B44-8461-7B96-2388-D852A6FF27A0}"/>
+              </a:ext>
+            </a:extLst>
+          </p:cNvPr>
+          <p:cNvSpPr>
+            <a:spLocks noGrp="1"/>
+          </p:cNvSpPr>
+          <p:nvPr>
+            <p:ph type="title"/>
+          </p:nvPr>
+        </p:nvSpPr>
+        <p:spPr>
+          <a:xfrm>
+            <a:off x="511030" y="124444"/>
+            <a:ext cx="10515600" cy="1325563"/>
+          </a:xfrm>
+        </p:spPr>
+        <p:txBody>
+          <a:bodyPr/>
+          <a:lstStyle/>
+          <a:p>
+            <a:r>
+              <a:rPr lang="en-US" altLang="ko-KR" b="1" dirty="0"/>
+              <a:t>Elastic Compute Cloud(EC2)</a:t>
+            </a:r>
+            <a:endParaRPr lang="ko-KR" altLang="en-US" b="1" dirty="0"/>
+          </a:p>
+        </p:txBody>
+      </p:sp>
+      <p:sp>
+        <p:nvSpPr>
+          <p:cNvPr id="3" name="내용 개체 틀 2">
+            <a:extLst>
+              <a:ext uri="{FF2B5EF4-FFF2-40B4-BE49-F238E27FC236}">
+                <a16:creationId xmlns:a16="http://schemas.microsoft.com/office/drawing/2014/main" id="{7A4B3583-626A-8EF0-F5B5-ABF9C4B6DF8E}"/>
+              </a:ext>
+            </a:extLst>
+          </p:cNvPr>
+          <p:cNvSpPr>
+            <a:spLocks noGrp="1"/>
+          </p:cNvSpPr>
+          <p:nvPr>
+            <p:ph idx="1"/>
+          </p:nvPr>
+        </p:nvSpPr>
+        <p:spPr>
+          <a:xfrm>
+            <a:off x="511030" y="1416451"/>
+            <a:ext cx="10515600" cy="2012549"/>
+          </a:xfrm>
+        </p:spPr>
+        <p:txBody>
+          <a:bodyPr>
+            <a:normAutofit/>
+          </a:bodyPr>
+          <a:lstStyle/>
+          <a:p>
+            <a:pPr marL="0" indent="0">
+              <a:lnSpc>
+                <a:spcPct val="150000"/>
+              </a:lnSpc>
+              <a:buNone/>
+            </a:pPr>
+            <a:r>
+              <a:rPr lang="ko-KR" altLang="en-US" sz="2000" dirty="0"/>
+              <a:t>작은 인스턴스 </a:t>
+            </a:r>
+            <a:r>
+              <a:rPr lang="en-US" altLang="ko-KR" sz="2000" dirty="0"/>
+              <a:t>vs </a:t>
+            </a:r>
+            <a:r>
+              <a:rPr lang="ko-KR" altLang="en-US" sz="2000" dirty="0"/>
+              <a:t>큰 인스턴스</a:t>
+            </a:r>
+            <a:endParaRPr lang="en-US" altLang="ko-KR" sz="2000" dirty="0"/>
+          </a:p>
+        </p:txBody>
+      </p:sp>
+      <p:pic>
+        <p:nvPicPr>
+          <p:cNvPr id="5" name="그림 4">
+            <a:extLst>
+              <a:ext uri="{FF2B5EF4-FFF2-40B4-BE49-F238E27FC236}">
+                <a16:creationId xmlns:a16="http://schemas.microsoft.com/office/drawing/2014/main" id="{77E92773-7C3D-427E-DA8B-CDAAF978C5F6}"/>
+              </a:ext>
+            </a:extLst>
+          </p:cNvPr>
+          <p:cNvPicPr>
+            <a:picLocks noChangeAspect="1"/>
+          </p:cNvPicPr>
+          <p:nvPr/>
+        </p:nvPicPr>
+        <p:blipFill>
+          <a:blip r:embed="rId2"/>
+          <a:stretch>
+            <a:fillRect/>
+          </a:stretch>
+        </p:blipFill>
+        <p:spPr>
+          <a:xfrm>
+            <a:off x="1165370" y="2189527"/>
+            <a:ext cx="9734803" cy="4472320"/>
+          </a:xfrm>
+          <a:prstGeom prst="rect">
+            <a:avLst/>
+          </a:prstGeom>
+        </p:spPr>
+      </p:pic>
+    </p:spTree>
+    <p:extLst>
+      <p:ext uri="{BB962C8B-B14F-4D97-AF65-F5344CB8AC3E}">
+        <p14:creationId xmlns:p14="http://schemas.microsoft.com/office/powerpoint/2010/main" val="3397344471"/>
+      </p:ext>
+    </p:extLst>
+  </p:cSld>
+  <p:clrMapOvr>
+    <a:masterClrMapping/>
+  </p:clrMapOvr>
+</p:sld>
+</file>
+
+<file path=ppt/slides/slide15.xml><?xml version="1.0" encoding="utf-8"?>
+<p:sld xmlns:a="http://schemas.openxmlformats.org/drawingml/2006/main" xmlns:r="http://schemas.openxmlformats.org/officeDocument/2006/relationships" xmlns:p="http://schemas.openxmlformats.org/presentationml/2006/main">
+  <p:cSld>
+    <p:spTree>
+      <p:nvGrpSpPr>
+        <p:cNvPr id="1" name=""/>
+        <p:cNvGrpSpPr/>
+        <p:nvPr/>
+      </p:nvGrpSpPr>
+      <p:grpSpPr>
+        <a:xfrm>
+          <a:off x="0" y="0"/>
+          <a:ext cx="0" cy="0"/>
+          <a:chOff x="0" y="0"/>
+          <a:chExt cx="0" cy="0"/>
+        </a:xfrm>
+      </p:grpSpPr>
+      <p:sp>
+        <p:nvSpPr>
+          <p:cNvPr id="2" name="제목 1">
+            <a:extLst>
+              <a:ext uri="{FF2B5EF4-FFF2-40B4-BE49-F238E27FC236}">
+                <a16:creationId xmlns:a16="http://schemas.microsoft.com/office/drawing/2014/main" id="{97E51B44-8461-7B96-2388-D852A6FF27A0}"/>
+              </a:ext>
+            </a:extLst>
+          </p:cNvPr>
+          <p:cNvSpPr>
+            <a:spLocks noGrp="1"/>
+          </p:cNvSpPr>
+          <p:nvPr>
+            <p:ph type="title"/>
+          </p:nvPr>
+        </p:nvSpPr>
+        <p:spPr>
+          <a:xfrm>
+            <a:off x="511030" y="124444"/>
+            <a:ext cx="10515600" cy="1325563"/>
+          </a:xfrm>
+        </p:spPr>
+        <p:txBody>
+          <a:bodyPr/>
+          <a:lstStyle/>
+          <a:p>
+            <a:r>
+              <a:rPr lang="en-US" altLang="ko-KR" b="1" dirty="0"/>
+              <a:t>Elastic Compute Cloud(EC2)</a:t>
+            </a:r>
+            <a:endParaRPr lang="ko-KR" altLang="en-US" b="1" dirty="0"/>
+          </a:p>
+        </p:txBody>
+      </p:sp>
+      <p:sp>
+        <p:nvSpPr>
+          <p:cNvPr id="3" name="내용 개체 틀 2">
+            <a:extLst>
+              <a:ext uri="{FF2B5EF4-FFF2-40B4-BE49-F238E27FC236}">
+                <a16:creationId xmlns:a16="http://schemas.microsoft.com/office/drawing/2014/main" id="{7A4B3583-626A-8EF0-F5B5-ABF9C4B6DF8E}"/>
+              </a:ext>
+            </a:extLst>
+          </p:cNvPr>
+          <p:cNvSpPr>
+            <a:spLocks noGrp="1"/>
+          </p:cNvSpPr>
+          <p:nvPr>
+            <p:ph idx="1"/>
+          </p:nvPr>
+        </p:nvSpPr>
+        <p:spPr>
+          <a:xfrm>
+            <a:off x="511030" y="1416451"/>
+            <a:ext cx="10515600" cy="2012549"/>
+          </a:xfrm>
+        </p:spPr>
+        <p:txBody>
+          <a:bodyPr>
+            <a:normAutofit/>
+          </a:bodyPr>
+          <a:lstStyle/>
+          <a:p>
+            <a:pPr marL="0" indent="0">
+              <a:lnSpc>
+                <a:spcPct val="150000"/>
+              </a:lnSpc>
+              <a:buNone/>
+            </a:pPr>
+            <a:r>
+              <a:rPr lang="ko-KR" altLang="en-US" sz="2000" dirty="0"/>
+              <a:t>작은 인스턴스 </a:t>
+            </a:r>
+            <a:r>
+              <a:rPr lang="en-US" altLang="ko-KR" sz="2000" dirty="0"/>
+              <a:t>vs </a:t>
+            </a:r>
+            <a:r>
+              <a:rPr lang="ko-KR" altLang="en-US" sz="2000" dirty="0"/>
+              <a:t>큰 인스턴스</a:t>
+            </a:r>
+            <a:endParaRPr lang="en-US" altLang="ko-KR" sz="2000" dirty="0"/>
+          </a:p>
+        </p:txBody>
+      </p:sp>
+      <p:pic>
+        <p:nvPicPr>
+          <p:cNvPr id="6" name="그림 5">
+            <a:extLst>
+              <a:ext uri="{FF2B5EF4-FFF2-40B4-BE49-F238E27FC236}">
+                <a16:creationId xmlns:a16="http://schemas.microsoft.com/office/drawing/2014/main" id="{3B08EA1C-AA6D-DCAD-CC5A-D1CCDEA480DE}"/>
+              </a:ext>
+            </a:extLst>
+          </p:cNvPr>
+          <p:cNvPicPr>
+            <a:picLocks noChangeAspect="1"/>
+          </p:cNvPicPr>
+          <p:nvPr/>
+        </p:nvPicPr>
+        <p:blipFill>
+          <a:blip r:embed="rId3"/>
+          <a:stretch>
+            <a:fillRect/>
+          </a:stretch>
+        </p:blipFill>
+        <p:spPr>
+          <a:xfrm>
+            <a:off x="1031146" y="2237769"/>
+            <a:ext cx="9861260" cy="4405070"/>
+          </a:xfrm>
+          <a:prstGeom prst="rect">
+            <a:avLst/>
+          </a:prstGeom>
+        </p:spPr>
+      </p:pic>
+    </p:spTree>
+    <p:extLst>
+      <p:ext uri="{BB962C8B-B14F-4D97-AF65-F5344CB8AC3E}">
+        <p14:creationId xmlns:p14="http://schemas.microsoft.com/office/powerpoint/2010/main" val="2033209551"/>
+      </p:ext>
+    </p:extLst>
+  </p:cSld>
+  <p:clrMapOvr>
+    <a:masterClrMapping/>
+  </p:clrMapOvr>
+</p:sld>
+</file>
+
+<file path=ppt/slides/slide16.xml><?xml version="1.0" encoding="utf-8"?>
+<p:sld xmlns:a="http://schemas.openxmlformats.org/drawingml/2006/main" xmlns:r="http://schemas.openxmlformats.org/officeDocument/2006/relationships" xmlns:p="http://schemas.openxmlformats.org/presentationml/2006/main">
+  <p:cSld>
+    <p:spTree>
+      <p:nvGrpSpPr>
+        <p:cNvPr id="1" name=""/>
+        <p:cNvGrpSpPr/>
+        <p:nvPr/>
+      </p:nvGrpSpPr>
+      <p:grpSpPr>
+        <a:xfrm>
+          <a:off x="0" y="0"/>
+          <a:ext cx="0" cy="0"/>
+          <a:chOff x="0" y="0"/>
+          <a:chExt cx="0" cy="0"/>
+        </a:xfrm>
+      </p:grpSpPr>
+      <p:sp>
+        <p:nvSpPr>
+          <p:cNvPr id="2" name="제목 1">
+            <a:extLst>
+              <a:ext uri="{FF2B5EF4-FFF2-40B4-BE49-F238E27FC236}">
+                <a16:creationId xmlns:a16="http://schemas.microsoft.com/office/drawing/2014/main" id="{97E51B44-8461-7B96-2388-D852A6FF27A0}"/>
+              </a:ext>
+            </a:extLst>
+          </p:cNvPr>
+          <p:cNvSpPr>
+            <a:spLocks noGrp="1"/>
+          </p:cNvSpPr>
+          <p:nvPr>
+            <p:ph type="title"/>
+          </p:nvPr>
+        </p:nvSpPr>
+        <p:spPr>
+          <a:xfrm>
+            <a:off x="511030" y="124444"/>
+            <a:ext cx="10515600" cy="1325563"/>
+          </a:xfrm>
+        </p:spPr>
+        <p:txBody>
+          <a:bodyPr/>
+          <a:lstStyle/>
+          <a:p>
+            <a:r>
+              <a:rPr lang="en-US" altLang="ko-KR" b="1" dirty="0"/>
+              <a:t>Elastic Compute Cloud(EC2)</a:t>
+            </a:r>
+            <a:endParaRPr lang="ko-KR" altLang="en-US" b="1" dirty="0"/>
+          </a:p>
+        </p:txBody>
+      </p:sp>
+      <p:sp>
+        <p:nvSpPr>
+          <p:cNvPr id="3" name="내용 개체 틀 2">
+            <a:extLst>
+              <a:ext uri="{FF2B5EF4-FFF2-40B4-BE49-F238E27FC236}">
+                <a16:creationId xmlns:a16="http://schemas.microsoft.com/office/drawing/2014/main" id="{7A4B3583-626A-8EF0-F5B5-ABF9C4B6DF8E}"/>
+              </a:ext>
+            </a:extLst>
+          </p:cNvPr>
+          <p:cNvSpPr>
+            <a:spLocks noGrp="1"/>
+          </p:cNvSpPr>
+          <p:nvPr>
+            <p:ph idx="1"/>
+          </p:nvPr>
+        </p:nvSpPr>
+        <p:spPr>
+          <a:xfrm>
+            <a:off x="511030" y="1416451"/>
+            <a:ext cx="10515600" cy="2012549"/>
+          </a:xfrm>
+        </p:spPr>
+        <p:txBody>
+          <a:bodyPr>
+            <a:normAutofit/>
+          </a:bodyPr>
+          <a:lstStyle/>
+          <a:p>
+            <a:pPr marL="0" indent="0">
+              <a:lnSpc>
+                <a:spcPct val="150000"/>
+              </a:lnSpc>
+              <a:buNone/>
+            </a:pPr>
+            <a:r>
+              <a:rPr lang="ko-KR" altLang="en-US" sz="2000" dirty="0"/>
+              <a:t>최적의 인스턴스 및 크기 선택</a:t>
+            </a:r>
+            <a:endParaRPr lang="en-US" altLang="ko-KR" sz="2000" dirty="0"/>
+          </a:p>
+        </p:txBody>
+      </p:sp>
+      <p:pic>
+        <p:nvPicPr>
+          <p:cNvPr id="5" name="그림 4">
+            <a:extLst>
+              <a:ext uri="{FF2B5EF4-FFF2-40B4-BE49-F238E27FC236}">
+                <a16:creationId xmlns:a16="http://schemas.microsoft.com/office/drawing/2014/main" id="{BCC7CCCB-B558-63A8-EED9-DF3EB80F7F84}"/>
+              </a:ext>
+            </a:extLst>
+          </p:cNvPr>
+          <p:cNvPicPr>
+            <a:picLocks noChangeAspect="1"/>
+          </p:cNvPicPr>
+          <p:nvPr/>
+        </p:nvPicPr>
+        <p:blipFill>
+          <a:blip r:embed="rId3"/>
+          <a:stretch>
+            <a:fillRect/>
+          </a:stretch>
+        </p:blipFill>
+        <p:spPr>
+          <a:xfrm>
+            <a:off x="982382" y="2085765"/>
+            <a:ext cx="9851965" cy="4550136"/>
+          </a:xfrm>
+          <a:prstGeom prst="rect">
+            <a:avLst/>
+          </a:prstGeom>
+        </p:spPr>
+      </p:pic>
+    </p:spTree>
+    <p:extLst>
+      <p:ext uri="{BB962C8B-B14F-4D97-AF65-F5344CB8AC3E}">
+        <p14:creationId xmlns:p14="http://schemas.microsoft.com/office/powerpoint/2010/main" val="1062770931"/>
+      </p:ext>
+    </p:extLst>
+  </p:cSld>
+  <p:clrMapOvr>
+    <a:masterClrMapping/>
+  </p:clrMapOvr>
+</p:sld>
+</file>
+
+<file path=ppt/slides/slide17.xml><?xml version="1.0" encoding="utf-8"?>
+<p:sld xmlns:a="http://schemas.openxmlformats.org/drawingml/2006/main" xmlns:r="http://schemas.openxmlformats.org/officeDocument/2006/relationships" xmlns:p="http://schemas.openxmlformats.org/presentationml/2006/main">
+  <p:cSld>
+    <p:spTree>
+      <p:nvGrpSpPr>
+        <p:cNvPr id="1" name=""/>
+        <p:cNvGrpSpPr/>
+        <p:nvPr/>
+      </p:nvGrpSpPr>
+      <p:grpSpPr>
+        <a:xfrm>
+          <a:off x="0" y="0"/>
+          <a:ext cx="0" cy="0"/>
+          <a:chOff x="0" y="0"/>
+          <a:chExt cx="0" cy="0"/>
+        </a:xfrm>
+      </p:grpSpPr>
+      <p:sp>
+        <p:nvSpPr>
+          <p:cNvPr id="2" name="제목 1">
+            <a:extLst>
+              <a:ext uri="{FF2B5EF4-FFF2-40B4-BE49-F238E27FC236}">
+                <a16:creationId xmlns:a16="http://schemas.microsoft.com/office/drawing/2014/main" id="{97E51B44-8461-7B96-2388-D852A6FF27A0}"/>
+              </a:ext>
+            </a:extLst>
+          </p:cNvPr>
+          <p:cNvSpPr>
+            <a:spLocks noGrp="1"/>
+          </p:cNvSpPr>
+          <p:nvPr>
+            <p:ph type="title"/>
+          </p:nvPr>
+        </p:nvSpPr>
+        <p:spPr>
+          <a:xfrm>
+            <a:off x="511030" y="124444"/>
+            <a:ext cx="10515600" cy="1325563"/>
+          </a:xfrm>
+        </p:spPr>
+        <p:txBody>
+          <a:bodyPr/>
+          <a:lstStyle/>
+          <a:p>
+            <a:r>
+              <a:rPr lang="en-US" altLang="ko-KR" b="1" dirty="0"/>
+              <a:t>Elastic Compute Cloud(EC2)</a:t>
+            </a:r>
+            <a:endParaRPr lang="ko-KR" altLang="en-US" b="1" dirty="0"/>
+          </a:p>
+        </p:txBody>
+      </p:sp>
+      <p:sp>
+        <p:nvSpPr>
+          <p:cNvPr id="3" name="내용 개체 틀 2">
+            <a:extLst>
+              <a:ext uri="{FF2B5EF4-FFF2-40B4-BE49-F238E27FC236}">
+                <a16:creationId xmlns:a16="http://schemas.microsoft.com/office/drawing/2014/main" id="{7A4B3583-626A-8EF0-F5B5-ABF9C4B6DF8E}"/>
+              </a:ext>
+            </a:extLst>
+          </p:cNvPr>
+          <p:cNvSpPr>
+            <a:spLocks noGrp="1"/>
+          </p:cNvSpPr>
+          <p:nvPr>
+            <p:ph idx="1"/>
+          </p:nvPr>
+        </p:nvSpPr>
+        <p:spPr>
+          <a:xfrm>
+            <a:off x="511030" y="1416451"/>
+            <a:ext cx="10515600" cy="2012549"/>
+          </a:xfrm>
+        </p:spPr>
+        <p:txBody>
+          <a:bodyPr>
+            <a:normAutofit/>
+          </a:bodyPr>
+          <a:lstStyle/>
+          <a:p>
+            <a:pPr marL="0" indent="0">
+              <a:lnSpc>
+                <a:spcPct val="150000"/>
+              </a:lnSpc>
+              <a:buNone/>
+            </a:pPr>
+            <a:r>
+              <a:rPr lang="en-US" altLang="ko-KR" sz="2000" dirty="0"/>
+              <a:t>AWS</a:t>
+            </a:r>
+            <a:r>
+              <a:rPr lang="ko-KR" altLang="en-US" sz="2000" dirty="0"/>
+              <a:t> </a:t>
+            </a:r>
+            <a:r>
+              <a:rPr lang="en-US" altLang="ko-KR" sz="2000" dirty="0"/>
+              <a:t>Compute</a:t>
+            </a:r>
+            <a:r>
+              <a:rPr lang="ko-KR" altLang="en-US" sz="2000" dirty="0"/>
+              <a:t> </a:t>
+            </a:r>
+            <a:r>
+              <a:rPr lang="en-US" altLang="ko-KR" sz="2000" dirty="0"/>
+              <a:t>Optimizer</a:t>
+            </a:r>
+          </a:p>
+        </p:txBody>
+      </p:sp>
+      <p:pic>
+        <p:nvPicPr>
+          <p:cNvPr id="6" name="그림 5">
+            <a:extLst>
+              <a:ext uri="{FF2B5EF4-FFF2-40B4-BE49-F238E27FC236}">
+                <a16:creationId xmlns:a16="http://schemas.microsoft.com/office/drawing/2014/main" id="{396C4E87-4840-CAFC-D460-805F5DD1D69E}"/>
+              </a:ext>
+            </a:extLst>
+          </p:cNvPr>
+          <p:cNvPicPr>
+            <a:picLocks noChangeAspect="1"/>
+          </p:cNvPicPr>
+          <p:nvPr/>
+        </p:nvPicPr>
+        <p:blipFill>
+          <a:blip r:embed="rId3"/>
+          <a:stretch>
+            <a:fillRect/>
+          </a:stretch>
+        </p:blipFill>
+        <p:spPr>
+          <a:xfrm>
+            <a:off x="1777031" y="1953087"/>
+            <a:ext cx="7630164" cy="4780469"/>
+          </a:xfrm>
+          <a:prstGeom prst="rect">
+            <a:avLst/>
+          </a:prstGeom>
+        </p:spPr>
+      </p:pic>
+    </p:spTree>
+    <p:extLst>
+      <p:ext uri="{BB962C8B-B14F-4D97-AF65-F5344CB8AC3E}">
+        <p14:creationId xmlns:p14="http://schemas.microsoft.com/office/powerpoint/2010/main" val="2777057093"/>
+      </p:ext>
+    </p:extLst>
+  </p:cSld>
+  <p:clrMapOvr>
+    <a:masterClrMapping/>
+  </p:clrMapOvr>
+</p:sld>
+</file>
+
+<file path=ppt/slides/slide18.xml><?xml version="1.0" encoding="utf-8"?>
+<p:sld xmlns:a="http://schemas.openxmlformats.org/drawingml/2006/main" xmlns:r="http://schemas.openxmlformats.org/officeDocument/2006/relationships" xmlns:p="http://schemas.openxmlformats.org/presentationml/2006/main">
+  <p:cSld>
+    <p:spTree>
+      <p:nvGrpSpPr>
+        <p:cNvPr id="1" name=""/>
+        <p:cNvGrpSpPr/>
+        <p:nvPr/>
+      </p:nvGrpSpPr>
+      <p:grpSpPr>
+        <a:xfrm>
+          <a:off x="0" y="0"/>
+          <a:ext cx="0" cy="0"/>
+          <a:chOff x="0" y="0"/>
+          <a:chExt cx="0" cy="0"/>
+        </a:xfrm>
+      </p:grpSpPr>
+      <p:sp>
+        <p:nvSpPr>
+          <p:cNvPr id="2" name="제목 1">
+            <a:extLst>
+              <a:ext uri="{FF2B5EF4-FFF2-40B4-BE49-F238E27FC236}">
+                <a16:creationId xmlns:a16="http://schemas.microsoft.com/office/drawing/2014/main" id="{97E51B44-8461-7B96-2388-D852A6FF27A0}"/>
+              </a:ext>
+            </a:extLst>
+          </p:cNvPr>
+          <p:cNvSpPr>
+            <a:spLocks noGrp="1"/>
+          </p:cNvSpPr>
+          <p:nvPr>
+            <p:ph type="title"/>
+          </p:nvPr>
+        </p:nvSpPr>
+        <p:spPr>
+          <a:xfrm>
+            <a:off x="511030" y="124444"/>
+            <a:ext cx="10515600" cy="1325563"/>
+          </a:xfrm>
+        </p:spPr>
+        <p:txBody>
+          <a:bodyPr/>
+          <a:lstStyle/>
+          <a:p>
+            <a:r>
+              <a:rPr lang="en-US" altLang="ko-KR" b="1" dirty="0"/>
+              <a:t>Elastic Compute Cloud(EC2)</a:t>
+            </a:r>
+            <a:endParaRPr lang="ko-KR" altLang="en-US" b="1" dirty="0"/>
+          </a:p>
+        </p:txBody>
+      </p:sp>
+      <p:sp>
+        <p:nvSpPr>
+          <p:cNvPr id="3" name="내용 개체 틀 2">
+            <a:extLst>
+              <a:ext uri="{FF2B5EF4-FFF2-40B4-BE49-F238E27FC236}">
+                <a16:creationId xmlns:a16="http://schemas.microsoft.com/office/drawing/2014/main" id="{7A4B3583-626A-8EF0-F5B5-ABF9C4B6DF8E}"/>
+              </a:ext>
+            </a:extLst>
+          </p:cNvPr>
+          <p:cNvSpPr>
+            <a:spLocks noGrp="1"/>
+          </p:cNvSpPr>
+          <p:nvPr>
+            <p:ph idx="1"/>
+          </p:nvPr>
+        </p:nvSpPr>
+        <p:spPr>
+          <a:xfrm>
+            <a:off x="511030" y="1416451"/>
+            <a:ext cx="10515600" cy="2012549"/>
+          </a:xfrm>
+        </p:spPr>
+        <p:txBody>
+          <a:bodyPr>
+            <a:normAutofit/>
+          </a:bodyPr>
+          <a:lstStyle/>
+          <a:p>
+            <a:pPr marL="0" indent="0">
+              <a:lnSpc>
+                <a:spcPct val="150000"/>
+              </a:lnSpc>
+              <a:buNone/>
+            </a:pPr>
+            <a:r>
+              <a:rPr lang="en-US" altLang="ko-KR" sz="2000" dirty="0"/>
+              <a:t>AWS</a:t>
+            </a:r>
+            <a:r>
+              <a:rPr lang="ko-KR" altLang="en-US" sz="2000" dirty="0"/>
+              <a:t> </a:t>
+            </a:r>
+            <a:r>
+              <a:rPr lang="en-US" altLang="ko-KR" sz="2000" dirty="0"/>
+              <a:t>Compute</a:t>
+            </a:r>
+            <a:r>
+              <a:rPr lang="ko-KR" altLang="en-US" sz="2000" dirty="0"/>
+              <a:t> </a:t>
+            </a:r>
+            <a:r>
+              <a:rPr lang="en-US" altLang="ko-KR" sz="2000" dirty="0"/>
+              <a:t>Optimizer</a:t>
+            </a:r>
+          </a:p>
+        </p:txBody>
+      </p:sp>
+      <p:pic>
+        <p:nvPicPr>
+          <p:cNvPr id="5" name="그림 4">
+            <a:extLst>
+              <a:ext uri="{FF2B5EF4-FFF2-40B4-BE49-F238E27FC236}">
+                <a16:creationId xmlns:a16="http://schemas.microsoft.com/office/drawing/2014/main" id="{805C6B1D-70C5-75DD-41DA-110F9A4D6CAA}"/>
+              </a:ext>
+            </a:extLst>
+          </p:cNvPr>
+          <p:cNvPicPr>
+            <a:picLocks noChangeAspect="1"/>
+          </p:cNvPicPr>
+          <p:nvPr/>
+        </p:nvPicPr>
+        <p:blipFill>
+          <a:blip r:embed="rId3"/>
+          <a:stretch>
+            <a:fillRect/>
+          </a:stretch>
+        </p:blipFill>
+        <p:spPr>
+          <a:xfrm>
+            <a:off x="1662549" y="2112465"/>
+            <a:ext cx="7623494" cy="4514715"/>
+          </a:xfrm>
+          <a:prstGeom prst="rect">
+            <a:avLst/>
+          </a:prstGeom>
+        </p:spPr>
+      </p:pic>
+    </p:spTree>
+    <p:extLst>
+      <p:ext uri="{BB962C8B-B14F-4D97-AF65-F5344CB8AC3E}">
+        <p14:creationId xmlns:p14="http://schemas.microsoft.com/office/powerpoint/2010/main" val="1606343399"/>
+      </p:ext>
+    </p:extLst>
+  </p:cSld>
+  <p:clrMapOvr>
+    <a:masterClrMapping/>
+  </p:clrMapOvr>
+</p:sld>
+</file>
+
+<file path=ppt/slides/slide19.xml><?xml version="1.0" encoding="utf-8"?>
+<p:sld xmlns:a="http://schemas.openxmlformats.org/drawingml/2006/main" xmlns:r="http://schemas.openxmlformats.org/officeDocument/2006/relationships" xmlns:p="http://schemas.openxmlformats.org/presentationml/2006/main">
+  <p:cSld>
+    <p:spTree>
+      <p:nvGrpSpPr>
+        <p:cNvPr id="1" name=""/>
+        <p:cNvGrpSpPr/>
+        <p:nvPr/>
+      </p:nvGrpSpPr>
+      <p:grpSpPr>
+        <a:xfrm>
+          <a:off x="0" y="0"/>
+          <a:ext cx="0" cy="0"/>
+          <a:chOff x="0" y="0"/>
+          <a:chExt cx="0" cy="0"/>
+        </a:xfrm>
+      </p:grpSpPr>
+      <p:sp>
+        <p:nvSpPr>
+          <p:cNvPr id="2" name="제목 1">
+            <a:extLst>
+              <a:ext uri="{FF2B5EF4-FFF2-40B4-BE49-F238E27FC236}">
+                <a16:creationId xmlns:a16="http://schemas.microsoft.com/office/drawing/2014/main" id="{97E51B44-8461-7B96-2388-D852A6FF27A0}"/>
+              </a:ext>
+            </a:extLst>
+          </p:cNvPr>
+          <p:cNvSpPr>
+            <a:spLocks noGrp="1"/>
+          </p:cNvSpPr>
+          <p:nvPr>
+            <p:ph type="title"/>
+          </p:nvPr>
+        </p:nvSpPr>
+        <p:spPr>
+          <a:xfrm>
+            <a:off x="511030" y="124444"/>
+            <a:ext cx="10515600" cy="1325563"/>
+          </a:xfrm>
+        </p:spPr>
+        <p:txBody>
+          <a:bodyPr/>
+          <a:lstStyle/>
+          <a:p>
+            <a:r>
+              <a:rPr lang="en-US" altLang="ko-KR" b="1" dirty="0"/>
+              <a:t>Elastic Compute Cloud(EC2)</a:t>
+            </a:r>
+            <a:endParaRPr lang="ko-KR" altLang="en-US" b="1" dirty="0"/>
+          </a:p>
+        </p:txBody>
+      </p:sp>
+      <p:sp>
+        <p:nvSpPr>
+          <p:cNvPr id="3" name="내용 개체 틀 2">
+            <a:extLst>
+              <a:ext uri="{FF2B5EF4-FFF2-40B4-BE49-F238E27FC236}">
+                <a16:creationId xmlns:a16="http://schemas.microsoft.com/office/drawing/2014/main" id="{7A4B3583-626A-8EF0-F5B5-ABF9C4B6DF8E}"/>
+              </a:ext>
+            </a:extLst>
+          </p:cNvPr>
+          <p:cNvSpPr>
+            <a:spLocks noGrp="1"/>
+          </p:cNvSpPr>
+          <p:nvPr>
+            <p:ph idx="1"/>
+          </p:nvPr>
+        </p:nvSpPr>
+        <p:spPr>
+          <a:xfrm>
+            <a:off x="511030" y="1416451"/>
+            <a:ext cx="10515600" cy="2012549"/>
+          </a:xfrm>
+        </p:spPr>
+        <p:txBody>
+          <a:bodyPr>
+            <a:normAutofit/>
+          </a:bodyPr>
+          <a:lstStyle/>
+          <a:p>
+            <a:pPr marL="0" indent="0">
+              <a:lnSpc>
+                <a:spcPct val="150000"/>
+              </a:lnSpc>
+              <a:buNone/>
+            </a:pPr>
+            <a:r>
+              <a:rPr lang="en-US" altLang="ko-KR" sz="2000" dirty="0"/>
+              <a:t>AWS</a:t>
+            </a:r>
+            <a:r>
+              <a:rPr lang="ko-KR" altLang="en-US" sz="2000" dirty="0"/>
+              <a:t> </a:t>
+            </a:r>
+            <a:r>
+              <a:rPr lang="en-US" altLang="ko-KR" sz="2000" dirty="0"/>
+              <a:t>Compute</a:t>
+            </a:r>
+            <a:r>
+              <a:rPr lang="ko-KR" altLang="en-US" sz="2000" dirty="0"/>
+              <a:t> </a:t>
+            </a:r>
+            <a:r>
+              <a:rPr lang="en-US" altLang="ko-KR" sz="2000" dirty="0"/>
+              <a:t>Optimizer</a:t>
+            </a:r>
+          </a:p>
+        </p:txBody>
+      </p:sp>
+      <p:pic>
+        <p:nvPicPr>
+          <p:cNvPr id="6" name="그림 5">
+            <a:extLst>
+              <a:ext uri="{FF2B5EF4-FFF2-40B4-BE49-F238E27FC236}">
+                <a16:creationId xmlns:a16="http://schemas.microsoft.com/office/drawing/2014/main" id="{07124FD0-35C2-9044-5DCA-8D0A7E91C6A2}"/>
+              </a:ext>
+            </a:extLst>
+          </p:cNvPr>
+          <p:cNvPicPr>
+            <a:picLocks noChangeAspect="1"/>
+          </p:cNvPicPr>
+          <p:nvPr/>
+        </p:nvPicPr>
+        <p:blipFill>
+          <a:blip r:embed="rId3"/>
+          <a:stretch>
+            <a:fillRect/>
+          </a:stretch>
+        </p:blipFill>
+        <p:spPr>
+          <a:xfrm>
+            <a:off x="1369556" y="2068851"/>
+            <a:ext cx="8537924" cy="4664705"/>
+          </a:xfrm>
+          <a:prstGeom prst="rect">
+            <a:avLst/>
+          </a:prstGeom>
+        </p:spPr>
+      </p:pic>
+    </p:spTree>
+    <p:extLst>
+      <p:ext uri="{BB962C8B-B14F-4D97-AF65-F5344CB8AC3E}">
+        <p14:creationId xmlns:p14="http://schemas.microsoft.com/office/powerpoint/2010/main" val="1521371972"/>
       </p:ext>
     </p:extLst>
   </p:cSld>
@@ -3440,16 +6101,21 @@
             <p:ph type="title"/>
           </p:nvPr>
         </p:nvSpPr>
-        <p:spPr/>
+        <p:spPr>
+          <a:xfrm>
+            <a:off x="511030" y="191556"/>
+            <a:ext cx="10515600" cy="1325563"/>
+          </a:xfrm>
+        </p:spPr>
         <p:txBody>
           <a:bodyPr/>
           <a:lstStyle/>
           <a:p>
             <a:r>
-              <a:rPr lang="en-US" altLang="ko-KR" dirty="0"/>
+              <a:rPr lang="en-US" altLang="ko-KR" b="1" dirty="0"/>
               <a:t>Elastic Compute Cloud(EC2)</a:t>
             </a:r>
-            <a:endParaRPr lang="ko-KR" altLang="en-US" dirty="0"/>
+            <a:endParaRPr lang="ko-KR" altLang="en-US" b="1" dirty="0"/>
           </a:p>
         </p:txBody>
       </p:sp>
@@ -3469,53 +6135,2000 @@
             <p:ph idx="1"/>
           </p:nvPr>
         </p:nvSpPr>
-        <p:spPr/>
-        <p:txBody>
-          <a:bodyPr/>
+        <p:spPr>
+          <a:xfrm>
+            <a:off x="511030" y="1517119"/>
+            <a:ext cx="10515600" cy="4351338"/>
+          </a:xfrm>
+        </p:spPr>
+        <p:txBody>
+          <a:bodyPr>
+            <a:normAutofit/>
+          </a:bodyPr>
           <a:lstStyle/>
           <a:p>
             <a:pPr>
+              <a:lnSpc>
+                <a:spcPct val="150000"/>
+              </a:lnSpc>
               <a:buFont typeface="Wingdings" panose="05000000000000000000" pitchFamily="2" charset="2"/>
               <a:buChar char="§"/>
             </a:pPr>
             <a:r>
-              <a:rPr lang="en-US" altLang="ko-KR" dirty="0"/>
-              <a:t>Amazon EC2</a:t>
-            </a:r>
+              <a:rPr lang="ko-KR" altLang="en-US" sz="2000" dirty="0"/>
+              <a:t>클라우드에서 쉽게 시작</a:t>
+            </a:r>
+            <a:r>
+              <a:rPr lang="en-US" altLang="ko-KR" sz="2000" dirty="0"/>
+              <a:t>, </a:t>
+            </a:r>
+            <a:r>
+              <a:rPr lang="ko-KR" altLang="en-US" sz="2000" dirty="0"/>
+              <a:t>종료할 수 있는 컴퓨팅 서비스</a:t>
+            </a:r>
+            <a:endParaRPr lang="en-US" altLang="ko-KR" sz="2000" dirty="0"/>
           </a:p>
           <a:p>
             <a:pPr>
+              <a:lnSpc>
+                <a:spcPct val="150000"/>
+              </a:lnSpc>
               <a:buFont typeface="Wingdings" panose="05000000000000000000" pitchFamily="2" charset="2"/>
               <a:buChar char="§"/>
             </a:pPr>
             <a:r>
-              <a:rPr lang="en-US" altLang="ko-KR" dirty="0"/>
-              <a:t>Amazon ECS, EKS, FARGATE</a:t>
-            </a:r>
+              <a:rPr lang="ko-KR" altLang="en-US" sz="2000" dirty="0" err="1"/>
+              <a:t>하이퍼바이저와</a:t>
+            </a:r>
+            <a:r>
+              <a:rPr lang="ko-KR" altLang="en-US" sz="2000" dirty="0"/>
+              <a:t> 가상머신을 올려서 클라우드 컴퓨팅 환경 구축</a:t>
+            </a:r>
+            <a:endParaRPr lang="en-US" altLang="ko-KR" sz="2000" dirty="0"/>
           </a:p>
           <a:p>
             <a:pPr>
+              <a:lnSpc>
+                <a:spcPct val="150000"/>
+              </a:lnSpc>
               <a:buFont typeface="Wingdings" panose="05000000000000000000" pitchFamily="2" charset="2"/>
               <a:buChar char="§"/>
             </a:pPr>
             <a:r>
-              <a:rPr lang="en-US" altLang="ko-KR" dirty="0"/>
-              <a:t>AWS LAMBDA</a:t>
-            </a:r>
+              <a:rPr lang="en-US" altLang="ko-KR" sz="2000" dirty="0"/>
+              <a:t>Linux, Window, Mac </a:t>
+            </a:r>
+            <a:r>
+              <a:rPr lang="ko-KR" altLang="en-US" sz="2000" dirty="0"/>
+              <a:t>등 여러 시스템 운영환경을 선택할 수 있고</a:t>
+            </a:r>
+            <a:r>
+              <a:rPr lang="en-US" altLang="ko-KR" sz="2000" dirty="0"/>
+              <a:t>, </a:t>
+            </a:r>
+            <a:r>
+              <a:rPr lang="ko-KR" altLang="en-US" sz="2000" dirty="0"/>
+              <a:t>여러 종류의 </a:t>
+            </a:r>
+            <a:r>
+              <a:rPr lang="en-US" altLang="ko-KR" sz="2000" dirty="0"/>
+              <a:t>CPU</a:t>
+            </a:r>
+            <a:r>
+              <a:rPr lang="ko-KR" altLang="en-US" sz="2000" dirty="0"/>
+              <a:t>를 통해서 다양한 워크로드를 효과적으로 처리할 수 있다</a:t>
+            </a:r>
+            <a:endParaRPr lang="en-US" altLang="ko-KR" sz="2000" dirty="0"/>
+          </a:p>
+        </p:txBody>
+      </p:sp>
+    </p:spTree>
+    <p:extLst>
+      <p:ext uri="{BB962C8B-B14F-4D97-AF65-F5344CB8AC3E}">
+        <p14:creationId xmlns:p14="http://schemas.microsoft.com/office/powerpoint/2010/main" val="2486365780"/>
+      </p:ext>
+    </p:extLst>
+  </p:cSld>
+  <p:clrMapOvr>
+    <a:masterClrMapping/>
+  </p:clrMapOvr>
+</p:sld>
+</file>
+
+<file path=ppt/slides/slide20.xml><?xml version="1.0" encoding="utf-8"?>
+<p:sld xmlns:a="http://schemas.openxmlformats.org/drawingml/2006/main" xmlns:r="http://schemas.openxmlformats.org/officeDocument/2006/relationships" xmlns:p="http://schemas.openxmlformats.org/presentationml/2006/main">
+  <p:cSld>
+    <p:spTree>
+      <p:nvGrpSpPr>
+        <p:cNvPr id="1" name=""/>
+        <p:cNvGrpSpPr/>
+        <p:nvPr/>
+      </p:nvGrpSpPr>
+      <p:grpSpPr>
+        <a:xfrm>
+          <a:off x="0" y="0"/>
+          <a:ext cx="0" cy="0"/>
+          <a:chOff x="0" y="0"/>
+          <a:chExt cx="0" cy="0"/>
+        </a:xfrm>
+      </p:grpSpPr>
+      <p:sp>
+        <p:nvSpPr>
+          <p:cNvPr id="2" name="제목 1">
+            <a:extLst>
+              <a:ext uri="{FF2B5EF4-FFF2-40B4-BE49-F238E27FC236}">
+                <a16:creationId xmlns:a16="http://schemas.microsoft.com/office/drawing/2014/main" id="{97E51B44-8461-7B96-2388-D852A6FF27A0}"/>
+              </a:ext>
+            </a:extLst>
+          </p:cNvPr>
+          <p:cNvSpPr>
+            <a:spLocks noGrp="1"/>
+          </p:cNvSpPr>
+          <p:nvPr>
+            <p:ph type="title"/>
+          </p:nvPr>
+        </p:nvSpPr>
+        <p:spPr>
+          <a:xfrm>
+            <a:off x="511030" y="124444"/>
+            <a:ext cx="10515600" cy="1325563"/>
+          </a:xfrm>
+        </p:spPr>
+        <p:txBody>
+          <a:bodyPr/>
+          <a:lstStyle/>
+          <a:p>
+            <a:r>
+              <a:rPr lang="en-US" altLang="ko-KR" b="1" dirty="0"/>
+              <a:t>Elastic Compute Cloud(EC2)</a:t>
+            </a:r>
+            <a:endParaRPr lang="ko-KR" altLang="en-US" b="1" dirty="0"/>
+          </a:p>
+        </p:txBody>
+      </p:sp>
+      <p:sp>
+        <p:nvSpPr>
+          <p:cNvPr id="3" name="내용 개체 틀 2">
+            <a:extLst>
+              <a:ext uri="{FF2B5EF4-FFF2-40B4-BE49-F238E27FC236}">
+                <a16:creationId xmlns:a16="http://schemas.microsoft.com/office/drawing/2014/main" id="{7A4B3583-626A-8EF0-F5B5-ABF9C4B6DF8E}"/>
+              </a:ext>
+            </a:extLst>
+          </p:cNvPr>
+          <p:cNvSpPr>
+            <a:spLocks noGrp="1"/>
+          </p:cNvSpPr>
+          <p:nvPr>
+            <p:ph idx="1"/>
+          </p:nvPr>
+        </p:nvSpPr>
+        <p:spPr>
+          <a:xfrm>
+            <a:off x="511030" y="1416451"/>
+            <a:ext cx="10515600" cy="2012549"/>
+          </a:xfrm>
+        </p:spPr>
+        <p:txBody>
+          <a:bodyPr>
+            <a:normAutofit/>
+          </a:bodyPr>
+          <a:lstStyle/>
+          <a:p>
+            <a:pPr marL="0" indent="0">
+              <a:lnSpc>
+                <a:spcPct val="150000"/>
+              </a:lnSpc>
+              <a:buNone/>
+            </a:pPr>
+            <a:r>
+              <a:rPr lang="en-US" altLang="ko-KR" sz="2000" dirty="0"/>
+              <a:t>Amazon EC2 </a:t>
+            </a:r>
+            <a:r>
+              <a:rPr lang="ko-KR" altLang="en-US" sz="2000" dirty="0"/>
+              <a:t>구매 옵션</a:t>
+            </a:r>
+            <a:endParaRPr lang="en-US" altLang="ko-KR" sz="2000" dirty="0"/>
+          </a:p>
+        </p:txBody>
+      </p:sp>
+      <p:pic>
+        <p:nvPicPr>
+          <p:cNvPr id="5" name="그림 4">
+            <a:extLst>
+              <a:ext uri="{FF2B5EF4-FFF2-40B4-BE49-F238E27FC236}">
+                <a16:creationId xmlns:a16="http://schemas.microsoft.com/office/drawing/2014/main" id="{674189EB-CF1F-9425-F6AF-D9695A4BF5FB}"/>
+              </a:ext>
+            </a:extLst>
+          </p:cNvPr>
+          <p:cNvPicPr>
+            <a:picLocks noChangeAspect="1"/>
+          </p:cNvPicPr>
+          <p:nvPr/>
+        </p:nvPicPr>
+        <p:blipFill>
+          <a:blip r:embed="rId3"/>
+          <a:stretch>
+            <a:fillRect/>
+          </a:stretch>
+        </p:blipFill>
+        <p:spPr>
+          <a:xfrm>
+            <a:off x="653130" y="2163474"/>
+            <a:ext cx="10885740" cy="4570082"/>
+          </a:xfrm>
+          <a:prstGeom prst="rect">
+            <a:avLst/>
+          </a:prstGeom>
+        </p:spPr>
+      </p:pic>
+    </p:spTree>
+    <p:extLst>
+      <p:ext uri="{BB962C8B-B14F-4D97-AF65-F5344CB8AC3E}">
+        <p14:creationId xmlns:p14="http://schemas.microsoft.com/office/powerpoint/2010/main" val="3607068216"/>
+      </p:ext>
+    </p:extLst>
+  </p:cSld>
+  <p:clrMapOvr>
+    <a:masterClrMapping/>
+  </p:clrMapOvr>
+</p:sld>
+</file>
+
+<file path=ppt/slides/slide3.xml><?xml version="1.0" encoding="utf-8"?>
+<p:sld xmlns:a="http://schemas.openxmlformats.org/drawingml/2006/main" xmlns:r="http://schemas.openxmlformats.org/officeDocument/2006/relationships" xmlns:p="http://schemas.openxmlformats.org/presentationml/2006/main">
+  <p:cSld>
+    <p:spTree>
+      <p:nvGrpSpPr>
+        <p:cNvPr id="1" name=""/>
+        <p:cNvGrpSpPr/>
+        <p:nvPr/>
+      </p:nvGrpSpPr>
+      <p:grpSpPr>
+        <a:xfrm>
+          <a:off x="0" y="0"/>
+          <a:ext cx="0" cy="0"/>
+          <a:chOff x="0" y="0"/>
+          <a:chExt cx="0" cy="0"/>
+        </a:xfrm>
+      </p:grpSpPr>
+      <p:sp>
+        <p:nvSpPr>
+          <p:cNvPr id="2" name="제목 1">
+            <a:extLst>
+              <a:ext uri="{FF2B5EF4-FFF2-40B4-BE49-F238E27FC236}">
+                <a16:creationId xmlns:a16="http://schemas.microsoft.com/office/drawing/2014/main" id="{97E51B44-8461-7B96-2388-D852A6FF27A0}"/>
+              </a:ext>
+            </a:extLst>
+          </p:cNvPr>
+          <p:cNvSpPr>
+            <a:spLocks noGrp="1"/>
+          </p:cNvSpPr>
+          <p:nvPr>
+            <p:ph type="title"/>
+          </p:nvPr>
+        </p:nvSpPr>
+        <p:spPr>
+          <a:xfrm>
+            <a:off x="511030" y="124444"/>
+            <a:ext cx="10515600" cy="1325563"/>
+          </a:xfrm>
+        </p:spPr>
+        <p:txBody>
+          <a:bodyPr/>
+          <a:lstStyle/>
+          <a:p>
+            <a:r>
+              <a:rPr lang="en-US" altLang="ko-KR" b="1" dirty="0"/>
+              <a:t>Elastic Compute Cloud(EC2)</a:t>
+            </a:r>
+            <a:endParaRPr lang="ko-KR" altLang="en-US" b="1" dirty="0"/>
+          </a:p>
+        </p:txBody>
+      </p:sp>
+      <p:sp>
+        <p:nvSpPr>
+          <p:cNvPr id="3" name="내용 개체 틀 2">
+            <a:extLst>
+              <a:ext uri="{FF2B5EF4-FFF2-40B4-BE49-F238E27FC236}">
+                <a16:creationId xmlns:a16="http://schemas.microsoft.com/office/drawing/2014/main" id="{7A4B3583-626A-8EF0-F5B5-ABF9C4B6DF8E}"/>
+              </a:ext>
+            </a:extLst>
+          </p:cNvPr>
+          <p:cNvSpPr>
+            <a:spLocks noGrp="1"/>
+          </p:cNvSpPr>
+          <p:nvPr>
+            <p:ph idx="1"/>
+          </p:nvPr>
+        </p:nvSpPr>
+        <p:spPr>
+          <a:xfrm>
+            <a:off x="511030" y="1416451"/>
+            <a:ext cx="10515600" cy="2012549"/>
+          </a:xfrm>
+        </p:spPr>
+        <p:txBody>
+          <a:bodyPr>
+            <a:normAutofit/>
+          </a:bodyPr>
+          <a:lstStyle/>
+          <a:p>
+            <a:pPr marL="0" indent="0">
+              <a:lnSpc>
+                <a:spcPct val="150000"/>
+              </a:lnSpc>
+              <a:buNone/>
+            </a:pPr>
+            <a:r>
+              <a:rPr lang="ko-KR" altLang="en-US" sz="2000" dirty="0"/>
+              <a:t>저장소</a:t>
+            </a:r>
+            <a:endParaRPr lang="en-US" altLang="ko-KR" sz="2000" dirty="0"/>
           </a:p>
           <a:p>
             <a:pPr>
-              <a:buFont typeface="Wingdings" panose="05000000000000000000" pitchFamily="2" charset="2"/>
-              <a:buChar char="§"/>
+              <a:lnSpc>
+                <a:spcPct val="150000"/>
+              </a:lnSpc>
             </a:pPr>
-            <a:endParaRPr lang="ko-KR" altLang="en-US" dirty="0"/>
-          </a:p>
-        </p:txBody>
-      </p:sp>
+            <a:r>
+              <a:rPr lang="en-US" altLang="ko-KR" sz="2000" dirty="0"/>
+              <a:t>Instance Store</a:t>
+            </a:r>
+          </a:p>
+          <a:p>
+            <a:pPr>
+              <a:lnSpc>
+                <a:spcPct val="150000"/>
+              </a:lnSpc>
+            </a:pPr>
+            <a:r>
+              <a:rPr lang="en-US" altLang="ko-KR" sz="2000" dirty="0"/>
+              <a:t>EBS(Elastic Block Storage)</a:t>
+            </a:r>
+          </a:p>
+          <a:p>
+            <a:pPr marL="0" indent="0">
+              <a:lnSpc>
+                <a:spcPct val="150000"/>
+              </a:lnSpc>
+              <a:buNone/>
+            </a:pPr>
+            <a:endParaRPr lang="en-US" altLang="ko-KR" sz="2000" dirty="0"/>
+          </a:p>
+        </p:txBody>
+      </p:sp>
+      <p:pic>
+        <p:nvPicPr>
+          <p:cNvPr id="5" name="그림 4">
+            <a:extLst>
+              <a:ext uri="{FF2B5EF4-FFF2-40B4-BE49-F238E27FC236}">
+                <a16:creationId xmlns:a16="http://schemas.microsoft.com/office/drawing/2014/main" id="{A278A4BC-0124-E356-62F0-D93B8734D5AA}"/>
+              </a:ext>
+            </a:extLst>
+          </p:cNvPr>
+          <p:cNvPicPr>
+            <a:picLocks noChangeAspect="1"/>
+          </p:cNvPicPr>
+          <p:nvPr/>
+        </p:nvPicPr>
+        <p:blipFill>
+          <a:blip r:embed="rId2"/>
+          <a:stretch>
+            <a:fillRect/>
+          </a:stretch>
+        </p:blipFill>
+        <p:spPr>
+          <a:xfrm>
+            <a:off x="8416249" y="1699363"/>
+            <a:ext cx="3199001" cy="3021644"/>
+          </a:xfrm>
+          <a:prstGeom prst="rect">
+            <a:avLst/>
+          </a:prstGeom>
+        </p:spPr>
+      </p:pic>
+      <p:pic>
+        <p:nvPicPr>
+          <p:cNvPr id="1032" name="Picture 8" descr="Panorama - 작동 방식">
+            <a:extLst>
+              <a:ext uri="{FF2B5EF4-FFF2-40B4-BE49-F238E27FC236}">
+                <a16:creationId xmlns:a16="http://schemas.microsoft.com/office/drawing/2014/main" id="{9733D25C-C40F-B779-04B3-7B084B655E58}"/>
+              </a:ext>
+            </a:extLst>
+          </p:cNvPr>
+          <p:cNvPicPr>
+            <a:picLocks noChangeAspect="1" noChangeArrowheads="1"/>
+          </p:cNvPicPr>
+          <p:nvPr/>
+        </p:nvPicPr>
+        <p:blipFill>
+          <a:blip r:embed="rId3">
+            <a:extLst>
+              <a:ext uri="{28A0092B-C50C-407E-A947-70E740481C1C}">
+                <a14:useLocalDpi xmlns:a14="http://schemas.microsoft.com/office/drawing/2010/main" val="0"/>
+              </a:ext>
+            </a:extLst>
+          </a:blip>
+          <a:srcRect/>
+          <a:stretch>
+            <a:fillRect/>
+          </a:stretch>
+        </p:blipFill>
+        <p:spPr bwMode="auto">
+          <a:xfrm>
+            <a:off x="286973" y="3771464"/>
+            <a:ext cx="7548344" cy="2641920"/>
+          </a:xfrm>
+          <a:prstGeom prst="rect">
+            <a:avLst/>
+          </a:prstGeom>
+          <a:noFill/>
+          <a:extLst>
+            <a:ext uri="{909E8E84-426E-40DD-AFC4-6F175D3DCCD1}">
+              <a14:hiddenFill xmlns:a14="http://schemas.microsoft.com/office/drawing/2010/main">
+                <a:solidFill>
+                  <a:srgbClr val="FFFFFF"/>
+                </a:solidFill>
+              </a14:hiddenFill>
+            </a:ext>
+          </a:extLst>
+        </p:spPr>
+      </p:pic>
     </p:spTree>
     <p:extLst>
       <p:ext uri="{BB962C8B-B14F-4D97-AF65-F5344CB8AC3E}">
         <p14:creationId xmlns:p14="http://schemas.microsoft.com/office/powerpoint/2010/main" val="3831243411"/>
+      </p:ext>
+    </p:extLst>
+  </p:cSld>
+  <p:clrMapOvr>
+    <a:masterClrMapping/>
+  </p:clrMapOvr>
+</p:sld>
+</file>
+
+<file path=ppt/slides/slide4.xml><?xml version="1.0" encoding="utf-8"?>
+<p:sld xmlns:a="http://schemas.openxmlformats.org/drawingml/2006/main" xmlns:r="http://schemas.openxmlformats.org/officeDocument/2006/relationships" xmlns:p="http://schemas.openxmlformats.org/presentationml/2006/main">
+  <p:cSld>
+    <p:spTree>
+      <p:nvGrpSpPr>
+        <p:cNvPr id="1" name=""/>
+        <p:cNvGrpSpPr/>
+        <p:nvPr/>
+      </p:nvGrpSpPr>
+      <p:grpSpPr>
+        <a:xfrm>
+          <a:off x="0" y="0"/>
+          <a:ext cx="0" cy="0"/>
+          <a:chOff x="0" y="0"/>
+          <a:chExt cx="0" cy="0"/>
+        </a:xfrm>
+      </p:grpSpPr>
+      <p:sp>
+        <p:nvSpPr>
+          <p:cNvPr id="2" name="제목 1">
+            <a:extLst>
+              <a:ext uri="{FF2B5EF4-FFF2-40B4-BE49-F238E27FC236}">
+                <a16:creationId xmlns:a16="http://schemas.microsoft.com/office/drawing/2014/main" id="{97E51B44-8461-7B96-2388-D852A6FF27A0}"/>
+              </a:ext>
+            </a:extLst>
+          </p:cNvPr>
+          <p:cNvSpPr>
+            <a:spLocks noGrp="1"/>
+          </p:cNvSpPr>
+          <p:nvPr>
+            <p:ph type="title"/>
+          </p:nvPr>
+        </p:nvSpPr>
+        <p:spPr>
+          <a:xfrm>
+            <a:off x="511030" y="124444"/>
+            <a:ext cx="10515600" cy="1325563"/>
+          </a:xfrm>
+        </p:spPr>
+        <p:txBody>
+          <a:bodyPr/>
+          <a:lstStyle/>
+          <a:p>
+            <a:r>
+              <a:rPr lang="en-US" altLang="ko-KR" b="1" dirty="0"/>
+              <a:t>Elastic Compute Cloud(EC2)</a:t>
+            </a:r>
+            <a:endParaRPr lang="ko-KR" altLang="en-US" b="1" dirty="0"/>
+          </a:p>
+        </p:txBody>
+      </p:sp>
+      <p:sp>
+        <p:nvSpPr>
+          <p:cNvPr id="3" name="내용 개체 틀 2">
+            <a:extLst>
+              <a:ext uri="{FF2B5EF4-FFF2-40B4-BE49-F238E27FC236}">
+                <a16:creationId xmlns:a16="http://schemas.microsoft.com/office/drawing/2014/main" id="{7A4B3583-626A-8EF0-F5B5-ABF9C4B6DF8E}"/>
+              </a:ext>
+            </a:extLst>
+          </p:cNvPr>
+          <p:cNvSpPr>
+            <a:spLocks noGrp="1"/>
+          </p:cNvSpPr>
+          <p:nvPr>
+            <p:ph idx="1"/>
+          </p:nvPr>
+        </p:nvSpPr>
+        <p:spPr>
+          <a:xfrm>
+            <a:off x="511030" y="1416451"/>
+            <a:ext cx="10515600" cy="2012549"/>
+          </a:xfrm>
+        </p:spPr>
+        <p:txBody>
+          <a:bodyPr>
+            <a:normAutofit/>
+          </a:bodyPr>
+          <a:lstStyle/>
+          <a:p>
+            <a:pPr marL="0" indent="0">
+              <a:lnSpc>
+                <a:spcPct val="150000"/>
+              </a:lnSpc>
+              <a:buNone/>
+            </a:pPr>
+            <a:r>
+              <a:rPr lang="en-US" altLang="ko-KR" sz="2000" dirty="0"/>
+              <a:t>AMI(Amazon Machine Image)</a:t>
+            </a:r>
+          </a:p>
+          <a:p>
+            <a:pPr>
+              <a:lnSpc>
+                <a:spcPct val="150000"/>
+              </a:lnSpc>
+            </a:pPr>
+            <a:r>
+              <a:rPr lang="ko-KR" altLang="en-US" sz="2000" dirty="0"/>
+              <a:t>소프트웨어의 구성</a:t>
+            </a:r>
+            <a:r>
+              <a:rPr lang="en-US" altLang="ko-KR" sz="2000" dirty="0"/>
+              <a:t>(OS,</a:t>
+            </a:r>
+            <a:r>
+              <a:rPr lang="ko-KR" altLang="en-US" sz="2000" dirty="0"/>
+              <a:t> 아키텍처 타입</a:t>
+            </a:r>
+            <a:r>
+              <a:rPr lang="en-US" altLang="ko-KR" sz="2000" dirty="0"/>
+              <a:t>, </a:t>
+            </a:r>
+            <a:r>
+              <a:rPr lang="ko-KR" altLang="en-US" sz="2000" dirty="0"/>
+              <a:t>저장공간 용량 등</a:t>
+            </a:r>
+            <a:r>
+              <a:rPr lang="en-US" altLang="ko-KR" sz="2000" dirty="0"/>
+              <a:t>)</a:t>
+            </a:r>
+            <a:r>
+              <a:rPr lang="ko-KR" altLang="en-US" sz="2000" dirty="0"/>
+              <a:t>이 기재된 템플릿</a:t>
+            </a:r>
+            <a:endParaRPr lang="en-US" altLang="ko-KR" sz="2000" dirty="0"/>
+          </a:p>
+          <a:p>
+            <a:pPr>
+              <a:lnSpc>
+                <a:spcPct val="150000"/>
+              </a:lnSpc>
+            </a:pPr>
+            <a:r>
+              <a:rPr lang="ko-KR" altLang="en-US" sz="2000" dirty="0"/>
+              <a:t>인스턴스가 시작할 때 필요한 정보 제공</a:t>
+            </a:r>
+            <a:endParaRPr lang="en-US" altLang="ko-KR" sz="2000" dirty="0"/>
+          </a:p>
+        </p:txBody>
+      </p:sp>
+      <p:pic>
+        <p:nvPicPr>
+          <p:cNvPr id="3074" name="Picture 2" descr="&#10;    AMI 수명 주기(생성, 등록, 시작, 복사, 등록 해제).&#10;   ">
+            <a:extLst>
+              <a:ext uri="{FF2B5EF4-FFF2-40B4-BE49-F238E27FC236}">
+                <a16:creationId xmlns:a16="http://schemas.microsoft.com/office/drawing/2014/main" id="{201A2AA2-D1CC-3067-6AF7-CB8AEE841E5E}"/>
+              </a:ext>
+            </a:extLst>
+          </p:cNvPr>
+          <p:cNvPicPr>
+            <a:picLocks noChangeAspect="1" noChangeArrowheads="1"/>
+          </p:cNvPicPr>
+          <p:nvPr/>
+        </p:nvPicPr>
+        <p:blipFill>
+          <a:blip r:embed="rId2">
+            <a:extLst>
+              <a:ext uri="{28A0092B-C50C-407E-A947-70E740481C1C}">
+                <a14:useLocalDpi xmlns:a14="http://schemas.microsoft.com/office/drawing/2010/main" val="0"/>
+              </a:ext>
+            </a:extLst>
+          </a:blip>
+          <a:srcRect/>
+          <a:stretch>
+            <a:fillRect/>
+          </a:stretch>
+        </p:blipFill>
+        <p:spPr bwMode="auto">
+          <a:xfrm>
+            <a:off x="2916002" y="3429000"/>
+            <a:ext cx="7367676" cy="2971836"/>
+          </a:xfrm>
+          <a:prstGeom prst="rect">
+            <a:avLst/>
+          </a:prstGeom>
+          <a:noFill/>
+          <a:extLst>
+            <a:ext uri="{909E8E84-426E-40DD-AFC4-6F175D3DCCD1}">
+              <a14:hiddenFill xmlns:a14="http://schemas.microsoft.com/office/drawing/2010/main">
+                <a:solidFill>
+                  <a:srgbClr val="FFFFFF"/>
+                </a:solidFill>
+              </a14:hiddenFill>
+            </a:ext>
+          </a:extLst>
+        </p:spPr>
+      </p:pic>
+    </p:spTree>
+    <p:extLst>
+      <p:ext uri="{BB962C8B-B14F-4D97-AF65-F5344CB8AC3E}">
+        <p14:creationId xmlns:p14="http://schemas.microsoft.com/office/powerpoint/2010/main" val="4166705322"/>
+      </p:ext>
+    </p:extLst>
+  </p:cSld>
+  <p:clrMapOvr>
+    <a:masterClrMapping/>
+  </p:clrMapOvr>
+</p:sld>
+</file>
+
+<file path=ppt/slides/slide5.xml><?xml version="1.0" encoding="utf-8"?>
+<p:sld xmlns:a="http://schemas.openxmlformats.org/drawingml/2006/main" xmlns:r="http://schemas.openxmlformats.org/officeDocument/2006/relationships" xmlns:p="http://schemas.openxmlformats.org/presentationml/2006/main">
+  <p:cSld>
+    <p:spTree>
+      <p:nvGrpSpPr>
+        <p:cNvPr id="1" name=""/>
+        <p:cNvGrpSpPr/>
+        <p:nvPr/>
+      </p:nvGrpSpPr>
+      <p:grpSpPr>
+        <a:xfrm>
+          <a:off x="0" y="0"/>
+          <a:ext cx="0" cy="0"/>
+          <a:chOff x="0" y="0"/>
+          <a:chExt cx="0" cy="0"/>
+        </a:xfrm>
+      </p:grpSpPr>
+      <p:sp>
+        <p:nvSpPr>
+          <p:cNvPr id="2" name="제목 1">
+            <a:extLst>
+              <a:ext uri="{FF2B5EF4-FFF2-40B4-BE49-F238E27FC236}">
+                <a16:creationId xmlns:a16="http://schemas.microsoft.com/office/drawing/2014/main" id="{97E51B44-8461-7B96-2388-D852A6FF27A0}"/>
+              </a:ext>
+            </a:extLst>
+          </p:cNvPr>
+          <p:cNvSpPr>
+            <a:spLocks noGrp="1"/>
+          </p:cNvSpPr>
+          <p:nvPr>
+            <p:ph type="title"/>
+          </p:nvPr>
+        </p:nvSpPr>
+        <p:spPr>
+          <a:xfrm>
+            <a:off x="511030" y="124444"/>
+            <a:ext cx="10515600" cy="1325563"/>
+          </a:xfrm>
+        </p:spPr>
+        <p:txBody>
+          <a:bodyPr/>
+          <a:lstStyle/>
+          <a:p>
+            <a:r>
+              <a:rPr lang="en-US" altLang="ko-KR" b="1" dirty="0"/>
+              <a:t>Elastic Compute Cloud(EC2)</a:t>
+            </a:r>
+            <a:endParaRPr lang="ko-KR" altLang="en-US" b="1" dirty="0"/>
+          </a:p>
+        </p:txBody>
+      </p:sp>
+      <p:sp>
+        <p:nvSpPr>
+          <p:cNvPr id="3" name="내용 개체 틀 2">
+            <a:extLst>
+              <a:ext uri="{FF2B5EF4-FFF2-40B4-BE49-F238E27FC236}">
+                <a16:creationId xmlns:a16="http://schemas.microsoft.com/office/drawing/2014/main" id="{7A4B3583-626A-8EF0-F5B5-ABF9C4B6DF8E}"/>
+              </a:ext>
+            </a:extLst>
+          </p:cNvPr>
+          <p:cNvSpPr>
+            <a:spLocks noGrp="1"/>
+          </p:cNvSpPr>
+          <p:nvPr>
+            <p:ph idx="1"/>
+          </p:nvPr>
+        </p:nvSpPr>
+        <p:spPr>
+          <a:xfrm>
+            <a:off x="511030" y="1416451"/>
+            <a:ext cx="11169940" cy="2668988"/>
+          </a:xfrm>
+        </p:spPr>
+        <p:txBody>
+          <a:bodyPr>
+            <a:normAutofit lnSpcReduction="10000"/>
+          </a:bodyPr>
+          <a:lstStyle/>
+          <a:p>
+            <a:pPr marL="0" indent="0">
+              <a:lnSpc>
+                <a:spcPct val="150000"/>
+              </a:lnSpc>
+              <a:buNone/>
+            </a:pPr>
+            <a:r>
+              <a:rPr lang="ko-KR" altLang="en-US" sz="2000" dirty="0"/>
+              <a:t>루트 디바이스 스토리지 개념</a:t>
+            </a:r>
+            <a:endParaRPr lang="en-US" altLang="ko-KR" sz="2000" dirty="0"/>
+          </a:p>
+          <a:p>
+            <a:pPr>
+              <a:lnSpc>
+                <a:spcPct val="150000"/>
+              </a:lnSpc>
+            </a:pPr>
+            <a:r>
+              <a:rPr lang="ko-KR" altLang="en-US" sz="2000" b="0" i="0" dirty="0">
+                <a:solidFill>
+                  <a:srgbClr val="16191F"/>
+                </a:solidFill>
+                <a:effectLst/>
+                <a:latin typeface="Amazon Ember"/>
+              </a:rPr>
+              <a:t>인스턴스를 시작하면 인스턴스 부팅에 사용된 이미지가 루트 디바이스 볼륨에 저장된다</a:t>
+            </a:r>
+            <a:r>
+              <a:rPr lang="en-US" altLang="ko-KR" sz="2000" b="0" i="0" dirty="0">
+                <a:solidFill>
+                  <a:srgbClr val="16191F"/>
+                </a:solidFill>
+                <a:effectLst/>
+                <a:latin typeface="Amazon Ember"/>
+              </a:rPr>
+              <a:t>. </a:t>
+            </a:r>
+          </a:p>
+          <a:p>
+            <a:pPr>
+              <a:lnSpc>
+                <a:spcPct val="150000"/>
+              </a:lnSpc>
+            </a:pPr>
+            <a:r>
+              <a:rPr lang="ko-KR" altLang="en-US" sz="2000" dirty="0">
+                <a:solidFill>
+                  <a:srgbClr val="16191F"/>
+                </a:solidFill>
+                <a:latin typeface="Amazon Ember"/>
+              </a:rPr>
+              <a:t>사용자는 </a:t>
+            </a:r>
+            <a:r>
+              <a:rPr lang="en-US" altLang="ko-KR" sz="2000" b="0" i="0" dirty="0">
+                <a:solidFill>
+                  <a:srgbClr val="16191F"/>
+                </a:solidFill>
+                <a:effectLst/>
+                <a:latin typeface="Amazon Ember"/>
+              </a:rPr>
+              <a:t>Amazon EC2 </a:t>
+            </a:r>
+            <a:r>
+              <a:rPr lang="ko-KR" altLang="en-US" sz="2000" b="0" i="0" dirty="0">
+                <a:solidFill>
+                  <a:srgbClr val="16191F"/>
+                </a:solidFill>
+                <a:effectLst/>
+                <a:latin typeface="Amazon Ember"/>
+              </a:rPr>
+              <a:t>인스턴스 스토어가 지원하는 </a:t>
+            </a:r>
+            <a:r>
+              <a:rPr lang="en-US" altLang="ko-KR" sz="2000" b="0" i="0" dirty="0">
+                <a:solidFill>
+                  <a:srgbClr val="16191F"/>
+                </a:solidFill>
+                <a:effectLst/>
+                <a:latin typeface="Amazon Ember"/>
+              </a:rPr>
+              <a:t>AMI</a:t>
+            </a:r>
+            <a:r>
+              <a:rPr lang="ko-KR" altLang="en-US" sz="2000" b="0" i="0" dirty="0">
+                <a:solidFill>
+                  <a:srgbClr val="16191F"/>
+                </a:solidFill>
+                <a:effectLst/>
+                <a:latin typeface="Amazon Ember"/>
+              </a:rPr>
+              <a:t>와 </a:t>
+            </a:r>
+            <a:r>
+              <a:rPr lang="en-US" altLang="ko-KR" sz="2000" b="0" i="0" dirty="0">
+                <a:solidFill>
+                  <a:srgbClr val="16191F"/>
+                </a:solidFill>
+                <a:effectLst/>
+                <a:latin typeface="Amazon Ember"/>
+              </a:rPr>
+              <a:t>Amazon EBS</a:t>
+            </a:r>
+            <a:r>
+              <a:rPr lang="ko-KR" altLang="en-US" sz="2000" b="0" i="0" dirty="0">
+                <a:solidFill>
+                  <a:srgbClr val="16191F"/>
+                </a:solidFill>
+                <a:effectLst/>
+                <a:latin typeface="Amazon Ember"/>
+              </a:rPr>
+              <a:t>에서 지원하는 </a:t>
+            </a:r>
+            <a:r>
+              <a:rPr lang="en-US" altLang="ko-KR" sz="2000" b="0" i="0" dirty="0">
+                <a:solidFill>
+                  <a:srgbClr val="16191F"/>
+                </a:solidFill>
+                <a:effectLst/>
+                <a:latin typeface="Amazon Ember"/>
+              </a:rPr>
+              <a:t>AMI </a:t>
+            </a:r>
+            <a:r>
+              <a:rPr lang="ko-KR" altLang="en-US" sz="2000" b="0" i="0" dirty="0">
+                <a:solidFill>
+                  <a:srgbClr val="16191F"/>
+                </a:solidFill>
+                <a:effectLst/>
+                <a:latin typeface="Amazon Ember"/>
+              </a:rPr>
+              <a:t>중에서 선택할 수 있다</a:t>
+            </a:r>
+            <a:r>
+              <a:rPr lang="en-US" altLang="ko-KR" sz="2000" b="0" i="0" dirty="0">
+                <a:solidFill>
+                  <a:srgbClr val="16191F"/>
+                </a:solidFill>
+                <a:effectLst/>
+                <a:latin typeface="Amazon Ember"/>
+              </a:rPr>
+              <a:t>. </a:t>
+            </a:r>
+          </a:p>
+          <a:p>
+            <a:pPr>
+              <a:lnSpc>
+                <a:spcPct val="150000"/>
+              </a:lnSpc>
+            </a:pPr>
+            <a:r>
+              <a:rPr lang="ko-KR" altLang="en-US" sz="2000" b="0" i="0" dirty="0">
+                <a:solidFill>
+                  <a:srgbClr val="16191F"/>
+                </a:solidFill>
+                <a:effectLst/>
+                <a:latin typeface="Amazon Ember"/>
+              </a:rPr>
+              <a:t>시작 속도가 더 빠르고 영구 스토리지를 사용하는 </a:t>
+            </a:r>
+            <a:r>
+              <a:rPr lang="en-US" altLang="ko-KR" sz="2000" b="0" i="0" dirty="0">
+                <a:solidFill>
+                  <a:srgbClr val="16191F"/>
+                </a:solidFill>
+                <a:effectLst/>
+                <a:latin typeface="Amazon Ember"/>
+              </a:rPr>
+              <a:t>Amazon EBS </a:t>
+            </a:r>
+            <a:r>
+              <a:rPr lang="ko-KR" altLang="en-US" sz="2000" b="0" i="0" dirty="0">
+                <a:solidFill>
+                  <a:srgbClr val="16191F"/>
+                </a:solidFill>
+                <a:effectLst/>
+                <a:latin typeface="Amazon Ember"/>
+              </a:rPr>
+              <a:t>지원 </a:t>
+            </a:r>
+            <a:r>
+              <a:rPr lang="en-US" altLang="ko-KR" sz="2000" b="0" i="0" dirty="0">
+                <a:solidFill>
+                  <a:srgbClr val="16191F"/>
+                </a:solidFill>
+                <a:effectLst/>
+                <a:latin typeface="Amazon Ember"/>
+              </a:rPr>
+              <a:t>AMI</a:t>
+            </a:r>
+            <a:r>
+              <a:rPr lang="ko-KR" altLang="en-US" sz="2000" b="0" i="0" dirty="0">
+                <a:solidFill>
+                  <a:srgbClr val="16191F"/>
+                </a:solidFill>
+                <a:effectLst/>
+                <a:latin typeface="Amazon Ember"/>
+              </a:rPr>
+              <a:t>를 사용하는 것이 좋다</a:t>
+            </a:r>
+            <a:r>
+              <a:rPr lang="en-US" altLang="ko-KR" sz="2000" b="0" i="0" dirty="0">
+                <a:solidFill>
+                  <a:srgbClr val="16191F"/>
+                </a:solidFill>
+                <a:effectLst/>
+                <a:latin typeface="Amazon Ember"/>
+              </a:rPr>
+              <a:t>.</a:t>
+            </a:r>
+          </a:p>
+        </p:txBody>
+      </p:sp>
+    </p:spTree>
+    <p:extLst>
+      <p:ext uri="{BB962C8B-B14F-4D97-AF65-F5344CB8AC3E}">
+        <p14:creationId xmlns:p14="http://schemas.microsoft.com/office/powerpoint/2010/main" val="1950826137"/>
+      </p:ext>
+    </p:extLst>
+  </p:cSld>
+  <p:clrMapOvr>
+    <a:masterClrMapping/>
+  </p:clrMapOvr>
+</p:sld>
+</file>
+
+<file path=ppt/slides/slide6.xml><?xml version="1.0" encoding="utf-8"?>
+<p:sld xmlns:a="http://schemas.openxmlformats.org/drawingml/2006/main" xmlns:r="http://schemas.openxmlformats.org/officeDocument/2006/relationships" xmlns:p="http://schemas.openxmlformats.org/presentationml/2006/main">
+  <p:cSld>
+    <p:spTree>
+      <p:nvGrpSpPr>
+        <p:cNvPr id="1" name=""/>
+        <p:cNvGrpSpPr/>
+        <p:nvPr/>
+      </p:nvGrpSpPr>
+      <p:grpSpPr>
+        <a:xfrm>
+          <a:off x="0" y="0"/>
+          <a:ext cx="0" cy="0"/>
+          <a:chOff x="0" y="0"/>
+          <a:chExt cx="0" cy="0"/>
+        </a:xfrm>
+      </p:grpSpPr>
+      <p:sp>
+        <p:nvSpPr>
+          <p:cNvPr id="2" name="제목 1">
+            <a:extLst>
+              <a:ext uri="{FF2B5EF4-FFF2-40B4-BE49-F238E27FC236}">
+                <a16:creationId xmlns:a16="http://schemas.microsoft.com/office/drawing/2014/main" id="{97E51B44-8461-7B96-2388-D852A6FF27A0}"/>
+              </a:ext>
+            </a:extLst>
+          </p:cNvPr>
+          <p:cNvSpPr>
+            <a:spLocks noGrp="1"/>
+          </p:cNvSpPr>
+          <p:nvPr>
+            <p:ph type="title"/>
+          </p:nvPr>
+        </p:nvSpPr>
+        <p:spPr>
+          <a:xfrm>
+            <a:off x="511030" y="124444"/>
+            <a:ext cx="10515600" cy="1325563"/>
+          </a:xfrm>
+        </p:spPr>
+        <p:txBody>
+          <a:bodyPr/>
+          <a:lstStyle/>
+          <a:p>
+            <a:r>
+              <a:rPr lang="en-US" altLang="ko-KR" b="1" dirty="0"/>
+              <a:t>Elastic Compute Cloud(EC2)</a:t>
+            </a:r>
+            <a:endParaRPr lang="ko-KR" altLang="en-US" b="1" dirty="0"/>
+          </a:p>
+        </p:txBody>
+      </p:sp>
+      <p:sp>
+        <p:nvSpPr>
+          <p:cNvPr id="3" name="내용 개체 틀 2">
+            <a:extLst>
+              <a:ext uri="{FF2B5EF4-FFF2-40B4-BE49-F238E27FC236}">
+                <a16:creationId xmlns:a16="http://schemas.microsoft.com/office/drawing/2014/main" id="{7A4B3583-626A-8EF0-F5B5-ABF9C4B6DF8E}"/>
+              </a:ext>
+            </a:extLst>
+          </p:cNvPr>
+          <p:cNvSpPr>
+            <a:spLocks noGrp="1"/>
+          </p:cNvSpPr>
+          <p:nvPr>
+            <p:ph idx="1"/>
+          </p:nvPr>
+        </p:nvSpPr>
+        <p:spPr>
+          <a:xfrm>
+            <a:off x="511030" y="1416451"/>
+            <a:ext cx="11169940" cy="2207593"/>
+          </a:xfrm>
+        </p:spPr>
+        <p:txBody>
+          <a:bodyPr>
+            <a:normAutofit/>
+          </a:bodyPr>
+          <a:lstStyle/>
+          <a:p>
+            <a:pPr marL="0" indent="0">
+              <a:lnSpc>
+                <a:spcPct val="150000"/>
+              </a:lnSpc>
+              <a:buNone/>
+            </a:pPr>
+            <a:r>
+              <a:rPr lang="ko-KR" altLang="en-US" sz="2000" dirty="0"/>
+              <a:t>인스턴스 스토어 지원 인스턴스</a:t>
+            </a:r>
+            <a:endParaRPr lang="en-US" altLang="ko-KR" sz="2000" dirty="0"/>
+          </a:p>
+          <a:p>
+            <a:pPr>
+              <a:lnSpc>
+                <a:spcPct val="150000"/>
+              </a:lnSpc>
+            </a:pPr>
+            <a:r>
+              <a:rPr lang="ko-KR" altLang="en-US" sz="1400" b="0" i="0" dirty="0">
+                <a:solidFill>
+                  <a:srgbClr val="16191F"/>
+                </a:solidFill>
+                <a:effectLst/>
+                <a:latin typeface="Amazon Ember"/>
+              </a:rPr>
+              <a:t>인스턴스 스토어를 루트 디바이스로 사용하는 인스턴스는 하나 이상의 인스턴스 스토어 볼륨을 자동으로 사용할 수 있으며</a:t>
+            </a:r>
+            <a:r>
+              <a:rPr lang="en-US" altLang="ko-KR" sz="1400" b="0" i="0" dirty="0">
+                <a:solidFill>
+                  <a:srgbClr val="16191F"/>
+                </a:solidFill>
+                <a:effectLst/>
+                <a:latin typeface="Amazon Ember"/>
+              </a:rPr>
+              <a:t>, </a:t>
+            </a:r>
+            <a:r>
+              <a:rPr lang="ko-KR" altLang="en-US" sz="1400" b="0" i="0" dirty="0">
+                <a:solidFill>
+                  <a:srgbClr val="16191F"/>
+                </a:solidFill>
+                <a:effectLst/>
+                <a:latin typeface="Amazon Ember"/>
+              </a:rPr>
+              <a:t>이러한 볼륨 중 하나가 루트 디바이스 볼륨 역할을 한다</a:t>
+            </a:r>
+            <a:r>
+              <a:rPr lang="en-US" altLang="ko-KR" sz="1400" b="0" i="0" dirty="0">
+                <a:solidFill>
+                  <a:srgbClr val="16191F"/>
+                </a:solidFill>
+                <a:effectLst/>
+                <a:latin typeface="Amazon Ember"/>
+              </a:rPr>
+              <a:t>. </a:t>
+            </a:r>
+          </a:p>
+          <a:p>
+            <a:pPr>
+              <a:lnSpc>
+                <a:spcPct val="150000"/>
+              </a:lnSpc>
+            </a:pPr>
+            <a:r>
+              <a:rPr lang="ko-KR" altLang="en-US" sz="1400" b="0" i="0" dirty="0">
+                <a:solidFill>
+                  <a:srgbClr val="16191F"/>
+                </a:solidFill>
+                <a:effectLst/>
+                <a:latin typeface="Amazon Ember"/>
+              </a:rPr>
+              <a:t>인스턴스 스토어 볼륨의 모든 데이터는 인스턴스가 실행되는 동안 유지되지만</a:t>
+            </a:r>
+            <a:r>
+              <a:rPr lang="en-US" altLang="ko-KR" sz="1400" b="0" i="0" dirty="0">
+                <a:solidFill>
+                  <a:srgbClr val="16191F"/>
+                </a:solidFill>
+                <a:effectLst/>
+                <a:latin typeface="Amazon Ember"/>
+              </a:rPr>
+              <a:t>, </a:t>
+            </a:r>
+            <a:r>
+              <a:rPr lang="ko-KR" altLang="en-US" sz="1400" b="0" i="0" dirty="0">
+                <a:solidFill>
+                  <a:srgbClr val="16191F"/>
+                </a:solidFill>
+                <a:effectLst/>
+                <a:latin typeface="Amazon Ember"/>
+              </a:rPr>
+              <a:t>인스턴스가 종료되거나</a:t>
+            </a:r>
+            <a:r>
+              <a:rPr lang="en-US" altLang="ko-KR" sz="1400" b="0" i="0" dirty="0">
+                <a:solidFill>
+                  <a:srgbClr val="16191F"/>
+                </a:solidFill>
+                <a:effectLst/>
+                <a:latin typeface="Amazon Ember"/>
+              </a:rPr>
+              <a:t> </a:t>
+            </a:r>
+            <a:r>
+              <a:rPr lang="ko-KR" altLang="en-US" sz="1400" b="0" i="0" dirty="0">
+                <a:solidFill>
+                  <a:srgbClr val="16191F"/>
+                </a:solidFill>
+                <a:effectLst/>
+                <a:latin typeface="Amazon Ember"/>
+              </a:rPr>
+              <a:t>장애가 발생하면</a:t>
+            </a:r>
+            <a:r>
+              <a:rPr lang="en-US" altLang="ko-KR" sz="1400" b="0" i="0" dirty="0">
+                <a:solidFill>
+                  <a:srgbClr val="16191F"/>
+                </a:solidFill>
+                <a:effectLst/>
+                <a:latin typeface="Amazon Ember"/>
+              </a:rPr>
+              <a:t> </a:t>
+            </a:r>
+            <a:r>
+              <a:rPr lang="ko-KR" altLang="en-US" sz="1400" b="0" i="0" dirty="0">
+                <a:solidFill>
+                  <a:srgbClr val="16191F"/>
+                </a:solidFill>
+                <a:effectLst/>
+                <a:latin typeface="Amazon Ember"/>
+              </a:rPr>
+              <a:t>데이터가 삭제된다</a:t>
+            </a:r>
+            <a:r>
+              <a:rPr lang="en-US" altLang="ko-KR" sz="1400" b="0" i="0" dirty="0">
+                <a:solidFill>
+                  <a:srgbClr val="16191F"/>
+                </a:solidFill>
+                <a:effectLst/>
+                <a:latin typeface="Amazon Ember"/>
+              </a:rPr>
+              <a:t>.</a:t>
+            </a:r>
+          </a:p>
+        </p:txBody>
+      </p:sp>
+      <p:pic>
+        <p:nvPicPr>
+          <p:cNvPr id="4098" name="Picture 2" descr="&#10;     Amazon EC2 인스턴스 스토어가 지원하는 인스턴스의 루트 디바이스&#10;    ">
+            <a:extLst>
+              <a:ext uri="{FF2B5EF4-FFF2-40B4-BE49-F238E27FC236}">
+                <a16:creationId xmlns:a16="http://schemas.microsoft.com/office/drawing/2014/main" id="{BBC27485-48CC-72A1-3F54-61E8A53C8DAB}"/>
+              </a:ext>
+            </a:extLst>
+          </p:cNvPr>
+          <p:cNvPicPr>
+            <a:picLocks noChangeAspect="1" noChangeArrowheads="1"/>
+          </p:cNvPicPr>
+          <p:nvPr/>
+        </p:nvPicPr>
+        <p:blipFill>
+          <a:blip r:embed="rId2">
+            <a:extLst>
+              <a:ext uri="{28A0092B-C50C-407E-A947-70E740481C1C}">
+                <a14:useLocalDpi xmlns:a14="http://schemas.microsoft.com/office/drawing/2010/main" val="0"/>
+              </a:ext>
+            </a:extLst>
+          </a:blip>
+          <a:srcRect/>
+          <a:stretch>
+            <a:fillRect/>
+          </a:stretch>
+        </p:blipFill>
+        <p:spPr bwMode="auto">
+          <a:xfrm>
+            <a:off x="7476470" y="3624044"/>
+            <a:ext cx="3743108" cy="2940428"/>
+          </a:xfrm>
+          <a:prstGeom prst="rect">
+            <a:avLst/>
+          </a:prstGeom>
+          <a:noFill/>
+          <a:extLst>
+            <a:ext uri="{909E8E84-426E-40DD-AFC4-6F175D3DCCD1}">
+              <a14:hiddenFill xmlns:a14="http://schemas.microsoft.com/office/drawing/2010/main">
+                <a:solidFill>
+                  <a:srgbClr val="FFFFFF"/>
+                </a:solidFill>
+              </a14:hiddenFill>
+            </a:ext>
+          </a:extLst>
+        </p:spPr>
+      </p:pic>
+    </p:spTree>
+    <p:extLst>
+      <p:ext uri="{BB962C8B-B14F-4D97-AF65-F5344CB8AC3E}">
+        <p14:creationId xmlns:p14="http://schemas.microsoft.com/office/powerpoint/2010/main" val="2588380948"/>
+      </p:ext>
+    </p:extLst>
+  </p:cSld>
+  <p:clrMapOvr>
+    <a:masterClrMapping/>
+  </p:clrMapOvr>
+</p:sld>
+</file>
+
+<file path=ppt/slides/slide7.xml><?xml version="1.0" encoding="utf-8"?>
+<p:sld xmlns:a="http://schemas.openxmlformats.org/drawingml/2006/main" xmlns:r="http://schemas.openxmlformats.org/officeDocument/2006/relationships" xmlns:p="http://schemas.openxmlformats.org/presentationml/2006/main">
+  <p:cSld>
+    <p:spTree>
+      <p:nvGrpSpPr>
+        <p:cNvPr id="1" name=""/>
+        <p:cNvGrpSpPr/>
+        <p:nvPr/>
+      </p:nvGrpSpPr>
+      <p:grpSpPr>
+        <a:xfrm>
+          <a:off x="0" y="0"/>
+          <a:ext cx="0" cy="0"/>
+          <a:chOff x="0" y="0"/>
+          <a:chExt cx="0" cy="0"/>
+        </a:xfrm>
+      </p:grpSpPr>
+      <p:sp>
+        <p:nvSpPr>
+          <p:cNvPr id="2" name="제목 1">
+            <a:extLst>
+              <a:ext uri="{FF2B5EF4-FFF2-40B4-BE49-F238E27FC236}">
+                <a16:creationId xmlns:a16="http://schemas.microsoft.com/office/drawing/2014/main" id="{97E51B44-8461-7B96-2388-D852A6FF27A0}"/>
+              </a:ext>
+            </a:extLst>
+          </p:cNvPr>
+          <p:cNvSpPr>
+            <a:spLocks noGrp="1"/>
+          </p:cNvSpPr>
+          <p:nvPr>
+            <p:ph type="title"/>
+          </p:nvPr>
+        </p:nvSpPr>
+        <p:spPr>
+          <a:xfrm>
+            <a:off x="511030" y="124444"/>
+            <a:ext cx="10515600" cy="1325563"/>
+          </a:xfrm>
+        </p:spPr>
+        <p:txBody>
+          <a:bodyPr/>
+          <a:lstStyle/>
+          <a:p>
+            <a:r>
+              <a:rPr lang="en-US" altLang="ko-KR" b="1" dirty="0"/>
+              <a:t>Elastic Compute Cloud(EC2)</a:t>
+            </a:r>
+            <a:endParaRPr lang="ko-KR" altLang="en-US" b="1" dirty="0"/>
+          </a:p>
+        </p:txBody>
+      </p:sp>
+      <p:sp>
+        <p:nvSpPr>
+          <p:cNvPr id="3" name="내용 개체 틀 2">
+            <a:extLst>
+              <a:ext uri="{FF2B5EF4-FFF2-40B4-BE49-F238E27FC236}">
+                <a16:creationId xmlns:a16="http://schemas.microsoft.com/office/drawing/2014/main" id="{7A4B3583-626A-8EF0-F5B5-ABF9C4B6DF8E}"/>
+              </a:ext>
+            </a:extLst>
+          </p:cNvPr>
+          <p:cNvSpPr>
+            <a:spLocks noGrp="1"/>
+          </p:cNvSpPr>
+          <p:nvPr>
+            <p:ph idx="1"/>
+          </p:nvPr>
+        </p:nvSpPr>
+        <p:spPr>
+          <a:xfrm>
+            <a:off x="511029" y="1416451"/>
+            <a:ext cx="11476839" cy="2660599"/>
+          </a:xfrm>
+        </p:spPr>
+        <p:txBody>
+          <a:bodyPr>
+            <a:normAutofit/>
+          </a:bodyPr>
+          <a:lstStyle/>
+          <a:p>
+            <a:pPr marL="0" indent="0">
+              <a:lnSpc>
+                <a:spcPct val="150000"/>
+              </a:lnSpc>
+              <a:buNone/>
+            </a:pPr>
+            <a:r>
+              <a:rPr lang="en-US" altLang="ko-KR" sz="2000" dirty="0"/>
+              <a:t>Amazon EBS </a:t>
+            </a:r>
+            <a:r>
+              <a:rPr lang="ko-KR" altLang="en-US" sz="2000" dirty="0"/>
+              <a:t>지원 인스턴스</a:t>
+            </a:r>
+            <a:endParaRPr lang="en-US" altLang="ko-KR" sz="2000" dirty="0"/>
+          </a:p>
+          <a:p>
+            <a:pPr>
+              <a:lnSpc>
+                <a:spcPct val="150000"/>
+              </a:lnSpc>
+            </a:pPr>
+            <a:r>
+              <a:rPr lang="en-US" altLang="ko-KR" sz="1400" b="0" i="0" dirty="0">
+                <a:solidFill>
+                  <a:srgbClr val="16191F"/>
+                </a:solidFill>
+                <a:effectLst/>
+                <a:latin typeface="Amazon Ember"/>
+              </a:rPr>
+              <a:t>Amazon EBS</a:t>
+            </a:r>
+            <a:r>
+              <a:rPr lang="ko-KR" altLang="en-US" sz="1400" b="0" i="0" dirty="0">
+                <a:solidFill>
+                  <a:srgbClr val="16191F"/>
+                </a:solidFill>
+                <a:effectLst/>
+                <a:latin typeface="Amazon Ember"/>
+              </a:rPr>
+              <a:t>를 루트 디바이스로 사용하는 인스턴스에는 자동으로 </a:t>
+            </a:r>
+            <a:r>
+              <a:rPr lang="en-US" altLang="ko-KR" sz="1400" b="0" i="0" dirty="0">
+                <a:solidFill>
+                  <a:srgbClr val="16191F"/>
+                </a:solidFill>
+                <a:effectLst/>
+                <a:latin typeface="Amazon Ember"/>
+              </a:rPr>
+              <a:t>Amazon EBS </a:t>
+            </a:r>
+            <a:r>
+              <a:rPr lang="ko-KR" altLang="en-US" sz="1400" b="0" i="0" dirty="0">
+                <a:solidFill>
+                  <a:srgbClr val="16191F"/>
+                </a:solidFill>
+                <a:effectLst/>
+                <a:latin typeface="Amazon Ember"/>
+              </a:rPr>
+              <a:t>볼륨이 연결</a:t>
+            </a:r>
+            <a:r>
+              <a:rPr lang="ko-KR" altLang="en-US" sz="1400" dirty="0">
+                <a:solidFill>
+                  <a:srgbClr val="16191F"/>
+                </a:solidFill>
+                <a:latin typeface="Amazon Ember"/>
+              </a:rPr>
+              <a:t>된</a:t>
+            </a:r>
+            <a:r>
+              <a:rPr lang="ko-KR" altLang="en-US" sz="1400" b="0" i="0" dirty="0">
+                <a:solidFill>
+                  <a:srgbClr val="16191F"/>
+                </a:solidFill>
+                <a:effectLst/>
+                <a:latin typeface="Amazon Ember"/>
+              </a:rPr>
+              <a:t>다</a:t>
+            </a:r>
+            <a:r>
+              <a:rPr lang="en-US" altLang="ko-KR" sz="1400" b="0" i="0" dirty="0">
+                <a:solidFill>
+                  <a:srgbClr val="16191F"/>
+                </a:solidFill>
+                <a:effectLst/>
+                <a:latin typeface="Amazon Ember"/>
+              </a:rPr>
+              <a:t>. Amazon EBS </a:t>
+            </a:r>
+            <a:r>
+              <a:rPr lang="ko-KR" altLang="en-US" sz="1400" b="0" i="0" dirty="0">
+                <a:solidFill>
+                  <a:srgbClr val="16191F"/>
+                </a:solidFill>
+                <a:effectLst/>
+                <a:latin typeface="Amazon Ember"/>
+              </a:rPr>
+              <a:t>지원 인스턴스를 시작하면 사용하는 </a:t>
+            </a:r>
+            <a:r>
+              <a:rPr lang="en-US" altLang="ko-KR" sz="1400" b="0" i="0" dirty="0">
+                <a:solidFill>
+                  <a:srgbClr val="16191F"/>
+                </a:solidFill>
+                <a:effectLst/>
+                <a:latin typeface="Amazon Ember"/>
+              </a:rPr>
+              <a:t>AMI</a:t>
+            </a:r>
+            <a:r>
+              <a:rPr lang="ko-KR" altLang="en-US" sz="1400" b="0" i="0" dirty="0">
+                <a:solidFill>
+                  <a:srgbClr val="16191F"/>
+                </a:solidFill>
+                <a:effectLst/>
+                <a:latin typeface="Amazon Ember"/>
+              </a:rPr>
+              <a:t>가 참조하는 각 </a:t>
+            </a:r>
+            <a:r>
+              <a:rPr lang="en-US" altLang="ko-KR" sz="1400" b="0" i="0" dirty="0">
+                <a:solidFill>
+                  <a:srgbClr val="16191F"/>
+                </a:solidFill>
+                <a:effectLst/>
+                <a:latin typeface="Amazon Ember"/>
+              </a:rPr>
+              <a:t>Amazon EBS </a:t>
+            </a:r>
+            <a:r>
+              <a:rPr lang="ko-KR" altLang="en-US" sz="1400" b="0" i="0" dirty="0">
+                <a:solidFill>
+                  <a:srgbClr val="16191F"/>
+                </a:solidFill>
+                <a:effectLst/>
+                <a:latin typeface="Amazon Ember"/>
+              </a:rPr>
+              <a:t>스냅샷에 대한 </a:t>
+            </a:r>
+            <a:r>
+              <a:rPr lang="en-US" altLang="ko-KR" sz="1400" b="0" i="0" dirty="0">
+                <a:solidFill>
+                  <a:srgbClr val="16191F"/>
+                </a:solidFill>
+                <a:effectLst/>
+                <a:latin typeface="Amazon Ember"/>
+              </a:rPr>
+              <a:t>Amazon EBS </a:t>
+            </a:r>
+            <a:r>
+              <a:rPr lang="ko-KR" altLang="en-US" sz="1400" b="0" i="0" dirty="0">
+                <a:solidFill>
+                  <a:srgbClr val="16191F"/>
+                </a:solidFill>
+                <a:effectLst/>
+                <a:latin typeface="Amazon Ember"/>
+              </a:rPr>
+              <a:t>볼륨이 생성된다</a:t>
+            </a:r>
+            <a:r>
+              <a:rPr lang="en-US" altLang="ko-KR" sz="1400" b="0" i="0" dirty="0">
+                <a:solidFill>
+                  <a:srgbClr val="16191F"/>
+                </a:solidFill>
+                <a:effectLst/>
+                <a:latin typeface="Amazon Ember"/>
+              </a:rPr>
+              <a:t>. </a:t>
+            </a:r>
+          </a:p>
+          <a:p>
+            <a:pPr>
+              <a:lnSpc>
+                <a:spcPct val="150000"/>
+              </a:lnSpc>
+            </a:pPr>
+            <a:r>
+              <a:rPr lang="en-US" altLang="ko-KR" sz="1400" b="0" i="0" dirty="0">
+                <a:solidFill>
+                  <a:srgbClr val="16191F"/>
+                </a:solidFill>
+                <a:effectLst/>
+                <a:latin typeface="Amazon Ember"/>
+              </a:rPr>
+              <a:t>Amazon EBS </a:t>
+            </a:r>
+            <a:r>
+              <a:rPr lang="ko-KR" altLang="en-US" sz="1400" b="0" i="0" dirty="0">
+                <a:solidFill>
+                  <a:srgbClr val="16191F"/>
+                </a:solidFill>
+                <a:effectLst/>
+                <a:latin typeface="Amazon Ember"/>
+              </a:rPr>
+              <a:t>지원 인스턴스는 중지한 후 다시 시작해도 연결된 볼륨에 저장된 데이터에 아무런 영향이 없다</a:t>
+            </a:r>
+            <a:r>
+              <a:rPr lang="en-US" altLang="ko-KR" sz="1400" b="0" i="0" dirty="0">
+                <a:solidFill>
+                  <a:srgbClr val="16191F"/>
+                </a:solidFill>
+                <a:effectLst/>
+                <a:latin typeface="Amazon Ember"/>
+              </a:rPr>
+              <a:t>. Amazon EBS </a:t>
+            </a:r>
+            <a:r>
+              <a:rPr lang="ko-KR" altLang="en-US" sz="1400" b="0" i="0" dirty="0">
+                <a:solidFill>
+                  <a:srgbClr val="16191F"/>
+                </a:solidFill>
+                <a:effectLst/>
+                <a:latin typeface="Amazon Ember"/>
+              </a:rPr>
+              <a:t>지원 인스턴스가 중지 </a:t>
+            </a:r>
+            <a:r>
+              <a:rPr lang="en-US" altLang="ko-KR" sz="1400" dirty="0">
+                <a:solidFill>
+                  <a:srgbClr val="16191F"/>
+                </a:solidFill>
+                <a:latin typeface="Amazon Ember"/>
+              </a:rPr>
+              <a:t> </a:t>
+            </a:r>
+            <a:r>
+              <a:rPr lang="ko-KR" altLang="en-US" sz="1400" b="0" i="0" dirty="0">
+                <a:solidFill>
+                  <a:srgbClr val="16191F"/>
+                </a:solidFill>
+                <a:effectLst/>
+                <a:latin typeface="Amazon Ember"/>
+              </a:rPr>
+              <a:t>상태일 때 다양한 인스턴스 및 볼륨 관련 태스크를 수행할 수 있다</a:t>
+            </a:r>
+            <a:r>
+              <a:rPr lang="en-US" altLang="ko-KR" sz="1400" b="0" i="0" dirty="0">
+                <a:solidFill>
+                  <a:srgbClr val="16191F"/>
+                </a:solidFill>
+                <a:effectLst/>
+                <a:latin typeface="Amazon Ember"/>
+              </a:rPr>
+              <a:t>. </a:t>
+            </a:r>
+            <a:r>
+              <a:rPr lang="ko-KR" altLang="en-US" sz="1400" b="0" i="0" dirty="0">
+                <a:solidFill>
+                  <a:srgbClr val="16191F"/>
+                </a:solidFill>
+                <a:effectLst/>
+                <a:latin typeface="Amazon Ember"/>
+              </a:rPr>
+              <a:t>예를 들어 인스턴스의 속성을 수정하거나</a:t>
+            </a:r>
+            <a:r>
+              <a:rPr lang="en-US" altLang="ko-KR" sz="1400" b="0" i="0" dirty="0">
+                <a:solidFill>
+                  <a:srgbClr val="16191F"/>
+                </a:solidFill>
+                <a:effectLst/>
+                <a:latin typeface="Amazon Ember"/>
+              </a:rPr>
+              <a:t>, </a:t>
+            </a:r>
+            <a:r>
+              <a:rPr lang="ko-KR" altLang="en-US" sz="1400" b="0" i="0" dirty="0">
+                <a:solidFill>
+                  <a:srgbClr val="16191F"/>
+                </a:solidFill>
+                <a:effectLst/>
+                <a:latin typeface="Amazon Ember"/>
+              </a:rPr>
+              <a:t>인스턴스의 크기를 변경하거나</a:t>
+            </a:r>
+            <a:r>
+              <a:rPr lang="en-US" altLang="ko-KR" sz="1400" b="0" i="0" dirty="0">
+                <a:solidFill>
+                  <a:srgbClr val="16191F"/>
+                </a:solidFill>
+                <a:effectLst/>
+                <a:latin typeface="Amazon Ember"/>
+              </a:rPr>
+              <a:t>,   </a:t>
+            </a:r>
+            <a:r>
+              <a:rPr lang="ko-KR" altLang="en-US" sz="1400" b="0" i="0" dirty="0">
+                <a:solidFill>
+                  <a:srgbClr val="16191F"/>
+                </a:solidFill>
+                <a:effectLst/>
+                <a:latin typeface="Amazon Ember"/>
+              </a:rPr>
+              <a:t>사용하는 커널을 업데이트하거나</a:t>
+            </a:r>
+            <a:r>
+              <a:rPr lang="en-US" altLang="ko-KR" sz="1400" b="0" i="0" dirty="0">
+                <a:solidFill>
+                  <a:srgbClr val="16191F"/>
+                </a:solidFill>
+                <a:effectLst/>
+                <a:latin typeface="Amazon Ember"/>
+              </a:rPr>
+              <a:t>, </a:t>
+            </a:r>
+            <a:r>
+              <a:rPr lang="ko-KR" altLang="en-US" sz="1400" b="0" i="0" dirty="0">
+                <a:solidFill>
+                  <a:srgbClr val="16191F"/>
+                </a:solidFill>
+                <a:effectLst/>
+                <a:latin typeface="Amazon Ember"/>
+              </a:rPr>
+              <a:t>디버깅 등의 목적으로 루트 볼륨을 실행 중인 다른 인스턴스에 연결할 수 있다</a:t>
+            </a:r>
+            <a:r>
+              <a:rPr lang="en-US" altLang="ko-KR" sz="1400" b="0" i="0" dirty="0">
+                <a:solidFill>
+                  <a:srgbClr val="16191F"/>
+                </a:solidFill>
+                <a:effectLst/>
+                <a:latin typeface="Amazon Ember"/>
+              </a:rPr>
+              <a:t>.</a:t>
+            </a:r>
+          </a:p>
+        </p:txBody>
+      </p:sp>
+      <p:pic>
+        <p:nvPicPr>
+          <p:cNvPr id="6146" name="Picture 2" descr="&#10;     Amazon EBS 지원 인스턴스의 루트 디바이스 볼륨 및 기타 Amazon EBS 볼륨&#10;    ">
+            <a:extLst>
+              <a:ext uri="{FF2B5EF4-FFF2-40B4-BE49-F238E27FC236}">
+                <a16:creationId xmlns:a16="http://schemas.microsoft.com/office/drawing/2014/main" id="{EB028E89-7E51-4043-0D2C-9C6A396A312F}"/>
+              </a:ext>
+            </a:extLst>
+          </p:cNvPr>
+          <p:cNvPicPr>
+            <a:picLocks noChangeAspect="1" noChangeArrowheads="1"/>
+          </p:cNvPicPr>
+          <p:nvPr/>
+        </p:nvPicPr>
+        <p:blipFill>
+          <a:blip r:embed="rId2">
+            <a:extLst>
+              <a:ext uri="{28A0092B-C50C-407E-A947-70E740481C1C}">
+                <a14:useLocalDpi xmlns:a14="http://schemas.microsoft.com/office/drawing/2010/main" val="0"/>
+              </a:ext>
+            </a:extLst>
+          </a:blip>
+          <a:srcRect/>
+          <a:stretch>
+            <a:fillRect/>
+          </a:stretch>
+        </p:blipFill>
+        <p:spPr bwMode="auto">
+          <a:xfrm>
+            <a:off x="7609950" y="4034310"/>
+            <a:ext cx="3618016" cy="2539705"/>
+          </a:xfrm>
+          <a:prstGeom prst="rect">
+            <a:avLst/>
+          </a:prstGeom>
+          <a:noFill/>
+          <a:extLst>
+            <a:ext uri="{909E8E84-426E-40DD-AFC4-6F175D3DCCD1}">
+              <a14:hiddenFill xmlns:a14="http://schemas.microsoft.com/office/drawing/2010/main">
+                <a:solidFill>
+                  <a:srgbClr val="FFFFFF"/>
+                </a:solidFill>
+              </a14:hiddenFill>
+            </a:ext>
+          </a:extLst>
+        </p:spPr>
+      </p:pic>
+    </p:spTree>
+    <p:extLst>
+      <p:ext uri="{BB962C8B-B14F-4D97-AF65-F5344CB8AC3E}">
+        <p14:creationId xmlns:p14="http://schemas.microsoft.com/office/powerpoint/2010/main" val="3100602196"/>
+      </p:ext>
+    </p:extLst>
+  </p:cSld>
+  <p:clrMapOvr>
+    <a:masterClrMapping/>
+  </p:clrMapOvr>
+</p:sld>
+</file>
+
+<file path=ppt/slides/slide8.xml><?xml version="1.0" encoding="utf-8"?>
+<p:sld xmlns:a="http://schemas.openxmlformats.org/drawingml/2006/main" xmlns:r="http://schemas.openxmlformats.org/officeDocument/2006/relationships" xmlns:p="http://schemas.openxmlformats.org/presentationml/2006/main">
+  <p:cSld>
+    <p:spTree>
+      <p:nvGrpSpPr>
+        <p:cNvPr id="1" name=""/>
+        <p:cNvGrpSpPr/>
+        <p:nvPr/>
+      </p:nvGrpSpPr>
+      <p:grpSpPr>
+        <a:xfrm>
+          <a:off x="0" y="0"/>
+          <a:ext cx="0" cy="0"/>
+          <a:chOff x="0" y="0"/>
+          <a:chExt cx="0" cy="0"/>
+        </a:xfrm>
+      </p:grpSpPr>
+      <p:sp>
+        <p:nvSpPr>
+          <p:cNvPr id="2" name="제목 1">
+            <a:extLst>
+              <a:ext uri="{FF2B5EF4-FFF2-40B4-BE49-F238E27FC236}">
+                <a16:creationId xmlns:a16="http://schemas.microsoft.com/office/drawing/2014/main" id="{97E51B44-8461-7B96-2388-D852A6FF27A0}"/>
+              </a:ext>
+            </a:extLst>
+          </p:cNvPr>
+          <p:cNvSpPr>
+            <a:spLocks noGrp="1"/>
+          </p:cNvSpPr>
+          <p:nvPr>
+            <p:ph type="title"/>
+          </p:nvPr>
+        </p:nvSpPr>
+        <p:spPr>
+          <a:xfrm>
+            <a:off x="511030" y="124444"/>
+            <a:ext cx="10515600" cy="1325563"/>
+          </a:xfrm>
+        </p:spPr>
+        <p:txBody>
+          <a:bodyPr/>
+          <a:lstStyle/>
+          <a:p>
+            <a:r>
+              <a:rPr lang="en-US" altLang="ko-KR" b="1" dirty="0"/>
+              <a:t>Elastic Compute Cloud(EC2)</a:t>
+            </a:r>
+            <a:endParaRPr lang="ko-KR" altLang="en-US" b="1" dirty="0"/>
+          </a:p>
+        </p:txBody>
+      </p:sp>
+      <p:sp>
+        <p:nvSpPr>
+          <p:cNvPr id="3" name="내용 개체 틀 2">
+            <a:extLst>
+              <a:ext uri="{FF2B5EF4-FFF2-40B4-BE49-F238E27FC236}">
+                <a16:creationId xmlns:a16="http://schemas.microsoft.com/office/drawing/2014/main" id="{7A4B3583-626A-8EF0-F5B5-ABF9C4B6DF8E}"/>
+              </a:ext>
+            </a:extLst>
+          </p:cNvPr>
+          <p:cNvSpPr>
+            <a:spLocks noGrp="1"/>
+          </p:cNvSpPr>
+          <p:nvPr>
+            <p:ph idx="1"/>
+          </p:nvPr>
+        </p:nvSpPr>
+        <p:spPr>
+          <a:xfrm>
+            <a:off x="511030" y="1416451"/>
+            <a:ext cx="10515600" cy="2012549"/>
+          </a:xfrm>
+        </p:spPr>
+        <p:txBody>
+          <a:bodyPr>
+            <a:normAutofit/>
+          </a:bodyPr>
+          <a:lstStyle/>
+          <a:p>
+            <a:pPr marL="0" indent="0">
+              <a:lnSpc>
+                <a:spcPct val="150000"/>
+              </a:lnSpc>
+              <a:buNone/>
+            </a:pPr>
+            <a:r>
+              <a:rPr lang="ko-KR" altLang="en-US" sz="2000" dirty="0"/>
+              <a:t>인스턴스</a:t>
+            </a:r>
+            <a:r>
+              <a:rPr lang="en-US" altLang="ko-KR" sz="2000" dirty="0"/>
+              <a:t>: </a:t>
+            </a:r>
+            <a:r>
+              <a:rPr lang="ko-KR" altLang="en-US" sz="2000" dirty="0"/>
+              <a:t>가상 컴퓨팅 환경</a:t>
+            </a:r>
+            <a:r>
+              <a:rPr lang="en-US" altLang="ko-KR" sz="2000" dirty="0"/>
+              <a:t> </a:t>
+            </a:r>
+          </a:p>
+        </p:txBody>
+      </p:sp>
+      <p:pic>
+        <p:nvPicPr>
+          <p:cNvPr id="5" name="그림 4">
+            <a:extLst>
+              <a:ext uri="{FF2B5EF4-FFF2-40B4-BE49-F238E27FC236}">
+                <a16:creationId xmlns:a16="http://schemas.microsoft.com/office/drawing/2014/main" id="{9240EE9D-2BB3-544E-6AE7-66AE97EEDE9A}"/>
+              </a:ext>
+            </a:extLst>
+          </p:cNvPr>
+          <p:cNvPicPr>
+            <a:picLocks noChangeAspect="1"/>
+          </p:cNvPicPr>
+          <p:nvPr/>
+        </p:nvPicPr>
+        <p:blipFill>
+          <a:blip r:embed="rId2"/>
+          <a:stretch>
+            <a:fillRect/>
+          </a:stretch>
+        </p:blipFill>
+        <p:spPr>
+          <a:xfrm>
+            <a:off x="1914608" y="2315362"/>
+            <a:ext cx="8059141" cy="4154992"/>
+          </a:xfrm>
+          <a:prstGeom prst="rect">
+            <a:avLst/>
+          </a:prstGeom>
+        </p:spPr>
+      </p:pic>
+    </p:spTree>
+    <p:extLst>
+      <p:ext uri="{BB962C8B-B14F-4D97-AF65-F5344CB8AC3E}">
+        <p14:creationId xmlns:p14="http://schemas.microsoft.com/office/powerpoint/2010/main" val="2821687508"/>
+      </p:ext>
+    </p:extLst>
+  </p:cSld>
+  <p:clrMapOvr>
+    <a:masterClrMapping/>
+  </p:clrMapOvr>
+</p:sld>
+</file>
+
+<file path=ppt/slides/slide9.xml><?xml version="1.0" encoding="utf-8"?>
+<p:sld xmlns:a="http://schemas.openxmlformats.org/drawingml/2006/main" xmlns:r="http://schemas.openxmlformats.org/officeDocument/2006/relationships" xmlns:p="http://schemas.openxmlformats.org/presentationml/2006/main">
+  <p:cSld>
+    <p:spTree>
+      <p:nvGrpSpPr>
+        <p:cNvPr id="1" name=""/>
+        <p:cNvGrpSpPr/>
+        <p:nvPr/>
+      </p:nvGrpSpPr>
+      <p:grpSpPr>
+        <a:xfrm>
+          <a:off x="0" y="0"/>
+          <a:ext cx="0" cy="0"/>
+          <a:chOff x="0" y="0"/>
+          <a:chExt cx="0" cy="0"/>
+        </a:xfrm>
+      </p:grpSpPr>
+      <p:sp>
+        <p:nvSpPr>
+          <p:cNvPr id="2" name="제목 1">
+            <a:extLst>
+              <a:ext uri="{FF2B5EF4-FFF2-40B4-BE49-F238E27FC236}">
+                <a16:creationId xmlns:a16="http://schemas.microsoft.com/office/drawing/2014/main" id="{97E51B44-8461-7B96-2388-D852A6FF27A0}"/>
+              </a:ext>
+            </a:extLst>
+          </p:cNvPr>
+          <p:cNvSpPr>
+            <a:spLocks noGrp="1"/>
+          </p:cNvSpPr>
+          <p:nvPr>
+            <p:ph type="title"/>
+          </p:nvPr>
+        </p:nvSpPr>
+        <p:spPr>
+          <a:xfrm>
+            <a:off x="511030" y="124444"/>
+            <a:ext cx="10515600" cy="1325563"/>
+          </a:xfrm>
+        </p:spPr>
+        <p:txBody>
+          <a:bodyPr/>
+          <a:lstStyle/>
+          <a:p>
+            <a:r>
+              <a:rPr lang="en-US" altLang="ko-KR" b="1" dirty="0"/>
+              <a:t>Elastic Compute Cloud(EC2)</a:t>
+            </a:r>
+            <a:endParaRPr lang="ko-KR" altLang="en-US" b="1" dirty="0"/>
+          </a:p>
+        </p:txBody>
+      </p:sp>
+      <p:sp>
+        <p:nvSpPr>
+          <p:cNvPr id="3" name="내용 개체 틀 2">
+            <a:extLst>
+              <a:ext uri="{FF2B5EF4-FFF2-40B4-BE49-F238E27FC236}">
+                <a16:creationId xmlns:a16="http://schemas.microsoft.com/office/drawing/2014/main" id="{7A4B3583-626A-8EF0-F5B5-ABF9C4B6DF8E}"/>
+              </a:ext>
+            </a:extLst>
+          </p:cNvPr>
+          <p:cNvSpPr>
+            <a:spLocks noGrp="1"/>
+          </p:cNvSpPr>
+          <p:nvPr>
+            <p:ph idx="1"/>
+          </p:nvPr>
+        </p:nvSpPr>
+        <p:spPr>
+          <a:xfrm>
+            <a:off x="511030" y="1416451"/>
+            <a:ext cx="10515600" cy="2012549"/>
+          </a:xfrm>
+        </p:spPr>
+        <p:txBody>
+          <a:bodyPr>
+            <a:normAutofit/>
+          </a:bodyPr>
+          <a:lstStyle/>
+          <a:p>
+            <a:pPr marL="0" indent="0">
+              <a:lnSpc>
+                <a:spcPct val="150000"/>
+              </a:lnSpc>
+              <a:buNone/>
+            </a:pPr>
+            <a:r>
+              <a:rPr lang="en-US" altLang="ko-KR" sz="2000" dirty="0"/>
+              <a:t>EC2 </a:t>
+            </a:r>
+            <a:r>
+              <a:rPr lang="ko-KR" altLang="en-US" sz="2000" dirty="0"/>
+              <a:t>인스턴스 표기법</a:t>
+            </a:r>
+            <a:endParaRPr lang="en-US" altLang="ko-KR" sz="2000" dirty="0"/>
+          </a:p>
+        </p:txBody>
+      </p:sp>
+      <p:pic>
+        <p:nvPicPr>
+          <p:cNvPr id="6" name="그림 5">
+            <a:extLst>
+              <a:ext uri="{FF2B5EF4-FFF2-40B4-BE49-F238E27FC236}">
+                <a16:creationId xmlns:a16="http://schemas.microsoft.com/office/drawing/2014/main" id="{FDE1E3CD-2306-4636-0A62-2B85F202A86E}"/>
+              </a:ext>
+            </a:extLst>
+          </p:cNvPr>
+          <p:cNvPicPr>
+            <a:picLocks noChangeAspect="1"/>
+          </p:cNvPicPr>
+          <p:nvPr/>
+        </p:nvPicPr>
+        <p:blipFill>
+          <a:blip r:embed="rId2"/>
+          <a:stretch>
+            <a:fillRect/>
+          </a:stretch>
+        </p:blipFill>
+        <p:spPr>
+          <a:xfrm>
+            <a:off x="1377976" y="2231471"/>
+            <a:ext cx="9436048" cy="4323591"/>
+          </a:xfrm>
+          <a:prstGeom prst="rect">
+            <a:avLst/>
+          </a:prstGeom>
+        </p:spPr>
+      </p:pic>
+    </p:spTree>
+    <p:extLst>
+      <p:ext uri="{BB962C8B-B14F-4D97-AF65-F5344CB8AC3E}">
+        <p14:creationId xmlns:p14="http://schemas.microsoft.com/office/powerpoint/2010/main" val="295840153"/>
       </p:ext>
     </p:extLst>
   </p:cSld>
@@ -3818,4 +8431,299 @@
     </a:ext>
   </a:extLst>
 </a:theme>
+</file>
+
+<file path=ppt/theme/theme2.xml><?xml version="1.0" encoding="utf-8"?>
+<a:theme xmlns:a="http://schemas.openxmlformats.org/drawingml/2006/main" name="Office 테마">
+  <a:themeElements>
+    <a:clrScheme name="Office">
+      <a:dk1>
+        <a:sysClr val="windowText" lastClr="000000"/>
+      </a:dk1>
+      <a:lt1>
+        <a:sysClr val="window" lastClr="FFFFFF"/>
+      </a:lt1>
+      <a:dk2>
+        <a:srgbClr val="44546A"/>
+      </a:dk2>
+      <a:lt2>
+        <a:srgbClr val="E7E6E6"/>
+      </a:lt2>
+      <a:accent1>
+        <a:srgbClr val="4472C4"/>
+      </a:accent1>
+      <a:accent2>
+        <a:srgbClr val="ED7D31"/>
+      </a:accent2>
+      <a:accent3>
+        <a:srgbClr val="A5A5A5"/>
+      </a:accent3>
+      <a:accent4>
+        <a:srgbClr val="FFC000"/>
+      </a:accent4>
+      <a:accent5>
+        <a:srgbClr val="5B9BD5"/>
+      </a:accent5>
+      <a:accent6>
+        <a:srgbClr val="70AD47"/>
+      </a:accent6>
+      <a:hlink>
+        <a:srgbClr val="0563C1"/>
+      </a:hlink>
+      <a:folHlink>
+        <a:srgbClr val="954F72"/>
+      </a:folHlink>
+    </a:clrScheme>
+    <a:fontScheme name="Office">
+      <a:majorFont>
+        <a:latin typeface="맑은 고딕" panose="020F0302020204030204"/>
+        <a:ea typeface=""/>
+        <a:cs typeface=""/>
+        <a:font script="Jpan" typeface="游ゴシック Light"/>
+        <a:font script="Hang" typeface="맑은 고딕"/>
+        <a:font script="Hans" typeface="等线 Light"/>
+        <a:font script="Hant" typeface="新細明體"/>
+        <a:font script="Arab" typeface="Times New Roman"/>
+        <a:font script="Hebr" typeface="Times New Roman"/>
+        <a:font script="Thai" typeface="Angsana New"/>
+        <a:font script="Ethi" typeface="Nyala"/>
+        <a:font script="Beng" typeface="Vrinda"/>
+        <a:font script="Gujr" typeface="Shruti"/>
+        <a:font script="Khmr" typeface="MoolBoran"/>
+        <a:font script="Knda" typeface="Tunga"/>
+        <a:font script="Guru" typeface="Raavi"/>
+        <a:font script="Cans" typeface="Euphemia"/>
+        <a:font script="Cher" typeface="Plantagenet Cherokee"/>
+        <a:font script="Yiii" typeface="Microsoft Yi Baiti"/>
+        <a:font script="Tibt" typeface="Microsoft Himalaya"/>
+        <a:font script="Thaa" typeface="MV Boli"/>
+        <a:font script="Deva" typeface="Mangal"/>
+        <a:font script="Telu" typeface="Gautami"/>
+        <a:font script="Taml" typeface="Latha"/>
+        <a:font script="Syrc" typeface="Estrangelo Edessa"/>
+        <a:font script="Orya" typeface="Kalinga"/>
+        <a:font script="Mlym" typeface="Kartika"/>
+        <a:font script="Laoo" typeface="DokChampa"/>
+        <a:font script="Sinh" typeface="Iskoola Pota"/>
+        <a:font script="Mong" typeface="Mongolian Baiti"/>
+        <a:font script="Viet" typeface="Times New Roman"/>
+        <a:font script="Uigh" typeface="Microsoft Uighur"/>
+        <a:font script="Geor" typeface="Sylfaen"/>
+        <a:font script="Armn" typeface="Arial"/>
+        <a:font script="Bugi" typeface="Leelawadee UI"/>
+        <a:font script="Bopo" typeface="Microsoft JhengHei"/>
+        <a:font script="Java" typeface="Javanese Text"/>
+        <a:font script="Lisu" typeface="Segoe UI"/>
+        <a:font script="Mymr" typeface="Myanmar Text"/>
+        <a:font script="Nkoo" typeface="Ebrima"/>
+        <a:font script="Olck" typeface="Nirmala UI"/>
+        <a:font script="Osma" typeface="Ebrima"/>
+        <a:font script="Phag" typeface="Phagspa"/>
+        <a:font script="Syrn" typeface="Estrangelo Edessa"/>
+        <a:font script="Syrj" typeface="Estrangelo Edessa"/>
+        <a:font script="Syre" typeface="Estrangelo Edessa"/>
+        <a:font script="Sora" typeface="Nirmala UI"/>
+        <a:font script="Tale" typeface="Microsoft Tai Le"/>
+        <a:font script="Talu" typeface="Microsoft New Tai Lue"/>
+        <a:font script="Tfng" typeface="Ebrima"/>
+      </a:majorFont>
+      <a:minorFont>
+        <a:latin typeface="맑은 고딕" panose="020F0502020204030204"/>
+        <a:ea typeface=""/>
+        <a:cs typeface=""/>
+        <a:font script="Jpan" typeface="游ゴシック"/>
+        <a:font script="Hang" typeface="맑은 고딕"/>
+        <a:font script="Hans" typeface="等线"/>
+        <a:font script="Hant" typeface="新細明體"/>
+        <a:font script="Arab" typeface="Arial"/>
+        <a:font script="Hebr" typeface="Arial"/>
+        <a:font script="Thai" typeface="Cordia New"/>
+        <a:font script="Ethi" typeface="Nyala"/>
+        <a:font script="Beng" typeface="Vrinda"/>
+        <a:font script="Gujr" typeface="Shruti"/>
+        <a:font script="Khmr" typeface="DaunPenh"/>
+        <a:font script="Knda" typeface="Tunga"/>
+        <a:font script="Guru" typeface="Raavi"/>
+        <a:font script="Cans" typeface="Euphemia"/>
+        <a:font script="Cher" typeface="Plantagenet Cherokee"/>
+        <a:font script="Yiii" typeface="Microsoft Yi Baiti"/>
+        <a:font script="Tibt" typeface="Microsoft Himalaya"/>
+        <a:font script="Thaa" typeface="MV Boli"/>
+        <a:font script="Deva" typeface="Mangal"/>
+        <a:font script="Telu" typeface="Gautami"/>
+        <a:font script="Taml" typeface="Latha"/>
+        <a:font script="Syrc" typeface="Estrangelo Edessa"/>
+        <a:font script="Orya" typeface="Kalinga"/>
+        <a:font script="Mlym" typeface="Kartika"/>
+        <a:font script="Laoo" typeface="DokChampa"/>
+        <a:font script="Sinh" typeface="Iskoola Pota"/>
+        <a:font script="Mong" typeface="Mongolian Baiti"/>
+        <a:font script="Viet" typeface="Arial"/>
+        <a:font script="Uigh" typeface="Microsoft Uighur"/>
+        <a:font script="Geor" typeface="Sylfaen"/>
+        <a:font script="Armn" typeface="Arial"/>
+        <a:font script="Bugi" typeface="Leelawadee UI"/>
+        <a:font script="Bopo" typeface="Microsoft JhengHei"/>
+        <a:font script="Java" typeface="Javanese Text"/>
+        <a:font script="Lisu" typeface="Segoe UI"/>
+        <a:font script="Mymr" typeface="Myanmar Text"/>
+        <a:font script="Nkoo" typeface="Ebrima"/>
+        <a:font script="Olck" typeface="Nirmala UI"/>
+        <a:font script="Osma" typeface="Ebrima"/>
+        <a:font script="Phag" typeface="Phagspa"/>
+        <a:font script="Syrn" typeface="Estrangelo Edessa"/>
+        <a:font script="Syrj" typeface="Estrangelo Edessa"/>
+        <a:font script="Syre" typeface="Estrangelo Edessa"/>
+        <a:font script="Sora" typeface="Nirmala UI"/>
+        <a:font script="Tale" typeface="Microsoft Tai Le"/>
+        <a:font script="Talu" typeface="Microsoft New Tai Lue"/>
+        <a:font script="Tfng" typeface="Ebrima"/>
+      </a:minorFont>
+    </a:fontScheme>
+    <a:fmtScheme name="Office">
+      <a:fillStyleLst>
+        <a:solidFill>
+          <a:schemeClr val="phClr"/>
+        </a:solidFill>
+        <a:gradFill rotWithShape="1">
+          <a:gsLst>
+            <a:gs pos="0">
+              <a:schemeClr val="phClr">
+                <a:lumMod val="110000"/>
+                <a:satMod val="105000"/>
+                <a:tint val="67000"/>
+              </a:schemeClr>
+            </a:gs>
+            <a:gs pos="50000">
+              <a:schemeClr val="phClr">
+                <a:lumMod val="105000"/>
+                <a:satMod val="103000"/>
+                <a:tint val="73000"/>
+              </a:schemeClr>
+            </a:gs>
+            <a:gs pos="100000">
+              <a:schemeClr val="phClr">
+                <a:lumMod val="105000"/>
+                <a:satMod val="109000"/>
+                <a:tint val="81000"/>
+              </a:schemeClr>
+            </a:gs>
+          </a:gsLst>
+          <a:lin ang="5400000" scaled="0"/>
+        </a:gradFill>
+        <a:gradFill rotWithShape="1">
+          <a:gsLst>
+            <a:gs pos="0">
+              <a:schemeClr val="phClr">
+                <a:satMod val="103000"/>
+                <a:lumMod val="102000"/>
+                <a:tint val="94000"/>
+              </a:schemeClr>
+            </a:gs>
+            <a:gs pos="50000">
+              <a:schemeClr val="phClr">
+                <a:satMod val="110000"/>
+                <a:lumMod val="100000"/>
+                <a:shade val="100000"/>
+              </a:schemeClr>
+            </a:gs>
+            <a:gs pos="100000">
+              <a:schemeClr val="phClr">
+                <a:lumMod val="99000"/>
+                <a:satMod val="120000"/>
+                <a:shade val="78000"/>
+              </a:schemeClr>
+            </a:gs>
+          </a:gsLst>
+          <a:lin ang="5400000" scaled="0"/>
+        </a:gradFill>
+      </a:fillStyleLst>
+      <a:lnStyleLst>
+        <a:ln w="6350" cap="flat" cmpd="sng" algn="ctr">
+          <a:solidFill>
+            <a:schemeClr val="phClr"/>
+          </a:solidFill>
+          <a:prstDash val="solid"/>
+          <a:miter lim="800000"/>
+        </a:ln>
+        <a:ln w="12700" cap="flat" cmpd="sng" algn="ctr">
+          <a:solidFill>
+            <a:schemeClr val="phClr"/>
+          </a:solidFill>
+          <a:prstDash val="solid"/>
+          <a:miter lim="800000"/>
+        </a:ln>
+        <a:ln w="19050" cap="flat" cmpd="sng" algn="ctr">
+          <a:solidFill>
+            <a:schemeClr val="phClr"/>
+          </a:solidFill>
+          <a:prstDash val="solid"/>
+          <a:miter lim="800000"/>
+        </a:ln>
+      </a:lnStyleLst>
+      <a:effectStyleLst>
+        <a:effectStyle>
+          <a:effectLst/>
+        </a:effectStyle>
+        <a:effectStyle>
+          <a:effectLst/>
+        </a:effectStyle>
+        <a:effectStyle>
+          <a:effectLst>
+            <a:outerShdw blurRad="57150" dist="19050" dir="5400000" algn="ctr" rotWithShape="0">
+              <a:srgbClr val="000000">
+                <a:alpha val="63000"/>
+              </a:srgbClr>
+            </a:outerShdw>
+          </a:effectLst>
+        </a:effectStyle>
+      </a:effectStyleLst>
+      <a:bgFillStyleLst>
+        <a:solidFill>
+          <a:schemeClr val="phClr"/>
+        </a:solidFill>
+        <a:solidFill>
+          <a:schemeClr val="phClr">
+            <a:tint val="95000"/>
+            <a:satMod val="170000"/>
+          </a:schemeClr>
+        </a:solidFill>
+        <a:gradFill rotWithShape="1">
+          <a:gsLst>
+            <a:gs pos="0">
+              <a:schemeClr val="phClr">
+                <a:tint val="93000"/>
+                <a:satMod val="150000"/>
+                <a:shade val="98000"/>
+                <a:lumMod val="102000"/>
+              </a:schemeClr>
+            </a:gs>
+            <a:gs pos="50000">
+              <a:schemeClr val="phClr">
+                <a:tint val="98000"/>
+                <a:satMod val="130000"/>
+                <a:shade val="90000"/>
+                <a:lumMod val="103000"/>
+              </a:schemeClr>
+            </a:gs>
+            <a:gs pos="100000">
+              <a:schemeClr val="phClr">
+                <a:shade val="63000"/>
+                <a:satMod val="120000"/>
+              </a:schemeClr>
+            </a:gs>
+          </a:gsLst>
+          <a:lin ang="5400000" scaled="0"/>
+        </a:gradFill>
+      </a:bgFillStyleLst>
+    </a:fmtScheme>
+  </a:themeElements>
+  <a:objectDefaults/>
+  <a:extraClrSchemeLst/>
+  <a:extLst>
+    <a:ext uri="{05A4C25C-085E-4340-85A3-A5531E510DB2}">
+      <thm15:themeFamily xmlns:thm15="http://schemas.microsoft.com/office/thememl/2012/main" name="Office Theme" id="{62F939B6-93AF-4DB8-9C6B-D6C7DFDC589F}" vid="{4A3C46E8-61CC-4603-A589-7422A47A8E4A}"/>
+    </a:ext>
+  </a:extLst>
+</a:theme>
 </file>